--- a/Documents/Präsentation_Universum-Webseite_Adrian.pptx
+++ b/Documents/Präsentation_Universum-Webseite_Adrian.pptx
@@ -10,7 +10,7 @@
     <p:sldId id="258" r:id="rId4"/>
     <p:sldId id="259" r:id="rId5"/>
     <p:sldId id="260" r:id="rId6"/>
-    <p:sldId id="261" r:id="rId7"/>
+    <p:sldId id="264" r:id="rId7"/>
     <p:sldId id="262" r:id="rId8"/>
     <p:sldId id="263" r:id="rId9"/>
   </p:sldIdLst>
@@ -111,7 +111,2150 @@
       </a:defRPr>
     </a:lvl9pPr>
   </p:defaultTextStyle>
+  <p:extLst>
+    <p:ext uri="{EFAFB233-063F-42B5-8137-9DF3F51BA10A}">
+      <p15:sldGuideLst xmlns:p15="http://schemas.microsoft.com/office/powerpoint/2012/main"/>
+    </p:ext>
+  </p:extLst>
 </p:presentation>
+</file>
+
+<file path=ppt/revisionInfo.xml><?xml version="1.0" encoding="utf-8"?>
+<p1510:revInfo xmlns:a="http://schemas.openxmlformats.org/drawingml/2006/main" xmlns:r="http://schemas.openxmlformats.org/officeDocument/2006/relationships" xmlns:p1510="http://schemas.microsoft.com/office/powerpoint/2015/10/main">
+  <p1510:revLst>
+    <p1510:client id="{5EF9EA88-F374-4638-BD9A-1A34A4137A29}" v="146" dt="2024-02-23T14:21:21.134"/>
+  </p1510:revLst>
+</p1510:revInfo>
+</file>
+
+<file path=ppt/changesInfos/changesInfo1.xml><?xml version="1.0" encoding="utf-8"?>
+<pc:chgInfo xmlns:a="http://schemas.openxmlformats.org/drawingml/2006/main" xmlns:r="http://schemas.openxmlformats.org/officeDocument/2006/relationships" xmlns:ac="http://schemas.microsoft.com/office/drawing/2013/main/command" xmlns:pc="http://schemas.microsoft.com/office/powerpoint/2013/main/command">
+  <pc:docChgLst>
+    <pc:chgData name="Bischoff Adrian Christoph" userId="96c51fd8-79b1-4306-8bef-98cce4b6a07e" providerId="ADAL" clId="{5EF9EA88-F374-4638-BD9A-1A34A4137A29}"/>
+    <pc:docChg chg="undo redo custSel addSld delSld modSld sldOrd modMainMaster">
+      <pc:chgData name="Bischoff Adrian Christoph" userId="96c51fd8-79b1-4306-8bef-98cce4b6a07e" providerId="ADAL" clId="{5EF9EA88-F374-4638-BD9A-1A34A4137A29}" dt="2024-02-23T14:21:44.253" v="2061" actId="14100"/>
+      <pc:docMkLst>
+        <pc:docMk/>
+      </pc:docMkLst>
+      <pc:sldChg chg="addSp delSp modSp mod setBg addAnim delAnim delDesignElem">
+        <pc:chgData name="Bischoff Adrian Christoph" userId="96c51fd8-79b1-4306-8bef-98cce4b6a07e" providerId="ADAL" clId="{5EF9EA88-F374-4638-BD9A-1A34A4137A29}" dt="2024-02-23T13:24:18.300" v="1898"/>
+        <pc:sldMkLst>
+          <pc:docMk/>
+          <pc:sldMk cId="526904766" sldId="256"/>
+        </pc:sldMkLst>
+        <pc:spChg chg="mod">
+          <ac:chgData name="Bischoff Adrian Christoph" userId="96c51fd8-79b1-4306-8bef-98cce4b6a07e" providerId="ADAL" clId="{5EF9EA88-F374-4638-BD9A-1A34A4137A29}" dt="2024-02-23T11:56:34.112" v="665" actId="26606"/>
+          <ac:spMkLst>
+            <pc:docMk/>
+            <pc:sldMk cId="526904766" sldId="256"/>
+            <ac:spMk id="2" creationId="{DAF7F2E2-A92A-2E56-7107-441FCE95C614}"/>
+          </ac:spMkLst>
+        </pc:spChg>
+        <pc:spChg chg="mod">
+          <ac:chgData name="Bischoff Adrian Christoph" userId="96c51fd8-79b1-4306-8bef-98cce4b6a07e" providerId="ADAL" clId="{5EF9EA88-F374-4638-BD9A-1A34A4137A29}" dt="2024-02-23T11:56:34.112" v="665" actId="26606"/>
+          <ac:spMkLst>
+            <pc:docMk/>
+            <pc:sldMk cId="526904766" sldId="256"/>
+            <ac:spMk id="3" creationId="{0F401B20-40E9-2008-5EE6-98278478B297}"/>
+          </ac:spMkLst>
+        </pc:spChg>
+        <pc:spChg chg="add del">
+          <ac:chgData name="Bischoff Adrian Christoph" userId="96c51fd8-79b1-4306-8bef-98cce4b6a07e" providerId="ADAL" clId="{5EF9EA88-F374-4638-BD9A-1A34A4137A29}" dt="2024-02-23T11:55:17.752" v="652" actId="26606"/>
+          <ac:spMkLst>
+            <pc:docMk/>
+            <pc:sldMk cId="526904766" sldId="256"/>
+            <ac:spMk id="10" creationId="{5A7802B6-FF37-40CF-A7E2-6F2A0D9A91EF}"/>
+          </ac:spMkLst>
+        </pc:spChg>
+        <pc:spChg chg="add del">
+          <ac:chgData name="Bischoff Adrian Christoph" userId="96c51fd8-79b1-4306-8bef-98cce4b6a07e" providerId="ADAL" clId="{5EF9EA88-F374-4638-BD9A-1A34A4137A29}" dt="2024-02-23T11:55:16.731" v="649" actId="26606"/>
+          <ac:spMkLst>
+            <pc:docMk/>
+            <pc:sldMk cId="526904766" sldId="256"/>
+            <ac:spMk id="15" creationId="{F6E918B1-FA59-42EF-8A8E-B0F3D1E54084}"/>
+          </ac:spMkLst>
+        </pc:spChg>
+        <pc:spChg chg="add del">
+          <ac:chgData name="Bischoff Adrian Christoph" userId="96c51fd8-79b1-4306-8bef-98cce4b6a07e" providerId="ADAL" clId="{5EF9EA88-F374-4638-BD9A-1A34A4137A29}" dt="2024-02-23T13:24:18.300" v="1898"/>
+          <ac:spMkLst>
+            <pc:docMk/>
+            <pc:sldMk cId="526904766" sldId="256"/>
+            <ac:spMk id="1028" creationId="{CC4083E7-7DB9-4FC5-B464-F3D93B8D8E9F}"/>
+          </ac:spMkLst>
+        </pc:spChg>
+        <pc:spChg chg="add del">
+          <ac:chgData name="Bischoff Adrian Christoph" userId="96c51fd8-79b1-4306-8bef-98cce4b6a07e" providerId="ADAL" clId="{5EF9EA88-F374-4638-BD9A-1A34A4137A29}" dt="2024-02-23T11:56:26.634" v="656" actId="26606"/>
+          <ac:spMkLst>
+            <pc:docMk/>
+            <pc:sldMk cId="526904766" sldId="256"/>
+            <ac:spMk id="1031" creationId="{5A7802B6-FF37-40CF-A7E2-6F2A0D9A91EF}"/>
+          </ac:spMkLst>
+        </pc:spChg>
+        <pc:spChg chg="add del">
+          <ac:chgData name="Bischoff Adrian Christoph" userId="96c51fd8-79b1-4306-8bef-98cce4b6a07e" providerId="ADAL" clId="{5EF9EA88-F374-4638-BD9A-1A34A4137A29}" dt="2024-02-23T13:24:18.300" v="1898"/>
+          <ac:spMkLst>
+            <pc:docMk/>
+            <pc:sldMk cId="526904766" sldId="256"/>
+            <ac:spMk id="1033" creationId="{3A31F45F-754F-4DE9-BB47-376D852F10F4}"/>
+          </ac:spMkLst>
+        </pc:spChg>
+        <pc:spChg chg="add del">
+          <ac:chgData name="Bischoff Adrian Christoph" userId="96c51fd8-79b1-4306-8bef-98cce4b6a07e" providerId="ADAL" clId="{5EF9EA88-F374-4638-BD9A-1A34A4137A29}" dt="2024-02-23T13:24:18.300" v="1898"/>
+          <ac:spMkLst>
+            <pc:docMk/>
+            <pc:sldMk cId="526904766" sldId="256"/>
+            <ac:spMk id="1039" creationId="{926CA434-D0D7-4D87-925F-AADDDC5807E4}"/>
+          </ac:spMkLst>
+        </pc:spChg>
+        <pc:spChg chg="add del">
+          <ac:chgData name="Bischoff Adrian Christoph" userId="96c51fd8-79b1-4306-8bef-98cce4b6a07e" providerId="ADAL" clId="{5EF9EA88-F374-4638-BD9A-1A34A4137A29}" dt="2024-02-23T13:24:18.300" v="1898"/>
+          <ac:spMkLst>
+            <pc:docMk/>
+            <pc:sldMk cId="526904766" sldId="256"/>
+            <ac:spMk id="1041" creationId="{321F9B9F-EF9D-471D-8682-32FC29FFD08B}"/>
+          </ac:spMkLst>
+        </pc:spChg>
+        <pc:spChg chg="add del">
+          <ac:chgData name="Bischoff Adrian Christoph" userId="96c51fd8-79b1-4306-8bef-98cce4b6a07e" providerId="ADAL" clId="{5EF9EA88-F374-4638-BD9A-1A34A4137A29}" dt="2024-02-23T13:24:18.300" v="1898"/>
+          <ac:spMkLst>
+            <pc:docMk/>
+            <pc:sldMk cId="526904766" sldId="256"/>
+            <ac:spMk id="1043" creationId="{B3E64CAB-A26E-41D9-BDF3-C2126B5E8E04}"/>
+          </ac:spMkLst>
+        </pc:spChg>
+        <pc:spChg chg="add del">
+          <ac:chgData name="Bischoff Adrian Christoph" userId="96c51fd8-79b1-4306-8bef-98cce4b6a07e" providerId="ADAL" clId="{5EF9EA88-F374-4638-BD9A-1A34A4137A29}" dt="2024-02-23T13:24:18.300" v="1898"/>
+          <ac:spMkLst>
+            <pc:docMk/>
+            <pc:sldMk cId="526904766" sldId="256"/>
+            <ac:spMk id="1045" creationId="{B514DF98-6EAD-4CC5-A489-A860CF56AD7D}"/>
+          </ac:spMkLst>
+        </pc:spChg>
+        <pc:spChg chg="add del">
+          <ac:chgData name="Bischoff Adrian Christoph" userId="96c51fd8-79b1-4306-8bef-98cce4b6a07e" providerId="ADAL" clId="{5EF9EA88-F374-4638-BD9A-1A34A4137A29}" dt="2024-02-23T13:24:18.300" v="1898"/>
+          <ac:spMkLst>
+            <pc:docMk/>
+            <pc:sldMk cId="526904766" sldId="256"/>
+            <ac:spMk id="1047" creationId="{B4D87FD0-176F-488F-BAD6-5CB75827CEDC}"/>
+          </ac:spMkLst>
+        </pc:spChg>
+        <pc:spChg chg="add del">
+          <ac:chgData name="Bischoff Adrian Christoph" userId="96c51fd8-79b1-4306-8bef-98cce4b6a07e" providerId="ADAL" clId="{5EF9EA88-F374-4638-BD9A-1A34A4137A29}" dt="2024-02-23T13:24:18.300" v="1898"/>
+          <ac:spMkLst>
+            <pc:docMk/>
+            <pc:sldMk cId="526904766" sldId="256"/>
+            <ac:spMk id="1049" creationId="{92534681-4F90-4D14-B32A-6C2FB37C8760}"/>
+          </ac:spMkLst>
+        </pc:spChg>
+        <pc:spChg chg="add del">
+          <ac:chgData name="Bischoff Adrian Christoph" userId="96c51fd8-79b1-4306-8bef-98cce4b6a07e" providerId="ADAL" clId="{5EF9EA88-F374-4638-BD9A-1A34A4137A29}" dt="2024-02-23T13:24:18.300" v="1898"/>
+          <ac:spMkLst>
+            <pc:docMk/>
+            <pc:sldMk cId="526904766" sldId="256"/>
+            <ac:spMk id="1051" creationId="{7F846794-611C-4DF8-A443-7C27A11C2912}"/>
+          </ac:spMkLst>
+        </pc:spChg>
+        <pc:picChg chg="add del mod ord">
+          <ac:chgData name="Bischoff Adrian Christoph" userId="96c51fd8-79b1-4306-8bef-98cce4b6a07e" providerId="ADAL" clId="{5EF9EA88-F374-4638-BD9A-1A34A4137A29}" dt="2024-02-23T11:55:19.199" v="653" actId="478"/>
+          <ac:picMkLst>
+            <pc:docMk/>
+            <pc:sldMk cId="526904766" sldId="256"/>
+            <ac:picMk id="5" creationId="{81FBCAEB-3CBF-04F7-3934-A3245F9940B0}"/>
+          </ac:picMkLst>
+        </pc:picChg>
+        <pc:picChg chg="add mod ord">
+          <ac:chgData name="Bischoff Adrian Christoph" userId="96c51fd8-79b1-4306-8bef-98cce4b6a07e" providerId="ADAL" clId="{5EF9EA88-F374-4638-BD9A-1A34A4137A29}" dt="2024-02-23T11:56:44.792" v="667" actId="1076"/>
+          <ac:picMkLst>
+            <pc:docMk/>
+            <pc:sldMk cId="526904766" sldId="256"/>
+            <ac:picMk id="1026" creationId="{1BED3353-FCDC-FDF9-7DAB-60FC2C7ED57B}"/>
+          </ac:picMkLst>
+        </pc:picChg>
+        <pc:cxnChg chg="add del">
+          <ac:chgData name="Bischoff Adrian Christoph" userId="96c51fd8-79b1-4306-8bef-98cce4b6a07e" providerId="ADAL" clId="{5EF9EA88-F374-4638-BD9A-1A34A4137A29}" dt="2024-02-23T13:24:18.300" v="1898"/>
+          <ac:cxnSpMkLst>
+            <pc:docMk/>
+            <pc:sldMk cId="526904766" sldId="256"/>
+            <ac:cxnSpMk id="1035" creationId="{527EB943-755E-4000-849C-70B9070CB58A}"/>
+          </ac:cxnSpMkLst>
+        </pc:cxnChg>
+        <pc:cxnChg chg="add del">
+          <ac:chgData name="Bischoff Adrian Christoph" userId="96c51fd8-79b1-4306-8bef-98cce4b6a07e" providerId="ADAL" clId="{5EF9EA88-F374-4638-BD9A-1A34A4137A29}" dt="2024-02-23T13:24:18.300" v="1898"/>
+          <ac:cxnSpMkLst>
+            <pc:docMk/>
+            <pc:sldMk cId="526904766" sldId="256"/>
+            <ac:cxnSpMk id="1037" creationId="{88C0E865-DD2F-4731-8827-462D0810D60C}"/>
+          </ac:cxnSpMkLst>
+        </pc:cxnChg>
+      </pc:sldChg>
+      <pc:sldChg chg="addSp delSp modSp mod setBg">
+        <pc:chgData name="Bischoff Adrian Christoph" userId="96c51fd8-79b1-4306-8bef-98cce4b6a07e" providerId="ADAL" clId="{5EF9EA88-F374-4638-BD9A-1A34A4137A29}" dt="2024-02-23T13:16:28.339" v="1835" actId="20577"/>
+        <pc:sldMkLst>
+          <pc:docMk/>
+          <pc:sldMk cId="1610946155" sldId="257"/>
+        </pc:sldMkLst>
+        <pc:spChg chg="mod">
+          <ac:chgData name="Bischoff Adrian Christoph" userId="96c51fd8-79b1-4306-8bef-98cce4b6a07e" providerId="ADAL" clId="{5EF9EA88-F374-4638-BD9A-1A34A4137A29}" dt="2024-02-23T13:11:56.824" v="1805" actId="26606"/>
+          <ac:spMkLst>
+            <pc:docMk/>
+            <pc:sldMk cId="1610946155" sldId="257"/>
+            <ac:spMk id="2" creationId="{D653B23C-7B2F-622C-01F5-456028A58227}"/>
+          </ac:spMkLst>
+        </pc:spChg>
+        <pc:spChg chg="mod">
+          <ac:chgData name="Bischoff Adrian Christoph" userId="96c51fd8-79b1-4306-8bef-98cce4b6a07e" providerId="ADAL" clId="{5EF9EA88-F374-4638-BD9A-1A34A4137A29}" dt="2024-02-23T13:16:28.339" v="1835" actId="20577"/>
+          <ac:spMkLst>
+            <pc:docMk/>
+            <pc:sldMk cId="1610946155" sldId="257"/>
+            <ac:spMk id="3" creationId="{A05EAC25-130D-1D50-AC31-605E93EBB84C}"/>
+          </ac:spMkLst>
+        </pc:spChg>
+        <pc:spChg chg="add del">
+          <ac:chgData name="Bischoff Adrian Christoph" userId="96c51fd8-79b1-4306-8bef-98cce4b6a07e" providerId="ADAL" clId="{5EF9EA88-F374-4638-BD9A-1A34A4137A29}" dt="2024-02-23T13:09:34.221" v="1777" actId="26606"/>
+          <ac:spMkLst>
+            <pc:docMk/>
+            <pc:sldMk cId="1610946155" sldId="257"/>
+            <ac:spMk id="9" creationId="{3BCB5F6A-9EB0-40B0-9D13-3023E9A20508}"/>
+          </ac:spMkLst>
+        </pc:spChg>
+        <pc:picChg chg="add del">
+          <ac:chgData name="Bischoff Adrian Christoph" userId="96c51fd8-79b1-4306-8bef-98cce4b6a07e" providerId="ADAL" clId="{5EF9EA88-F374-4638-BD9A-1A34A4137A29}" dt="2024-02-23T13:09:34.221" v="1777" actId="26606"/>
+          <ac:picMkLst>
+            <pc:docMk/>
+            <pc:sldMk cId="1610946155" sldId="257"/>
+            <ac:picMk id="5" creationId="{9D1BFB25-C011-44B8-0FE2-08B68733178C}"/>
+          </ac:picMkLst>
+        </pc:picChg>
+        <pc:picChg chg="add mod ord">
+          <ac:chgData name="Bischoff Adrian Christoph" userId="96c51fd8-79b1-4306-8bef-98cce4b6a07e" providerId="ADAL" clId="{5EF9EA88-F374-4638-BD9A-1A34A4137A29}" dt="2024-02-23T13:11:56.824" v="1805" actId="26606"/>
+          <ac:picMkLst>
+            <pc:docMk/>
+            <pc:sldMk cId="1610946155" sldId="257"/>
+            <ac:picMk id="6" creationId="{F617857B-8F35-E2AD-5E90-1FDE379D5D63}"/>
+          </ac:picMkLst>
+        </pc:picChg>
+        <pc:picChg chg="add del mod">
+          <ac:chgData name="Bischoff Adrian Christoph" userId="96c51fd8-79b1-4306-8bef-98cce4b6a07e" providerId="ADAL" clId="{5EF9EA88-F374-4638-BD9A-1A34A4137A29}" dt="2024-02-23T13:09:11.531" v="1775" actId="478"/>
+          <ac:picMkLst>
+            <pc:docMk/>
+            <pc:sldMk cId="1610946155" sldId="257"/>
+            <ac:picMk id="7" creationId="{220AF2C6-5BA5-0037-A543-B90018E5534C}"/>
+          </ac:picMkLst>
+        </pc:picChg>
+        <pc:picChg chg="add mod">
+          <ac:chgData name="Bischoff Adrian Christoph" userId="96c51fd8-79b1-4306-8bef-98cce4b6a07e" providerId="ADAL" clId="{5EF9EA88-F374-4638-BD9A-1A34A4137A29}" dt="2024-02-23T13:11:56.824" v="1805" actId="26606"/>
+          <ac:picMkLst>
+            <pc:docMk/>
+            <pc:sldMk cId="1610946155" sldId="257"/>
+            <ac:picMk id="10" creationId="{48B5B012-DF70-AA0D-D802-0BB8252E85C0}"/>
+          </ac:picMkLst>
+        </pc:picChg>
+        <pc:picChg chg="add del">
+          <ac:chgData name="Bischoff Adrian Christoph" userId="96c51fd8-79b1-4306-8bef-98cce4b6a07e" providerId="ADAL" clId="{5EF9EA88-F374-4638-BD9A-1A34A4137A29}" dt="2024-02-23T13:09:38.361" v="1779" actId="21"/>
+          <ac:picMkLst>
+            <pc:docMk/>
+            <pc:sldMk cId="1610946155" sldId="257"/>
+            <ac:picMk id="11" creationId="{4BCCD3F0-16FD-EA22-5D1C-67D0E296288A}"/>
+          </ac:picMkLst>
+        </pc:picChg>
+        <pc:picChg chg="add mod">
+          <ac:chgData name="Bischoff Adrian Christoph" userId="96c51fd8-79b1-4306-8bef-98cce4b6a07e" providerId="ADAL" clId="{5EF9EA88-F374-4638-BD9A-1A34A4137A29}" dt="2024-02-23T13:11:56.824" v="1805" actId="26606"/>
+          <ac:picMkLst>
+            <pc:docMk/>
+            <pc:sldMk cId="1610946155" sldId="257"/>
+            <ac:picMk id="13" creationId="{9F57E5C5-1F82-19DF-16BB-49B4B0BAC7B3}"/>
+          </ac:picMkLst>
+        </pc:picChg>
+      </pc:sldChg>
+      <pc:sldChg chg="addSp delSp modSp mod setBg modClrScheme delDesignElem chgLayout">
+        <pc:chgData name="Bischoff Adrian Christoph" userId="96c51fd8-79b1-4306-8bef-98cce4b6a07e" providerId="ADAL" clId="{5EF9EA88-F374-4638-BD9A-1A34A4137A29}" dt="2024-02-23T13:25:27.061" v="1910" actId="1076"/>
+        <pc:sldMkLst>
+          <pc:docMk/>
+          <pc:sldMk cId="3605508226" sldId="258"/>
+        </pc:sldMkLst>
+        <pc:spChg chg="mod ord">
+          <ac:chgData name="Bischoff Adrian Christoph" userId="96c51fd8-79b1-4306-8bef-98cce4b6a07e" providerId="ADAL" clId="{5EF9EA88-F374-4638-BD9A-1A34A4137A29}" dt="2024-02-23T13:25:27.061" v="1910" actId="1076"/>
+          <ac:spMkLst>
+            <pc:docMk/>
+            <pc:sldMk cId="3605508226" sldId="258"/>
+            <ac:spMk id="2" creationId="{D01D492C-EDE2-6274-D0FA-594243E6209A}"/>
+          </ac:spMkLst>
+        </pc:spChg>
+        <pc:spChg chg="mod ord">
+          <ac:chgData name="Bischoff Adrian Christoph" userId="96c51fd8-79b1-4306-8bef-98cce4b6a07e" providerId="ADAL" clId="{5EF9EA88-F374-4638-BD9A-1A34A4137A29}" dt="2024-02-23T13:24:36.941" v="1902" actId="27636"/>
+          <ac:spMkLst>
+            <pc:docMk/>
+            <pc:sldMk cId="3605508226" sldId="258"/>
+            <ac:spMk id="3" creationId="{ACB528BE-05D0-B7A2-5933-2DF55ECB8953}"/>
+          </ac:spMkLst>
+        </pc:spChg>
+        <pc:spChg chg="add del">
+          <ac:chgData name="Bischoff Adrian Christoph" userId="96c51fd8-79b1-4306-8bef-98cce4b6a07e" providerId="ADAL" clId="{5EF9EA88-F374-4638-BD9A-1A34A4137A29}" dt="2024-02-23T13:24:16.263" v="1895" actId="26606"/>
+          <ac:spMkLst>
+            <pc:docMk/>
+            <pc:sldMk cId="3605508226" sldId="258"/>
+            <ac:spMk id="12" creationId="{3F088236-D655-4F88-B238-E16762358025}"/>
+          </ac:spMkLst>
+        </pc:spChg>
+        <pc:spChg chg="add del">
+          <ac:chgData name="Bischoff Adrian Christoph" userId="96c51fd8-79b1-4306-8bef-98cce4b6a07e" providerId="ADAL" clId="{5EF9EA88-F374-4638-BD9A-1A34A4137A29}" dt="2024-02-23T10:09:41.687" v="292" actId="26606"/>
+          <ac:spMkLst>
+            <pc:docMk/>
+            <pc:sldMk cId="3605508226" sldId="258"/>
+            <ac:spMk id="13" creationId="{3F088236-D655-4F88-B238-E16762358025}"/>
+          </ac:spMkLst>
+        </pc:spChg>
+        <pc:spChg chg="add del">
+          <ac:chgData name="Bischoff Adrian Christoph" userId="96c51fd8-79b1-4306-8bef-98cce4b6a07e" providerId="ADAL" clId="{5EF9EA88-F374-4638-BD9A-1A34A4137A29}" dt="2024-02-23T13:24:16.263" v="1895" actId="26606"/>
+          <ac:spMkLst>
+            <pc:docMk/>
+            <pc:sldMk cId="3605508226" sldId="258"/>
+            <ac:spMk id="14" creationId="{3DAC0C92-199E-475C-9390-119A9B027276}"/>
+          </ac:spMkLst>
+        </pc:spChg>
+        <pc:spChg chg="add del">
+          <ac:chgData name="Bischoff Adrian Christoph" userId="96c51fd8-79b1-4306-8bef-98cce4b6a07e" providerId="ADAL" clId="{5EF9EA88-F374-4638-BD9A-1A34A4137A29}" dt="2024-02-23T10:09:41.687" v="292" actId="26606"/>
+          <ac:spMkLst>
+            <pc:docMk/>
+            <pc:sldMk cId="3605508226" sldId="258"/>
+            <ac:spMk id="15" creationId="{3DAC0C92-199E-475C-9390-119A9B027276}"/>
+          </ac:spMkLst>
+        </pc:spChg>
+        <pc:spChg chg="add del">
+          <ac:chgData name="Bischoff Adrian Christoph" userId="96c51fd8-79b1-4306-8bef-98cce4b6a07e" providerId="ADAL" clId="{5EF9EA88-F374-4638-BD9A-1A34A4137A29}" dt="2024-02-23T13:24:16.263" v="1895" actId="26606"/>
+          <ac:spMkLst>
+            <pc:docMk/>
+            <pc:sldMk cId="3605508226" sldId="258"/>
+            <ac:spMk id="16" creationId="{C4CFB339-0ED8-4FE2-9EF1-6D1375B8499B}"/>
+          </ac:spMkLst>
+        </pc:spChg>
+        <pc:spChg chg="add del">
+          <ac:chgData name="Bischoff Adrian Christoph" userId="96c51fd8-79b1-4306-8bef-98cce4b6a07e" providerId="ADAL" clId="{5EF9EA88-F374-4638-BD9A-1A34A4137A29}" dt="2024-02-23T10:09:41.687" v="292" actId="26606"/>
+          <ac:spMkLst>
+            <pc:docMk/>
+            <pc:sldMk cId="3605508226" sldId="258"/>
+            <ac:spMk id="17" creationId="{C4CFB339-0ED8-4FE2-9EF1-6D1375B8499B}"/>
+          </ac:spMkLst>
+        </pc:spChg>
+        <pc:spChg chg="add del">
+          <ac:chgData name="Bischoff Adrian Christoph" userId="96c51fd8-79b1-4306-8bef-98cce4b6a07e" providerId="ADAL" clId="{5EF9EA88-F374-4638-BD9A-1A34A4137A29}" dt="2024-02-23T13:24:16.263" v="1895" actId="26606"/>
+          <ac:spMkLst>
+            <pc:docMk/>
+            <pc:sldMk cId="3605508226" sldId="258"/>
+            <ac:spMk id="18" creationId="{31896C80-2069-4431-9C19-83B913734490}"/>
+          </ac:spMkLst>
+        </pc:spChg>
+        <pc:spChg chg="add del">
+          <ac:chgData name="Bischoff Adrian Christoph" userId="96c51fd8-79b1-4306-8bef-98cce4b6a07e" providerId="ADAL" clId="{5EF9EA88-F374-4638-BD9A-1A34A4137A29}" dt="2024-02-23T10:09:41.687" v="292" actId="26606"/>
+          <ac:spMkLst>
+            <pc:docMk/>
+            <pc:sldMk cId="3605508226" sldId="258"/>
+            <ac:spMk id="19" creationId="{31896C80-2069-4431-9C19-83B913734490}"/>
+          </ac:spMkLst>
+        </pc:spChg>
+        <pc:spChg chg="add del">
+          <ac:chgData name="Bischoff Adrian Christoph" userId="96c51fd8-79b1-4306-8bef-98cce4b6a07e" providerId="ADAL" clId="{5EF9EA88-F374-4638-BD9A-1A34A4137A29}" dt="2024-02-23T13:24:16.263" v="1895" actId="26606"/>
+          <ac:spMkLst>
+            <pc:docMk/>
+            <pc:sldMk cId="3605508226" sldId="258"/>
+            <ac:spMk id="20" creationId="{BF120A21-0841-4823-B0C4-28AEBCEF9B78}"/>
+          </ac:spMkLst>
+        </pc:spChg>
+        <pc:spChg chg="add del">
+          <ac:chgData name="Bischoff Adrian Christoph" userId="96c51fd8-79b1-4306-8bef-98cce4b6a07e" providerId="ADAL" clId="{5EF9EA88-F374-4638-BD9A-1A34A4137A29}" dt="2024-02-23T10:09:41.687" v="292" actId="26606"/>
+          <ac:spMkLst>
+            <pc:docMk/>
+            <pc:sldMk cId="3605508226" sldId="258"/>
+            <ac:spMk id="21" creationId="{BF120A21-0841-4823-B0C4-28AEBCEF9B78}"/>
+          </ac:spMkLst>
+        </pc:spChg>
+        <pc:spChg chg="add del">
+          <ac:chgData name="Bischoff Adrian Christoph" userId="96c51fd8-79b1-4306-8bef-98cce4b6a07e" providerId="ADAL" clId="{5EF9EA88-F374-4638-BD9A-1A34A4137A29}" dt="2024-02-23T13:24:16.263" v="1895" actId="26606"/>
+          <ac:spMkLst>
+            <pc:docMk/>
+            <pc:sldMk cId="3605508226" sldId="258"/>
+            <ac:spMk id="22" creationId="{DBB05BAE-BBD3-4289-899F-A6851503C6B0}"/>
+          </ac:spMkLst>
+        </pc:spChg>
+        <pc:spChg chg="add del">
+          <ac:chgData name="Bischoff Adrian Christoph" userId="96c51fd8-79b1-4306-8bef-98cce4b6a07e" providerId="ADAL" clId="{5EF9EA88-F374-4638-BD9A-1A34A4137A29}" dt="2024-02-23T10:09:41.687" v="292" actId="26606"/>
+          <ac:spMkLst>
+            <pc:docMk/>
+            <pc:sldMk cId="3605508226" sldId="258"/>
+            <ac:spMk id="23" creationId="{DBB05BAE-BBD3-4289-899F-A6851503C6B0}"/>
+          </ac:spMkLst>
+        </pc:spChg>
+        <pc:spChg chg="add del">
+          <ac:chgData name="Bischoff Adrian Christoph" userId="96c51fd8-79b1-4306-8bef-98cce4b6a07e" providerId="ADAL" clId="{5EF9EA88-F374-4638-BD9A-1A34A4137A29}" dt="2024-02-23T13:24:16.263" v="1895" actId="26606"/>
+          <ac:spMkLst>
+            <pc:docMk/>
+            <pc:sldMk cId="3605508226" sldId="258"/>
+            <ac:spMk id="24" creationId="{9874D11C-36F5-4BBE-A490-019A54E953B0}"/>
+          </ac:spMkLst>
+        </pc:spChg>
+        <pc:spChg chg="add del">
+          <ac:chgData name="Bischoff Adrian Christoph" userId="96c51fd8-79b1-4306-8bef-98cce4b6a07e" providerId="ADAL" clId="{5EF9EA88-F374-4638-BD9A-1A34A4137A29}" dt="2024-02-23T10:09:41.687" v="292" actId="26606"/>
+          <ac:spMkLst>
+            <pc:docMk/>
+            <pc:sldMk cId="3605508226" sldId="258"/>
+            <ac:spMk id="25" creationId="{9874D11C-36F5-4BBE-A490-019A54E953B0}"/>
+          </ac:spMkLst>
+        </pc:spChg>
+        <pc:spChg chg="add del">
+          <ac:chgData name="Bischoff Adrian Christoph" userId="96c51fd8-79b1-4306-8bef-98cce4b6a07e" providerId="ADAL" clId="{5EF9EA88-F374-4638-BD9A-1A34A4137A29}" dt="2024-02-23T13:24:15.339" v="1894" actId="26606"/>
+          <ac:spMkLst>
+            <pc:docMk/>
+            <pc:sldMk cId="3605508226" sldId="258"/>
+            <ac:spMk id="28" creationId="{3F088236-D655-4F88-B238-E16762358025}"/>
+          </ac:spMkLst>
+        </pc:spChg>
+        <pc:spChg chg="add del">
+          <ac:chgData name="Bischoff Adrian Christoph" userId="96c51fd8-79b1-4306-8bef-98cce4b6a07e" providerId="ADAL" clId="{5EF9EA88-F374-4638-BD9A-1A34A4137A29}" dt="2024-02-23T13:24:15.339" v="1894" actId="26606"/>
+          <ac:spMkLst>
+            <pc:docMk/>
+            <pc:sldMk cId="3605508226" sldId="258"/>
+            <ac:spMk id="30" creationId="{3DAC0C92-199E-475C-9390-119A9B027276}"/>
+          </ac:spMkLst>
+        </pc:spChg>
+        <pc:spChg chg="add del">
+          <ac:chgData name="Bischoff Adrian Christoph" userId="96c51fd8-79b1-4306-8bef-98cce4b6a07e" providerId="ADAL" clId="{5EF9EA88-F374-4638-BD9A-1A34A4137A29}" dt="2024-02-23T13:24:15.339" v="1894" actId="26606"/>
+          <ac:spMkLst>
+            <pc:docMk/>
+            <pc:sldMk cId="3605508226" sldId="258"/>
+            <ac:spMk id="32" creationId="{C4CFB339-0ED8-4FE2-9EF1-6D1375B8499B}"/>
+          </ac:spMkLst>
+        </pc:spChg>
+        <pc:spChg chg="add del">
+          <ac:chgData name="Bischoff Adrian Christoph" userId="96c51fd8-79b1-4306-8bef-98cce4b6a07e" providerId="ADAL" clId="{5EF9EA88-F374-4638-BD9A-1A34A4137A29}" dt="2024-02-23T13:24:15.339" v="1894" actId="26606"/>
+          <ac:spMkLst>
+            <pc:docMk/>
+            <pc:sldMk cId="3605508226" sldId="258"/>
+            <ac:spMk id="34" creationId="{31896C80-2069-4431-9C19-83B913734490}"/>
+          </ac:spMkLst>
+        </pc:spChg>
+        <pc:spChg chg="add del">
+          <ac:chgData name="Bischoff Adrian Christoph" userId="96c51fd8-79b1-4306-8bef-98cce4b6a07e" providerId="ADAL" clId="{5EF9EA88-F374-4638-BD9A-1A34A4137A29}" dt="2024-02-23T10:09:37.349" v="285" actId="26606"/>
+          <ac:spMkLst>
+            <pc:docMk/>
+            <pc:sldMk cId="3605508226" sldId="258"/>
+            <ac:spMk id="35" creationId="{3F088236-D655-4F88-B238-E16762358025}"/>
+          </ac:spMkLst>
+        </pc:spChg>
+        <pc:spChg chg="add del">
+          <ac:chgData name="Bischoff Adrian Christoph" userId="96c51fd8-79b1-4306-8bef-98cce4b6a07e" providerId="ADAL" clId="{5EF9EA88-F374-4638-BD9A-1A34A4137A29}" dt="2024-02-23T13:24:15.339" v="1894" actId="26606"/>
+          <ac:spMkLst>
+            <pc:docMk/>
+            <pc:sldMk cId="3605508226" sldId="258"/>
+            <ac:spMk id="36" creationId="{BF120A21-0841-4823-B0C4-28AEBCEF9B78}"/>
+          </ac:spMkLst>
+        </pc:spChg>
+        <pc:spChg chg="add del">
+          <ac:chgData name="Bischoff Adrian Christoph" userId="96c51fd8-79b1-4306-8bef-98cce4b6a07e" providerId="ADAL" clId="{5EF9EA88-F374-4638-BD9A-1A34A4137A29}" dt="2024-02-23T10:09:37.349" v="285" actId="26606"/>
+          <ac:spMkLst>
+            <pc:docMk/>
+            <pc:sldMk cId="3605508226" sldId="258"/>
+            <ac:spMk id="37" creationId="{3DAC0C92-199E-475C-9390-119A9B027276}"/>
+          </ac:spMkLst>
+        </pc:spChg>
+        <pc:spChg chg="add del">
+          <ac:chgData name="Bischoff Adrian Christoph" userId="96c51fd8-79b1-4306-8bef-98cce4b6a07e" providerId="ADAL" clId="{5EF9EA88-F374-4638-BD9A-1A34A4137A29}" dt="2024-02-23T13:24:15.339" v="1894" actId="26606"/>
+          <ac:spMkLst>
+            <pc:docMk/>
+            <pc:sldMk cId="3605508226" sldId="258"/>
+            <ac:spMk id="38" creationId="{DBB05BAE-BBD3-4289-899F-A6851503C6B0}"/>
+          </ac:spMkLst>
+        </pc:spChg>
+        <pc:spChg chg="add del">
+          <ac:chgData name="Bischoff Adrian Christoph" userId="96c51fd8-79b1-4306-8bef-98cce4b6a07e" providerId="ADAL" clId="{5EF9EA88-F374-4638-BD9A-1A34A4137A29}" dt="2024-02-23T10:09:37.349" v="285" actId="26606"/>
+          <ac:spMkLst>
+            <pc:docMk/>
+            <pc:sldMk cId="3605508226" sldId="258"/>
+            <ac:spMk id="39" creationId="{C4CFB339-0ED8-4FE2-9EF1-6D1375B8499B}"/>
+          </ac:spMkLst>
+        </pc:spChg>
+        <pc:spChg chg="add del">
+          <ac:chgData name="Bischoff Adrian Christoph" userId="96c51fd8-79b1-4306-8bef-98cce4b6a07e" providerId="ADAL" clId="{5EF9EA88-F374-4638-BD9A-1A34A4137A29}" dt="2024-02-23T13:24:15.339" v="1894" actId="26606"/>
+          <ac:spMkLst>
+            <pc:docMk/>
+            <pc:sldMk cId="3605508226" sldId="258"/>
+            <ac:spMk id="40" creationId="{9874D11C-36F5-4BBE-A490-019A54E953B0}"/>
+          </ac:spMkLst>
+        </pc:spChg>
+        <pc:spChg chg="add del">
+          <ac:chgData name="Bischoff Adrian Christoph" userId="96c51fd8-79b1-4306-8bef-98cce4b6a07e" providerId="ADAL" clId="{5EF9EA88-F374-4638-BD9A-1A34A4137A29}" dt="2024-02-23T10:09:37.349" v="285" actId="26606"/>
+          <ac:spMkLst>
+            <pc:docMk/>
+            <pc:sldMk cId="3605508226" sldId="258"/>
+            <ac:spMk id="41" creationId="{31896C80-2069-4431-9C19-83B913734490}"/>
+          </ac:spMkLst>
+        </pc:spChg>
+        <pc:spChg chg="add del">
+          <ac:chgData name="Bischoff Adrian Christoph" userId="96c51fd8-79b1-4306-8bef-98cce4b6a07e" providerId="ADAL" clId="{5EF9EA88-F374-4638-BD9A-1A34A4137A29}" dt="2024-02-23T10:09:37.349" v="285" actId="26606"/>
+          <ac:spMkLst>
+            <pc:docMk/>
+            <pc:sldMk cId="3605508226" sldId="258"/>
+            <ac:spMk id="43" creationId="{BF120A21-0841-4823-B0C4-28AEBCEF9B78}"/>
+          </ac:spMkLst>
+        </pc:spChg>
+        <pc:spChg chg="add del">
+          <ac:chgData name="Bischoff Adrian Christoph" userId="96c51fd8-79b1-4306-8bef-98cce4b6a07e" providerId="ADAL" clId="{5EF9EA88-F374-4638-BD9A-1A34A4137A29}" dt="2024-02-23T10:09:37.349" v="285" actId="26606"/>
+          <ac:spMkLst>
+            <pc:docMk/>
+            <pc:sldMk cId="3605508226" sldId="258"/>
+            <ac:spMk id="45" creationId="{DBB05BAE-BBD3-4289-899F-A6851503C6B0}"/>
+          </ac:spMkLst>
+        </pc:spChg>
+        <pc:spChg chg="add del">
+          <ac:chgData name="Bischoff Adrian Christoph" userId="96c51fd8-79b1-4306-8bef-98cce4b6a07e" providerId="ADAL" clId="{5EF9EA88-F374-4638-BD9A-1A34A4137A29}" dt="2024-02-23T10:09:37.349" v="285" actId="26606"/>
+          <ac:spMkLst>
+            <pc:docMk/>
+            <pc:sldMk cId="3605508226" sldId="258"/>
+            <ac:spMk id="47" creationId="{9874D11C-36F5-4BBE-A490-019A54E953B0}"/>
+          </ac:spMkLst>
+        </pc:spChg>
+        <pc:spChg chg="add del">
+          <ac:chgData name="Bischoff Adrian Christoph" userId="96c51fd8-79b1-4306-8bef-98cce4b6a07e" providerId="ADAL" clId="{5EF9EA88-F374-4638-BD9A-1A34A4137A29}" dt="2024-02-23T10:09:40.272" v="288" actId="26606"/>
+          <ac:spMkLst>
+            <pc:docMk/>
+            <pc:sldMk cId="3605508226" sldId="258"/>
+            <ac:spMk id="50" creationId="{3BCB5F6A-9EB0-40B0-9D13-3023E9A20508}"/>
+          </ac:spMkLst>
+        </pc:spChg>
+        <pc:spChg chg="add del">
+          <ac:chgData name="Bischoff Adrian Christoph" userId="96c51fd8-79b1-4306-8bef-98cce4b6a07e" providerId="ADAL" clId="{5EF9EA88-F374-4638-BD9A-1A34A4137A29}" dt="2024-02-23T10:09:41.671" v="291" actId="26606"/>
+          <ac:spMkLst>
+            <pc:docMk/>
+            <pc:sldMk cId="3605508226" sldId="258"/>
+            <ac:spMk id="53" creationId="{518E5A25-92C5-4F27-8E26-0AAAB0CDC85E}"/>
+          </ac:spMkLst>
+        </pc:spChg>
+        <pc:spChg chg="add del">
+          <ac:chgData name="Bischoff Adrian Christoph" userId="96c51fd8-79b1-4306-8bef-98cce4b6a07e" providerId="ADAL" clId="{5EF9EA88-F374-4638-BD9A-1A34A4137A29}" dt="2024-02-23T13:24:36.909" v="1901" actId="26606"/>
+          <ac:spMkLst>
+            <pc:docMk/>
+            <pc:sldMk cId="3605508226" sldId="258"/>
+            <ac:spMk id="58" creationId="{3F088236-D655-4F88-B238-E16762358025}"/>
+          </ac:spMkLst>
+        </pc:spChg>
+        <pc:spChg chg="add del">
+          <ac:chgData name="Bischoff Adrian Christoph" userId="96c51fd8-79b1-4306-8bef-98cce4b6a07e" providerId="ADAL" clId="{5EF9EA88-F374-4638-BD9A-1A34A4137A29}" dt="2024-02-23T13:24:36.909" v="1901" actId="26606"/>
+          <ac:spMkLst>
+            <pc:docMk/>
+            <pc:sldMk cId="3605508226" sldId="258"/>
+            <ac:spMk id="59" creationId="{3DAC0C92-199E-475C-9390-119A9B027276}"/>
+          </ac:spMkLst>
+        </pc:spChg>
+        <pc:spChg chg="add del">
+          <ac:chgData name="Bischoff Adrian Christoph" userId="96c51fd8-79b1-4306-8bef-98cce4b6a07e" providerId="ADAL" clId="{5EF9EA88-F374-4638-BD9A-1A34A4137A29}" dt="2024-02-23T13:24:36.909" v="1901" actId="26606"/>
+          <ac:spMkLst>
+            <pc:docMk/>
+            <pc:sldMk cId="3605508226" sldId="258"/>
+            <ac:spMk id="60" creationId="{C4CFB339-0ED8-4FE2-9EF1-6D1375B8499B}"/>
+          </ac:spMkLst>
+        </pc:spChg>
+        <pc:spChg chg="add del">
+          <ac:chgData name="Bischoff Adrian Christoph" userId="96c51fd8-79b1-4306-8bef-98cce4b6a07e" providerId="ADAL" clId="{5EF9EA88-F374-4638-BD9A-1A34A4137A29}" dt="2024-02-23T13:24:36.909" v="1901" actId="26606"/>
+          <ac:spMkLst>
+            <pc:docMk/>
+            <pc:sldMk cId="3605508226" sldId="258"/>
+            <ac:spMk id="61" creationId="{31896C80-2069-4431-9C19-83B913734490}"/>
+          </ac:spMkLst>
+        </pc:spChg>
+        <pc:spChg chg="add del">
+          <ac:chgData name="Bischoff Adrian Christoph" userId="96c51fd8-79b1-4306-8bef-98cce4b6a07e" providerId="ADAL" clId="{5EF9EA88-F374-4638-BD9A-1A34A4137A29}" dt="2024-02-23T13:24:36.909" v="1901" actId="26606"/>
+          <ac:spMkLst>
+            <pc:docMk/>
+            <pc:sldMk cId="3605508226" sldId="258"/>
+            <ac:spMk id="62" creationId="{BF120A21-0841-4823-B0C4-28AEBCEF9B78}"/>
+          </ac:spMkLst>
+        </pc:spChg>
+        <pc:spChg chg="add del">
+          <ac:chgData name="Bischoff Adrian Christoph" userId="96c51fd8-79b1-4306-8bef-98cce4b6a07e" providerId="ADAL" clId="{5EF9EA88-F374-4638-BD9A-1A34A4137A29}" dt="2024-02-23T13:24:36.909" v="1901" actId="26606"/>
+          <ac:spMkLst>
+            <pc:docMk/>
+            <pc:sldMk cId="3605508226" sldId="258"/>
+            <ac:spMk id="63" creationId="{DBB05BAE-BBD3-4289-899F-A6851503C6B0}"/>
+          </ac:spMkLst>
+        </pc:spChg>
+        <pc:spChg chg="add del">
+          <ac:chgData name="Bischoff Adrian Christoph" userId="96c51fd8-79b1-4306-8bef-98cce4b6a07e" providerId="ADAL" clId="{5EF9EA88-F374-4638-BD9A-1A34A4137A29}" dt="2024-02-23T13:24:36.909" v="1901" actId="26606"/>
+          <ac:spMkLst>
+            <pc:docMk/>
+            <pc:sldMk cId="3605508226" sldId="258"/>
+            <ac:spMk id="64" creationId="{9874D11C-36F5-4BBE-A490-019A54E953B0}"/>
+          </ac:spMkLst>
+        </pc:spChg>
+        <pc:spChg chg="add del">
+          <ac:chgData name="Bischoff Adrian Christoph" userId="96c51fd8-79b1-4306-8bef-98cce4b6a07e" providerId="ADAL" clId="{5EF9EA88-F374-4638-BD9A-1A34A4137A29}" dt="2024-02-23T12:23:31.998" v="1034" actId="26606"/>
+          <ac:spMkLst>
+            <pc:docMk/>
+            <pc:sldMk cId="3605508226" sldId="258"/>
+            <ac:spMk id="66" creationId="{D94A7024-D948-494D-8920-BBA2DA07D15B}"/>
+          </ac:spMkLst>
+        </pc:spChg>
+        <pc:spChg chg="add del">
+          <ac:chgData name="Bischoff Adrian Christoph" userId="96c51fd8-79b1-4306-8bef-98cce4b6a07e" providerId="ADAL" clId="{5EF9EA88-F374-4638-BD9A-1A34A4137A29}" dt="2024-02-23T12:24:57.951" v="1065" actId="26606"/>
+          <ac:spMkLst>
+            <pc:docMk/>
+            <pc:sldMk cId="3605508226" sldId="258"/>
+            <ac:spMk id="67" creationId="{3BCB5F6A-9EB0-40B0-9D13-3023E9A20508}"/>
+          </ac:spMkLst>
+        </pc:spChg>
+        <pc:spChg chg="add del">
+          <ac:chgData name="Bischoff Adrian Christoph" userId="96c51fd8-79b1-4306-8bef-98cce4b6a07e" providerId="ADAL" clId="{5EF9EA88-F374-4638-BD9A-1A34A4137A29}" dt="2024-02-23T12:02:48.049" v="802" actId="26606"/>
+          <ac:spMkLst>
+            <pc:docMk/>
+            <pc:sldMk cId="3605508226" sldId="258"/>
+            <ac:spMk id="69" creationId="{3BCB5F6A-9EB0-40B0-9D13-3023E9A20508}"/>
+          </ac:spMkLst>
+        </pc:spChg>
+        <pc:spChg chg="add del">
+          <ac:chgData name="Bischoff Adrian Christoph" userId="96c51fd8-79b1-4306-8bef-98cce4b6a07e" providerId="ADAL" clId="{5EF9EA88-F374-4638-BD9A-1A34A4137A29}" dt="2024-02-23T10:35:01.982" v="333" actId="26606"/>
+          <ac:spMkLst>
+            <pc:docMk/>
+            <pc:sldMk cId="3605508226" sldId="258"/>
+            <ac:spMk id="71" creationId="{A65AC7D1-EAA9-48F5-B509-60A7F50BF703}"/>
+          </ac:spMkLst>
+        </pc:spChg>
+        <pc:spChg chg="add del">
+          <ac:chgData name="Bischoff Adrian Christoph" userId="96c51fd8-79b1-4306-8bef-98cce4b6a07e" providerId="ADAL" clId="{5EF9EA88-F374-4638-BD9A-1A34A4137A29}" dt="2024-02-23T10:35:01.982" v="333" actId="26606"/>
+          <ac:spMkLst>
+            <pc:docMk/>
+            <pc:sldMk cId="3605508226" sldId="258"/>
+            <ac:spMk id="73" creationId="{D6320AF9-619A-4175-865B-5663E1AEF4C5}"/>
+          </ac:spMkLst>
+        </pc:spChg>
+        <pc:spChg chg="add del">
+          <ac:chgData name="Bischoff Adrian Christoph" userId="96c51fd8-79b1-4306-8bef-98cce4b6a07e" providerId="ADAL" clId="{5EF9EA88-F374-4638-BD9A-1A34A4137A29}" dt="2024-02-23T13:20:55.925" v="1859" actId="26606"/>
+          <ac:spMkLst>
+            <pc:docMk/>
+            <pc:sldMk cId="3605508226" sldId="258"/>
+            <ac:spMk id="74" creationId="{3F088236-D655-4F88-B238-E16762358025}"/>
+          </ac:spMkLst>
+        </pc:spChg>
+        <pc:spChg chg="add del">
+          <ac:chgData name="Bischoff Adrian Christoph" userId="96c51fd8-79b1-4306-8bef-98cce4b6a07e" providerId="ADAL" clId="{5EF9EA88-F374-4638-BD9A-1A34A4137A29}" dt="2024-02-23T13:20:55.925" v="1859" actId="26606"/>
+          <ac:spMkLst>
+            <pc:docMk/>
+            <pc:sldMk cId="3605508226" sldId="258"/>
+            <ac:spMk id="76" creationId="{3DAC0C92-199E-475C-9390-119A9B027276}"/>
+          </ac:spMkLst>
+        </pc:spChg>
+        <pc:spChg chg="add del">
+          <ac:chgData name="Bischoff Adrian Christoph" userId="96c51fd8-79b1-4306-8bef-98cce4b6a07e" providerId="ADAL" clId="{5EF9EA88-F374-4638-BD9A-1A34A4137A29}" dt="2024-02-23T13:20:55.925" v="1859" actId="26606"/>
+          <ac:spMkLst>
+            <pc:docMk/>
+            <pc:sldMk cId="3605508226" sldId="258"/>
+            <ac:spMk id="78" creationId="{C4CFB339-0ED8-4FE2-9EF1-6D1375B8499B}"/>
+          </ac:spMkLst>
+        </pc:spChg>
+        <pc:spChg chg="add del">
+          <ac:chgData name="Bischoff Adrian Christoph" userId="96c51fd8-79b1-4306-8bef-98cce4b6a07e" providerId="ADAL" clId="{5EF9EA88-F374-4638-BD9A-1A34A4137A29}" dt="2024-02-23T10:35:01.982" v="333" actId="26606"/>
+          <ac:spMkLst>
+            <pc:docMk/>
+            <pc:sldMk cId="3605508226" sldId="258"/>
+            <ac:spMk id="79" creationId="{7E018740-5C2B-4A41-AC1A-7E68D1EC1954}"/>
+          </ac:spMkLst>
+        </pc:spChg>
+        <pc:spChg chg="add del">
+          <ac:chgData name="Bischoff Adrian Christoph" userId="96c51fd8-79b1-4306-8bef-98cce4b6a07e" providerId="ADAL" clId="{5EF9EA88-F374-4638-BD9A-1A34A4137A29}" dt="2024-02-23T13:20:55.925" v="1859" actId="26606"/>
+          <ac:spMkLst>
+            <pc:docMk/>
+            <pc:sldMk cId="3605508226" sldId="258"/>
+            <ac:spMk id="80" creationId="{31896C80-2069-4431-9C19-83B913734490}"/>
+          </ac:spMkLst>
+        </pc:spChg>
+        <pc:spChg chg="add del">
+          <ac:chgData name="Bischoff Adrian Christoph" userId="96c51fd8-79b1-4306-8bef-98cce4b6a07e" providerId="ADAL" clId="{5EF9EA88-F374-4638-BD9A-1A34A4137A29}" dt="2024-02-23T10:35:01.982" v="333" actId="26606"/>
+          <ac:spMkLst>
+            <pc:docMk/>
+            <pc:sldMk cId="3605508226" sldId="258"/>
+            <ac:spMk id="81" creationId="{166F75A4-C475-4941-8EE2-B80A06A2C1BB}"/>
+          </ac:spMkLst>
+        </pc:spChg>
+        <pc:spChg chg="add del">
+          <ac:chgData name="Bischoff Adrian Christoph" userId="96c51fd8-79b1-4306-8bef-98cce4b6a07e" providerId="ADAL" clId="{5EF9EA88-F374-4638-BD9A-1A34A4137A29}" dt="2024-02-23T13:20:55.925" v="1859" actId="26606"/>
+          <ac:spMkLst>
+            <pc:docMk/>
+            <pc:sldMk cId="3605508226" sldId="258"/>
+            <ac:spMk id="82" creationId="{BF120A21-0841-4823-B0C4-28AEBCEF9B78}"/>
+          </ac:spMkLst>
+        </pc:spChg>
+        <pc:spChg chg="add del">
+          <ac:chgData name="Bischoff Adrian Christoph" userId="96c51fd8-79b1-4306-8bef-98cce4b6a07e" providerId="ADAL" clId="{5EF9EA88-F374-4638-BD9A-1A34A4137A29}" dt="2024-02-23T10:35:01.982" v="333" actId="26606"/>
+          <ac:spMkLst>
+            <pc:docMk/>
+            <pc:sldMk cId="3605508226" sldId="258"/>
+            <ac:spMk id="83" creationId="{A032553A-72E8-4B0D-8405-FF9771C9AF05}"/>
+          </ac:spMkLst>
+        </pc:spChg>
+        <pc:spChg chg="add del">
+          <ac:chgData name="Bischoff Adrian Christoph" userId="96c51fd8-79b1-4306-8bef-98cce4b6a07e" providerId="ADAL" clId="{5EF9EA88-F374-4638-BD9A-1A34A4137A29}" dt="2024-02-23T13:20:55.925" v="1859" actId="26606"/>
+          <ac:spMkLst>
+            <pc:docMk/>
+            <pc:sldMk cId="3605508226" sldId="258"/>
+            <ac:spMk id="84" creationId="{DBB05BAE-BBD3-4289-899F-A6851503C6B0}"/>
+          </ac:spMkLst>
+        </pc:spChg>
+        <pc:spChg chg="add del">
+          <ac:chgData name="Bischoff Adrian Christoph" userId="96c51fd8-79b1-4306-8bef-98cce4b6a07e" providerId="ADAL" clId="{5EF9EA88-F374-4638-BD9A-1A34A4137A29}" dt="2024-02-23T10:35:01.982" v="333" actId="26606"/>
+          <ac:spMkLst>
+            <pc:docMk/>
+            <pc:sldMk cId="3605508226" sldId="258"/>
+            <ac:spMk id="85" creationId="{765800AC-C3B9-498E-87BC-29FAE4C76B21}"/>
+          </ac:spMkLst>
+        </pc:spChg>
+        <pc:spChg chg="add del">
+          <ac:chgData name="Bischoff Adrian Christoph" userId="96c51fd8-79b1-4306-8bef-98cce4b6a07e" providerId="ADAL" clId="{5EF9EA88-F374-4638-BD9A-1A34A4137A29}" dt="2024-02-23T13:20:55.925" v="1859" actId="26606"/>
+          <ac:spMkLst>
+            <pc:docMk/>
+            <pc:sldMk cId="3605508226" sldId="258"/>
+            <ac:spMk id="86" creationId="{9874D11C-36F5-4BBE-A490-019A54E953B0}"/>
+          </ac:spMkLst>
+        </pc:spChg>
+        <pc:spChg chg="add del">
+          <ac:chgData name="Bischoff Adrian Christoph" userId="96c51fd8-79b1-4306-8bef-98cce4b6a07e" providerId="ADAL" clId="{5EF9EA88-F374-4638-BD9A-1A34A4137A29}" dt="2024-02-23T10:35:01.982" v="333" actId="26606"/>
+          <ac:spMkLst>
+            <pc:docMk/>
+            <pc:sldMk cId="3605508226" sldId="258"/>
+            <ac:spMk id="87" creationId="{1F9D6ACB-2FF4-49F9-978A-E0D5327FC635}"/>
+          </ac:spMkLst>
+        </pc:spChg>
+        <pc:spChg chg="add del">
+          <ac:chgData name="Bischoff Adrian Christoph" userId="96c51fd8-79b1-4306-8bef-98cce4b6a07e" providerId="ADAL" clId="{5EF9EA88-F374-4638-BD9A-1A34A4137A29}" dt="2024-02-23T10:35:01.982" v="333" actId="26606"/>
+          <ac:spMkLst>
+            <pc:docMk/>
+            <pc:sldMk cId="3605508226" sldId="258"/>
+            <ac:spMk id="89" creationId="{A5EC319D-0FEA-4B95-A3EA-01E35672C95B}"/>
+          </ac:spMkLst>
+        </pc:spChg>
+        <pc:spChg chg="add del">
+          <ac:chgData name="Bischoff Adrian Christoph" userId="96c51fd8-79b1-4306-8bef-98cce4b6a07e" providerId="ADAL" clId="{5EF9EA88-F374-4638-BD9A-1A34A4137A29}" dt="2024-02-23T13:20:54.273" v="1857" actId="26606"/>
+          <ac:spMkLst>
+            <pc:docMk/>
+            <pc:sldMk cId="3605508226" sldId="258"/>
+            <ac:spMk id="92" creationId="{3F088236-D655-4F88-B238-E16762358025}"/>
+          </ac:spMkLst>
+        </pc:spChg>
+        <pc:spChg chg="add del">
+          <ac:chgData name="Bischoff Adrian Christoph" userId="96c51fd8-79b1-4306-8bef-98cce4b6a07e" providerId="ADAL" clId="{5EF9EA88-F374-4638-BD9A-1A34A4137A29}" dt="2024-02-23T13:20:54.273" v="1857" actId="26606"/>
+          <ac:spMkLst>
+            <pc:docMk/>
+            <pc:sldMk cId="3605508226" sldId="258"/>
+            <ac:spMk id="94" creationId="{3DAC0C92-199E-475C-9390-119A9B027276}"/>
+          </ac:spMkLst>
+        </pc:spChg>
+        <pc:spChg chg="add del">
+          <ac:chgData name="Bischoff Adrian Christoph" userId="96c51fd8-79b1-4306-8bef-98cce4b6a07e" providerId="ADAL" clId="{5EF9EA88-F374-4638-BD9A-1A34A4137A29}" dt="2024-02-23T13:20:54.273" v="1857" actId="26606"/>
+          <ac:spMkLst>
+            <pc:docMk/>
+            <pc:sldMk cId="3605508226" sldId="258"/>
+            <ac:spMk id="96" creationId="{C4CFB339-0ED8-4FE2-9EF1-6D1375B8499B}"/>
+          </ac:spMkLst>
+        </pc:spChg>
+        <pc:spChg chg="add del">
+          <ac:chgData name="Bischoff Adrian Christoph" userId="96c51fd8-79b1-4306-8bef-98cce4b6a07e" providerId="ADAL" clId="{5EF9EA88-F374-4638-BD9A-1A34A4137A29}" dt="2024-02-23T13:20:51.539" v="1851" actId="26606"/>
+          <ac:spMkLst>
+            <pc:docMk/>
+            <pc:sldMk cId="3605508226" sldId="258"/>
+            <ac:spMk id="97" creationId="{3F088236-D655-4F88-B238-E16762358025}"/>
+          </ac:spMkLst>
+        </pc:spChg>
+        <pc:spChg chg="add del">
+          <ac:chgData name="Bischoff Adrian Christoph" userId="96c51fd8-79b1-4306-8bef-98cce4b6a07e" providerId="ADAL" clId="{5EF9EA88-F374-4638-BD9A-1A34A4137A29}" dt="2024-02-23T13:20:54.273" v="1857" actId="26606"/>
+          <ac:spMkLst>
+            <pc:docMk/>
+            <pc:sldMk cId="3605508226" sldId="258"/>
+            <ac:spMk id="98" creationId="{31896C80-2069-4431-9C19-83B913734490}"/>
+          </ac:spMkLst>
+        </pc:spChg>
+        <pc:spChg chg="add del">
+          <ac:chgData name="Bischoff Adrian Christoph" userId="96c51fd8-79b1-4306-8bef-98cce4b6a07e" providerId="ADAL" clId="{5EF9EA88-F374-4638-BD9A-1A34A4137A29}" dt="2024-02-23T13:20:51.539" v="1851" actId="26606"/>
+          <ac:spMkLst>
+            <pc:docMk/>
+            <pc:sldMk cId="3605508226" sldId="258"/>
+            <ac:spMk id="99" creationId="{3DAC0C92-199E-475C-9390-119A9B027276}"/>
+          </ac:spMkLst>
+        </pc:spChg>
+        <pc:spChg chg="add del">
+          <ac:chgData name="Bischoff Adrian Christoph" userId="96c51fd8-79b1-4306-8bef-98cce4b6a07e" providerId="ADAL" clId="{5EF9EA88-F374-4638-BD9A-1A34A4137A29}" dt="2024-02-23T13:20:54.273" v="1857" actId="26606"/>
+          <ac:spMkLst>
+            <pc:docMk/>
+            <pc:sldMk cId="3605508226" sldId="258"/>
+            <ac:spMk id="100" creationId="{BF120A21-0841-4823-B0C4-28AEBCEF9B78}"/>
+          </ac:spMkLst>
+        </pc:spChg>
+        <pc:spChg chg="add del">
+          <ac:chgData name="Bischoff Adrian Christoph" userId="96c51fd8-79b1-4306-8bef-98cce4b6a07e" providerId="ADAL" clId="{5EF9EA88-F374-4638-BD9A-1A34A4137A29}" dt="2024-02-23T13:20:51.539" v="1851" actId="26606"/>
+          <ac:spMkLst>
+            <pc:docMk/>
+            <pc:sldMk cId="3605508226" sldId="258"/>
+            <ac:spMk id="101" creationId="{C4CFB339-0ED8-4FE2-9EF1-6D1375B8499B}"/>
+          </ac:spMkLst>
+        </pc:spChg>
+        <pc:spChg chg="add del">
+          <ac:chgData name="Bischoff Adrian Christoph" userId="96c51fd8-79b1-4306-8bef-98cce4b6a07e" providerId="ADAL" clId="{5EF9EA88-F374-4638-BD9A-1A34A4137A29}" dt="2024-02-23T13:20:54.273" v="1857" actId="26606"/>
+          <ac:spMkLst>
+            <pc:docMk/>
+            <pc:sldMk cId="3605508226" sldId="258"/>
+            <ac:spMk id="102" creationId="{DBB05BAE-BBD3-4289-899F-A6851503C6B0}"/>
+          </ac:spMkLst>
+        </pc:spChg>
+        <pc:spChg chg="add del">
+          <ac:chgData name="Bischoff Adrian Christoph" userId="96c51fd8-79b1-4306-8bef-98cce4b6a07e" providerId="ADAL" clId="{5EF9EA88-F374-4638-BD9A-1A34A4137A29}" dt="2024-02-23T13:20:51.539" v="1851" actId="26606"/>
+          <ac:spMkLst>
+            <pc:docMk/>
+            <pc:sldMk cId="3605508226" sldId="258"/>
+            <ac:spMk id="103" creationId="{31896C80-2069-4431-9C19-83B913734490}"/>
+          </ac:spMkLst>
+        </pc:spChg>
+        <pc:spChg chg="add del">
+          <ac:chgData name="Bischoff Adrian Christoph" userId="96c51fd8-79b1-4306-8bef-98cce4b6a07e" providerId="ADAL" clId="{5EF9EA88-F374-4638-BD9A-1A34A4137A29}" dt="2024-02-23T13:20:54.273" v="1857" actId="26606"/>
+          <ac:spMkLst>
+            <pc:docMk/>
+            <pc:sldMk cId="3605508226" sldId="258"/>
+            <ac:spMk id="104" creationId="{9874D11C-36F5-4BBE-A490-019A54E953B0}"/>
+          </ac:spMkLst>
+        </pc:spChg>
+        <pc:spChg chg="add del">
+          <ac:chgData name="Bischoff Adrian Christoph" userId="96c51fd8-79b1-4306-8bef-98cce4b6a07e" providerId="ADAL" clId="{5EF9EA88-F374-4638-BD9A-1A34A4137A29}" dt="2024-02-23T13:20:51.539" v="1851" actId="26606"/>
+          <ac:spMkLst>
+            <pc:docMk/>
+            <pc:sldMk cId="3605508226" sldId="258"/>
+            <ac:spMk id="105" creationId="{BF120A21-0841-4823-B0C4-28AEBCEF9B78}"/>
+          </ac:spMkLst>
+        </pc:spChg>
+        <pc:spChg chg="add del">
+          <ac:chgData name="Bischoff Adrian Christoph" userId="96c51fd8-79b1-4306-8bef-98cce4b6a07e" providerId="ADAL" clId="{5EF9EA88-F374-4638-BD9A-1A34A4137A29}" dt="2024-02-23T13:20:51.539" v="1851" actId="26606"/>
+          <ac:spMkLst>
+            <pc:docMk/>
+            <pc:sldMk cId="3605508226" sldId="258"/>
+            <ac:spMk id="107" creationId="{DBB05BAE-BBD3-4289-899F-A6851503C6B0}"/>
+          </ac:spMkLst>
+        </pc:spChg>
+        <pc:spChg chg="add del">
+          <ac:chgData name="Bischoff Adrian Christoph" userId="96c51fd8-79b1-4306-8bef-98cce4b6a07e" providerId="ADAL" clId="{5EF9EA88-F374-4638-BD9A-1A34A4137A29}" dt="2024-02-23T13:21:11.523" v="1864" actId="26606"/>
+          <ac:spMkLst>
+            <pc:docMk/>
+            <pc:sldMk cId="3605508226" sldId="258"/>
+            <ac:spMk id="108" creationId="{D94A7024-D948-494D-8920-BBA2DA07D15B}"/>
+          </ac:spMkLst>
+        </pc:spChg>
+        <pc:spChg chg="add del">
+          <ac:chgData name="Bischoff Adrian Christoph" userId="96c51fd8-79b1-4306-8bef-98cce4b6a07e" providerId="ADAL" clId="{5EF9EA88-F374-4638-BD9A-1A34A4137A29}" dt="2024-02-23T13:20:51.539" v="1851" actId="26606"/>
+          <ac:spMkLst>
+            <pc:docMk/>
+            <pc:sldMk cId="3605508226" sldId="258"/>
+            <ac:spMk id="109" creationId="{9874D11C-36F5-4BBE-A490-019A54E953B0}"/>
+          </ac:spMkLst>
+        </pc:spChg>
+        <pc:spChg chg="add del">
+          <ac:chgData name="Bischoff Adrian Christoph" userId="96c51fd8-79b1-4306-8bef-98cce4b6a07e" providerId="ADAL" clId="{5EF9EA88-F374-4638-BD9A-1A34A4137A29}" dt="2024-02-23T13:24:18.691" v="1900" actId="26606"/>
+          <ac:spMkLst>
+            <pc:docMk/>
+            <pc:sldMk cId="3605508226" sldId="258"/>
+            <ac:spMk id="111" creationId="{D94A7024-D948-494D-8920-BBA2DA07D15B}"/>
+          </ac:spMkLst>
+        </pc:spChg>
+        <pc:spChg chg="add">
+          <ac:chgData name="Bischoff Adrian Christoph" userId="96c51fd8-79b1-4306-8bef-98cce4b6a07e" providerId="ADAL" clId="{5EF9EA88-F374-4638-BD9A-1A34A4137A29}" dt="2024-02-23T13:24:36.909" v="1901" actId="26606"/>
+          <ac:spMkLst>
+            <pc:docMk/>
+            <pc:sldMk cId="3605508226" sldId="258"/>
+            <ac:spMk id="116" creationId="{3F088236-D655-4F88-B238-E16762358025}"/>
+          </ac:spMkLst>
+        </pc:spChg>
+        <pc:spChg chg="add">
+          <ac:chgData name="Bischoff Adrian Christoph" userId="96c51fd8-79b1-4306-8bef-98cce4b6a07e" providerId="ADAL" clId="{5EF9EA88-F374-4638-BD9A-1A34A4137A29}" dt="2024-02-23T13:24:36.909" v="1901" actId="26606"/>
+          <ac:spMkLst>
+            <pc:docMk/>
+            <pc:sldMk cId="3605508226" sldId="258"/>
+            <ac:spMk id="118" creationId="{3DAC0C92-199E-475C-9390-119A9B027276}"/>
+          </ac:spMkLst>
+        </pc:spChg>
+        <pc:spChg chg="add">
+          <ac:chgData name="Bischoff Adrian Christoph" userId="96c51fd8-79b1-4306-8bef-98cce4b6a07e" providerId="ADAL" clId="{5EF9EA88-F374-4638-BD9A-1A34A4137A29}" dt="2024-02-23T13:24:36.909" v="1901" actId="26606"/>
+          <ac:spMkLst>
+            <pc:docMk/>
+            <pc:sldMk cId="3605508226" sldId="258"/>
+            <ac:spMk id="120" creationId="{C4CFB339-0ED8-4FE2-9EF1-6D1375B8499B}"/>
+          </ac:spMkLst>
+        </pc:spChg>
+        <pc:spChg chg="add del">
+          <ac:chgData name="Bischoff Adrian Christoph" userId="96c51fd8-79b1-4306-8bef-98cce4b6a07e" providerId="ADAL" clId="{5EF9EA88-F374-4638-BD9A-1A34A4137A29}" dt="2024-02-23T13:24:18.488" v="1899" actId="26606"/>
+          <ac:spMkLst>
+            <pc:docMk/>
+            <pc:sldMk cId="3605508226" sldId="258"/>
+            <ac:spMk id="121" creationId="{3F088236-D655-4F88-B238-E16762358025}"/>
+          </ac:spMkLst>
+        </pc:spChg>
+        <pc:spChg chg="add">
+          <ac:chgData name="Bischoff Adrian Christoph" userId="96c51fd8-79b1-4306-8bef-98cce4b6a07e" providerId="ADAL" clId="{5EF9EA88-F374-4638-BD9A-1A34A4137A29}" dt="2024-02-23T13:24:36.909" v="1901" actId="26606"/>
+          <ac:spMkLst>
+            <pc:docMk/>
+            <pc:sldMk cId="3605508226" sldId="258"/>
+            <ac:spMk id="122" creationId="{31896C80-2069-4431-9C19-83B913734490}"/>
+          </ac:spMkLst>
+        </pc:spChg>
+        <pc:spChg chg="add del">
+          <ac:chgData name="Bischoff Adrian Christoph" userId="96c51fd8-79b1-4306-8bef-98cce4b6a07e" providerId="ADAL" clId="{5EF9EA88-F374-4638-BD9A-1A34A4137A29}" dt="2024-02-23T13:24:18.488" v="1899" actId="26606"/>
+          <ac:spMkLst>
+            <pc:docMk/>
+            <pc:sldMk cId="3605508226" sldId="258"/>
+            <ac:spMk id="123" creationId="{3DAC0C92-199E-475C-9390-119A9B027276}"/>
+          </ac:spMkLst>
+        </pc:spChg>
+        <pc:spChg chg="add">
+          <ac:chgData name="Bischoff Adrian Christoph" userId="96c51fd8-79b1-4306-8bef-98cce4b6a07e" providerId="ADAL" clId="{5EF9EA88-F374-4638-BD9A-1A34A4137A29}" dt="2024-02-23T13:24:36.909" v="1901" actId="26606"/>
+          <ac:spMkLst>
+            <pc:docMk/>
+            <pc:sldMk cId="3605508226" sldId="258"/>
+            <ac:spMk id="124" creationId="{BF120A21-0841-4823-B0C4-28AEBCEF9B78}"/>
+          </ac:spMkLst>
+        </pc:spChg>
+        <pc:spChg chg="add del">
+          <ac:chgData name="Bischoff Adrian Christoph" userId="96c51fd8-79b1-4306-8bef-98cce4b6a07e" providerId="ADAL" clId="{5EF9EA88-F374-4638-BD9A-1A34A4137A29}" dt="2024-02-23T13:24:18.488" v="1899" actId="26606"/>
+          <ac:spMkLst>
+            <pc:docMk/>
+            <pc:sldMk cId="3605508226" sldId="258"/>
+            <ac:spMk id="125" creationId="{C4CFB339-0ED8-4FE2-9EF1-6D1375B8499B}"/>
+          </ac:spMkLst>
+        </pc:spChg>
+        <pc:spChg chg="add">
+          <ac:chgData name="Bischoff Adrian Christoph" userId="96c51fd8-79b1-4306-8bef-98cce4b6a07e" providerId="ADAL" clId="{5EF9EA88-F374-4638-BD9A-1A34A4137A29}" dt="2024-02-23T13:24:36.909" v="1901" actId="26606"/>
+          <ac:spMkLst>
+            <pc:docMk/>
+            <pc:sldMk cId="3605508226" sldId="258"/>
+            <ac:spMk id="126" creationId="{DBB05BAE-BBD3-4289-899F-A6851503C6B0}"/>
+          </ac:spMkLst>
+        </pc:spChg>
+        <pc:spChg chg="add del">
+          <ac:chgData name="Bischoff Adrian Christoph" userId="96c51fd8-79b1-4306-8bef-98cce4b6a07e" providerId="ADAL" clId="{5EF9EA88-F374-4638-BD9A-1A34A4137A29}" dt="2024-02-23T13:24:18.488" v="1899" actId="26606"/>
+          <ac:spMkLst>
+            <pc:docMk/>
+            <pc:sldMk cId="3605508226" sldId="258"/>
+            <ac:spMk id="127" creationId="{31896C80-2069-4431-9C19-83B913734490}"/>
+          </ac:spMkLst>
+        </pc:spChg>
+        <pc:spChg chg="add">
+          <ac:chgData name="Bischoff Adrian Christoph" userId="96c51fd8-79b1-4306-8bef-98cce4b6a07e" providerId="ADAL" clId="{5EF9EA88-F374-4638-BD9A-1A34A4137A29}" dt="2024-02-23T13:24:36.909" v="1901" actId="26606"/>
+          <ac:spMkLst>
+            <pc:docMk/>
+            <pc:sldMk cId="3605508226" sldId="258"/>
+            <ac:spMk id="128" creationId="{9874D11C-36F5-4BBE-A490-019A54E953B0}"/>
+          </ac:spMkLst>
+        </pc:spChg>
+        <pc:spChg chg="add del">
+          <ac:chgData name="Bischoff Adrian Christoph" userId="96c51fd8-79b1-4306-8bef-98cce4b6a07e" providerId="ADAL" clId="{5EF9EA88-F374-4638-BD9A-1A34A4137A29}" dt="2024-02-23T13:24:18.488" v="1899" actId="26606"/>
+          <ac:spMkLst>
+            <pc:docMk/>
+            <pc:sldMk cId="3605508226" sldId="258"/>
+            <ac:spMk id="129" creationId="{BF120A21-0841-4823-B0C4-28AEBCEF9B78}"/>
+          </ac:spMkLst>
+        </pc:spChg>
+        <pc:spChg chg="add del">
+          <ac:chgData name="Bischoff Adrian Christoph" userId="96c51fd8-79b1-4306-8bef-98cce4b6a07e" providerId="ADAL" clId="{5EF9EA88-F374-4638-BD9A-1A34A4137A29}" dt="2024-02-23T13:24:18.488" v="1899" actId="26606"/>
+          <ac:spMkLst>
+            <pc:docMk/>
+            <pc:sldMk cId="3605508226" sldId="258"/>
+            <ac:spMk id="131" creationId="{DBB05BAE-BBD3-4289-899F-A6851503C6B0}"/>
+          </ac:spMkLst>
+        </pc:spChg>
+        <pc:spChg chg="add del">
+          <ac:chgData name="Bischoff Adrian Christoph" userId="96c51fd8-79b1-4306-8bef-98cce4b6a07e" providerId="ADAL" clId="{5EF9EA88-F374-4638-BD9A-1A34A4137A29}" dt="2024-02-23T13:24:18.488" v="1899" actId="26606"/>
+          <ac:spMkLst>
+            <pc:docMk/>
+            <pc:sldMk cId="3605508226" sldId="258"/>
+            <ac:spMk id="133" creationId="{9874D11C-36F5-4BBE-A490-019A54E953B0}"/>
+          </ac:spMkLst>
+        </pc:spChg>
+        <pc:picChg chg="add mod ord">
+          <ac:chgData name="Bischoff Adrian Christoph" userId="96c51fd8-79b1-4306-8bef-98cce4b6a07e" providerId="ADAL" clId="{5EF9EA88-F374-4638-BD9A-1A34A4137A29}" dt="2024-02-23T12:23:58.949" v="1045" actId="167"/>
+          <ac:picMkLst>
+            <pc:docMk/>
+            <pc:sldMk cId="3605508226" sldId="258"/>
+            <ac:picMk id="4" creationId="{36A81BB8-E888-503D-CB64-1CBADD45C2D9}"/>
+          </ac:picMkLst>
+        </pc:picChg>
+        <pc:picChg chg="add mod">
+          <ac:chgData name="Bischoff Adrian Christoph" userId="96c51fd8-79b1-4306-8bef-98cce4b6a07e" providerId="ADAL" clId="{5EF9EA88-F374-4638-BD9A-1A34A4137A29}" dt="2024-02-23T13:20:30.812" v="1838"/>
+          <ac:picMkLst>
+            <pc:docMk/>
+            <pc:sldMk cId="3605508226" sldId="258"/>
+            <ac:picMk id="4" creationId="{F440AADC-5A1C-0715-352C-3DBB2DF4E07B}"/>
+          </ac:picMkLst>
+        </pc:picChg>
+        <pc:picChg chg="add del mod">
+          <ac:chgData name="Bischoff Adrian Christoph" userId="96c51fd8-79b1-4306-8bef-98cce4b6a07e" providerId="ADAL" clId="{5EF9EA88-F374-4638-BD9A-1A34A4137A29}" dt="2024-02-23T10:09:22.983" v="282" actId="478"/>
+          <ac:picMkLst>
+            <pc:docMk/>
+            <pc:sldMk cId="3605508226" sldId="258"/>
+            <ac:picMk id="5" creationId="{2270AD06-E9A5-4329-8666-B5F754C7BB79}"/>
+          </ac:picMkLst>
+        </pc:picChg>
+        <pc:picChg chg="add">
+          <ac:chgData name="Bischoff Adrian Christoph" userId="96c51fd8-79b1-4306-8bef-98cce4b6a07e" providerId="ADAL" clId="{5EF9EA88-F374-4638-BD9A-1A34A4137A29}" dt="2024-02-23T12:24:06.665" v="1046"/>
+          <ac:picMkLst>
+            <pc:docMk/>
+            <pc:sldMk cId="3605508226" sldId="258"/>
+            <ac:picMk id="5" creationId="{F7587F8C-F8A6-8DAE-DD32-171480B1595E}"/>
+          </ac:picMkLst>
+        </pc:picChg>
+        <pc:picChg chg="add mod ord">
+          <ac:chgData name="Bischoff Adrian Christoph" userId="96c51fd8-79b1-4306-8bef-98cce4b6a07e" providerId="ADAL" clId="{5EF9EA88-F374-4638-BD9A-1A34A4137A29}" dt="2024-02-23T12:24:26.955" v="1051" actId="167"/>
+          <ac:picMkLst>
+            <pc:docMk/>
+            <pc:sldMk cId="3605508226" sldId="258"/>
+            <ac:picMk id="6" creationId="{4AA92813-6F62-D8D5-65AA-17F657382277}"/>
+          </ac:picMkLst>
+        </pc:picChg>
+        <pc:picChg chg="add del mod ord">
+          <ac:chgData name="Bischoff Adrian Christoph" userId="96c51fd8-79b1-4306-8bef-98cce4b6a07e" providerId="ADAL" clId="{5EF9EA88-F374-4638-BD9A-1A34A4137A29}" dt="2024-02-23T13:24:16.263" v="1895" actId="26606"/>
+          <ac:picMkLst>
+            <pc:docMk/>
+            <pc:sldMk cId="3605508226" sldId="258"/>
+            <ac:picMk id="7" creationId="{38F7F521-97A0-4294-8599-66BC820F6124}"/>
+          </ac:picMkLst>
+        </pc:picChg>
+        <pc:picChg chg="add del">
+          <ac:chgData name="Bischoff Adrian Christoph" userId="96c51fd8-79b1-4306-8bef-98cce4b6a07e" providerId="ADAL" clId="{5EF9EA88-F374-4638-BD9A-1A34A4137A29}" dt="2024-02-23T10:09:37.349" v="285" actId="26606"/>
+          <ac:picMkLst>
+            <pc:docMk/>
+            <pc:sldMk cId="3605508226" sldId="258"/>
+            <ac:picMk id="27" creationId="{F440AADC-5A1C-0715-352C-3DBB2DF4E07B}"/>
+          </ac:picMkLst>
+        </pc:picChg>
+        <pc:picChg chg="add del">
+          <ac:chgData name="Bischoff Adrian Christoph" userId="96c51fd8-79b1-4306-8bef-98cce4b6a07e" providerId="ADAL" clId="{5EF9EA88-F374-4638-BD9A-1A34A4137A29}" dt="2024-02-23T10:09:40.272" v="288" actId="26606"/>
+          <ac:picMkLst>
+            <pc:docMk/>
+            <pc:sldMk cId="3605508226" sldId="258"/>
+            <ac:picMk id="49" creationId="{8055223E-BDB7-5080-15F5-CF20FC4BDA81}"/>
+          </ac:picMkLst>
+        </pc:picChg>
+        <pc:picChg chg="add del">
+          <ac:chgData name="Bischoff Adrian Christoph" userId="96c51fd8-79b1-4306-8bef-98cce4b6a07e" providerId="ADAL" clId="{5EF9EA88-F374-4638-BD9A-1A34A4137A29}" dt="2024-02-23T10:09:41.671" v="291" actId="26606"/>
+          <ac:picMkLst>
+            <pc:docMk/>
+            <pc:sldMk cId="3605508226" sldId="258"/>
+            <ac:picMk id="52" creationId="{B6662CC8-E49A-EAF5-AFD6-3686ECC8154D}"/>
+          </ac:picMkLst>
+        </pc:picChg>
+        <pc:picChg chg="add del mod ord">
+          <ac:chgData name="Bischoff Adrian Christoph" userId="96c51fd8-79b1-4306-8bef-98cce4b6a07e" providerId="ADAL" clId="{5EF9EA88-F374-4638-BD9A-1A34A4137A29}" dt="2024-02-23T13:17:46.932" v="1836" actId="21"/>
+          <ac:picMkLst>
+            <pc:docMk/>
+            <pc:sldMk cId="3605508226" sldId="258"/>
+            <ac:picMk id="55" creationId="{F440AADC-5A1C-0715-352C-3DBB2DF4E07B}"/>
+          </ac:picMkLst>
+        </pc:picChg>
+        <pc:picChg chg="add del">
+          <ac:chgData name="Bischoff Adrian Christoph" userId="96c51fd8-79b1-4306-8bef-98cce4b6a07e" providerId="ADAL" clId="{5EF9EA88-F374-4638-BD9A-1A34A4137A29}" dt="2024-02-23T10:35:01.982" v="333" actId="26606"/>
+          <ac:picMkLst>
+            <pc:docMk/>
+            <pc:sldMk cId="3605508226" sldId="258"/>
+            <ac:picMk id="68" creationId="{D6F5215D-5B85-7260-EEAE-2E1AAE2DC80C}"/>
+          </ac:picMkLst>
+        </pc:picChg>
+        <pc:picChg chg="add del mod ord">
+          <ac:chgData name="Bischoff Adrian Christoph" userId="96c51fd8-79b1-4306-8bef-98cce4b6a07e" providerId="ADAL" clId="{5EF9EA88-F374-4638-BD9A-1A34A4137A29}" dt="2024-02-23T13:20:55.925" v="1859" actId="26606"/>
+          <ac:picMkLst>
+            <pc:docMk/>
+            <pc:sldMk cId="3605508226" sldId="258"/>
+            <ac:picMk id="88" creationId="{935E20B1-A31A-D1E9-D60E-1F6029CE11BF}"/>
+          </ac:picMkLst>
+        </pc:picChg>
+        <pc:picChg chg="add del">
+          <ac:chgData name="Bischoff Adrian Christoph" userId="96c51fd8-79b1-4306-8bef-98cce4b6a07e" providerId="ADAL" clId="{5EF9EA88-F374-4638-BD9A-1A34A4137A29}" dt="2024-02-23T13:21:07.822" v="1861" actId="26606"/>
+          <ac:picMkLst>
+            <pc:docMk/>
+            <pc:sldMk cId="3605508226" sldId="258"/>
+            <ac:picMk id="106" creationId="{935E20B1-A31A-D1E9-D60E-1F6029CE11BF}"/>
+          </ac:picMkLst>
+        </pc:picChg>
+        <pc:picChg chg="add del">
+          <ac:chgData name="Bischoff Adrian Christoph" userId="96c51fd8-79b1-4306-8bef-98cce4b6a07e" providerId="ADAL" clId="{5EF9EA88-F374-4638-BD9A-1A34A4137A29}" dt="2024-02-23T13:21:11.523" v="1864" actId="26606"/>
+          <ac:picMkLst>
+            <pc:docMk/>
+            <pc:sldMk cId="3605508226" sldId="258"/>
+            <ac:picMk id="110" creationId="{935E20B1-A31A-D1E9-D60E-1F6029CE11BF}"/>
+          </ac:picMkLst>
+        </pc:picChg>
+        <pc:picChg chg="add del mod ord">
+          <ac:chgData name="Bischoff Adrian Christoph" userId="96c51fd8-79b1-4306-8bef-98cce4b6a07e" providerId="ADAL" clId="{5EF9EA88-F374-4638-BD9A-1A34A4137A29}" dt="2024-02-23T13:24:18.691" v="1900" actId="26606"/>
+          <ac:picMkLst>
+            <pc:docMk/>
+            <pc:sldMk cId="3605508226" sldId="258"/>
+            <ac:picMk id="112" creationId="{935E20B1-A31A-D1E9-D60E-1F6029CE11BF}"/>
+          </ac:picMkLst>
+        </pc:picChg>
+        <pc:picChg chg="add">
+          <ac:chgData name="Bischoff Adrian Christoph" userId="96c51fd8-79b1-4306-8bef-98cce4b6a07e" providerId="ADAL" clId="{5EF9EA88-F374-4638-BD9A-1A34A4137A29}" dt="2024-02-23T13:24:36.909" v="1901" actId="26606"/>
+          <ac:picMkLst>
+            <pc:docMk/>
+            <pc:sldMk cId="3605508226" sldId="258"/>
+            <ac:picMk id="113" creationId="{8AB1C16E-A2DF-A03B-74B1-58E8406076D1}"/>
+          </ac:picMkLst>
+        </pc:picChg>
+        <pc:cxnChg chg="add del">
+          <ac:chgData name="Bischoff Adrian Christoph" userId="96c51fd8-79b1-4306-8bef-98cce4b6a07e" providerId="ADAL" clId="{5EF9EA88-F374-4638-BD9A-1A34A4137A29}" dt="2024-02-23T13:24:16.263" v="1895" actId="26606"/>
+          <ac:cxnSpMkLst>
+            <pc:docMk/>
+            <pc:sldMk cId="3605508226" sldId="258"/>
+            <ac:cxnSpMk id="8" creationId="{64FA5DFF-7FE6-4855-84E6-DFA78EE978BD}"/>
+          </ac:cxnSpMkLst>
+        </pc:cxnChg>
+        <pc:cxnChg chg="add del">
+          <ac:chgData name="Bischoff Adrian Christoph" userId="96c51fd8-79b1-4306-8bef-98cce4b6a07e" providerId="ADAL" clId="{5EF9EA88-F374-4638-BD9A-1A34A4137A29}" dt="2024-02-23T10:09:41.687" v="292" actId="26606"/>
+          <ac:cxnSpMkLst>
+            <pc:docMk/>
+            <pc:sldMk cId="3605508226" sldId="258"/>
+            <ac:cxnSpMk id="9" creationId="{64FA5DFF-7FE6-4855-84E6-DFA78EE978BD}"/>
+          </ac:cxnSpMkLst>
+        </pc:cxnChg>
+        <pc:cxnChg chg="add del">
+          <ac:chgData name="Bischoff Adrian Christoph" userId="96c51fd8-79b1-4306-8bef-98cce4b6a07e" providerId="ADAL" clId="{5EF9EA88-F374-4638-BD9A-1A34A4137A29}" dt="2024-02-23T13:24:16.263" v="1895" actId="26606"/>
+          <ac:cxnSpMkLst>
+            <pc:docMk/>
+            <pc:sldMk cId="3605508226" sldId="258"/>
+            <ac:cxnSpMk id="10" creationId="{2AFD8CBA-54A3-4363-991B-B9C631BBFA74}"/>
+          </ac:cxnSpMkLst>
+        </pc:cxnChg>
+        <pc:cxnChg chg="add del">
+          <ac:chgData name="Bischoff Adrian Christoph" userId="96c51fd8-79b1-4306-8bef-98cce4b6a07e" providerId="ADAL" clId="{5EF9EA88-F374-4638-BD9A-1A34A4137A29}" dt="2024-02-23T10:09:41.687" v="292" actId="26606"/>
+          <ac:cxnSpMkLst>
+            <pc:docMk/>
+            <pc:sldMk cId="3605508226" sldId="258"/>
+            <ac:cxnSpMk id="11" creationId="{2AFD8CBA-54A3-4363-991B-B9C631BBFA74}"/>
+          </ac:cxnSpMkLst>
+        </pc:cxnChg>
+        <pc:cxnChg chg="add del">
+          <ac:chgData name="Bischoff Adrian Christoph" userId="96c51fd8-79b1-4306-8bef-98cce4b6a07e" providerId="ADAL" clId="{5EF9EA88-F374-4638-BD9A-1A34A4137A29}" dt="2024-02-23T13:24:15.339" v="1894" actId="26606"/>
+          <ac:cxnSpMkLst>
+            <pc:docMk/>
+            <pc:sldMk cId="3605508226" sldId="258"/>
+            <ac:cxnSpMk id="26" creationId="{2AFD8CBA-54A3-4363-991B-B9C631BBFA74}"/>
+          </ac:cxnSpMkLst>
+        </pc:cxnChg>
+        <pc:cxnChg chg="add del">
+          <ac:chgData name="Bischoff Adrian Christoph" userId="96c51fd8-79b1-4306-8bef-98cce4b6a07e" providerId="ADAL" clId="{5EF9EA88-F374-4638-BD9A-1A34A4137A29}" dt="2024-02-23T13:24:15.339" v="1894" actId="26606"/>
+          <ac:cxnSpMkLst>
+            <pc:docMk/>
+            <pc:sldMk cId="3605508226" sldId="258"/>
+            <ac:cxnSpMk id="29" creationId="{64FA5DFF-7FE6-4855-84E6-DFA78EE978BD}"/>
+          </ac:cxnSpMkLst>
+        </pc:cxnChg>
+        <pc:cxnChg chg="add del">
+          <ac:chgData name="Bischoff Adrian Christoph" userId="96c51fd8-79b1-4306-8bef-98cce4b6a07e" providerId="ADAL" clId="{5EF9EA88-F374-4638-BD9A-1A34A4137A29}" dt="2024-02-23T10:09:37.349" v="285" actId="26606"/>
+          <ac:cxnSpMkLst>
+            <pc:docMk/>
+            <pc:sldMk cId="3605508226" sldId="258"/>
+            <ac:cxnSpMk id="31" creationId="{64FA5DFF-7FE6-4855-84E6-DFA78EE978BD}"/>
+          </ac:cxnSpMkLst>
+        </pc:cxnChg>
+        <pc:cxnChg chg="add del">
+          <ac:chgData name="Bischoff Adrian Christoph" userId="96c51fd8-79b1-4306-8bef-98cce4b6a07e" providerId="ADAL" clId="{5EF9EA88-F374-4638-BD9A-1A34A4137A29}" dt="2024-02-23T10:09:37.349" v="285" actId="26606"/>
+          <ac:cxnSpMkLst>
+            <pc:docMk/>
+            <pc:sldMk cId="3605508226" sldId="258"/>
+            <ac:cxnSpMk id="33" creationId="{2AFD8CBA-54A3-4363-991B-B9C631BBFA74}"/>
+          </ac:cxnSpMkLst>
+        </pc:cxnChg>
+        <pc:cxnChg chg="add del">
+          <ac:chgData name="Bischoff Adrian Christoph" userId="96c51fd8-79b1-4306-8bef-98cce4b6a07e" providerId="ADAL" clId="{5EF9EA88-F374-4638-BD9A-1A34A4137A29}" dt="2024-02-23T13:24:36.909" v="1901" actId="26606"/>
+          <ac:cxnSpMkLst>
+            <pc:docMk/>
+            <pc:sldMk cId="3605508226" sldId="258"/>
+            <ac:cxnSpMk id="56" creationId="{64FA5DFF-7FE6-4855-84E6-DFA78EE978BD}"/>
+          </ac:cxnSpMkLst>
+        </pc:cxnChg>
+        <pc:cxnChg chg="add del">
+          <ac:chgData name="Bischoff Adrian Christoph" userId="96c51fd8-79b1-4306-8bef-98cce4b6a07e" providerId="ADAL" clId="{5EF9EA88-F374-4638-BD9A-1A34A4137A29}" dt="2024-02-23T13:24:36.909" v="1901" actId="26606"/>
+          <ac:cxnSpMkLst>
+            <pc:docMk/>
+            <pc:sldMk cId="3605508226" sldId="258"/>
+            <ac:cxnSpMk id="57" creationId="{2AFD8CBA-54A3-4363-991B-B9C631BBFA74}"/>
+          </ac:cxnSpMkLst>
+        </pc:cxnChg>
+        <pc:cxnChg chg="add del">
+          <ac:chgData name="Bischoff Adrian Christoph" userId="96c51fd8-79b1-4306-8bef-98cce4b6a07e" providerId="ADAL" clId="{5EF9EA88-F374-4638-BD9A-1A34A4137A29}" dt="2024-02-23T13:20:55.925" v="1859" actId="26606"/>
+          <ac:cxnSpMkLst>
+            <pc:docMk/>
+            <pc:sldMk cId="3605508226" sldId="258"/>
+            <ac:cxnSpMk id="70" creationId="{64FA5DFF-7FE6-4855-84E6-DFA78EE978BD}"/>
+          </ac:cxnSpMkLst>
+        </pc:cxnChg>
+        <pc:cxnChg chg="add del">
+          <ac:chgData name="Bischoff Adrian Christoph" userId="96c51fd8-79b1-4306-8bef-98cce4b6a07e" providerId="ADAL" clId="{5EF9EA88-F374-4638-BD9A-1A34A4137A29}" dt="2024-02-23T13:20:55.925" v="1859" actId="26606"/>
+          <ac:cxnSpMkLst>
+            <pc:docMk/>
+            <pc:sldMk cId="3605508226" sldId="258"/>
+            <ac:cxnSpMk id="72" creationId="{2AFD8CBA-54A3-4363-991B-B9C631BBFA74}"/>
+          </ac:cxnSpMkLst>
+        </pc:cxnChg>
+        <pc:cxnChg chg="add del">
+          <ac:chgData name="Bischoff Adrian Christoph" userId="96c51fd8-79b1-4306-8bef-98cce4b6a07e" providerId="ADAL" clId="{5EF9EA88-F374-4638-BD9A-1A34A4137A29}" dt="2024-02-23T10:35:01.982" v="333" actId="26606"/>
+          <ac:cxnSpMkLst>
+            <pc:docMk/>
+            <pc:sldMk cId="3605508226" sldId="258"/>
+            <ac:cxnSpMk id="75" creationId="{063B6EC6-D752-4EE7-908B-F8F19E8C7FEA}"/>
+          </ac:cxnSpMkLst>
+        </pc:cxnChg>
+        <pc:cxnChg chg="add del">
+          <ac:chgData name="Bischoff Adrian Christoph" userId="96c51fd8-79b1-4306-8bef-98cce4b6a07e" providerId="ADAL" clId="{5EF9EA88-F374-4638-BD9A-1A34A4137A29}" dt="2024-02-23T10:35:01.982" v="333" actId="26606"/>
+          <ac:cxnSpMkLst>
+            <pc:docMk/>
+            <pc:sldMk cId="3605508226" sldId="258"/>
+            <ac:cxnSpMk id="77" creationId="{EFECD4E8-AD3E-4228-82A2-9461958EA94D}"/>
+          </ac:cxnSpMkLst>
+        </pc:cxnChg>
+        <pc:cxnChg chg="add del">
+          <ac:chgData name="Bischoff Adrian Christoph" userId="96c51fd8-79b1-4306-8bef-98cce4b6a07e" providerId="ADAL" clId="{5EF9EA88-F374-4638-BD9A-1A34A4137A29}" dt="2024-02-23T13:20:54.273" v="1857" actId="26606"/>
+          <ac:cxnSpMkLst>
+            <pc:docMk/>
+            <pc:sldMk cId="3605508226" sldId="258"/>
+            <ac:cxnSpMk id="90" creationId="{64FA5DFF-7FE6-4855-84E6-DFA78EE978BD}"/>
+          </ac:cxnSpMkLst>
+        </pc:cxnChg>
+        <pc:cxnChg chg="add del">
+          <ac:chgData name="Bischoff Adrian Christoph" userId="96c51fd8-79b1-4306-8bef-98cce4b6a07e" providerId="ADAL" clId="{5EF9EA88-F374-4638-BD9A-1A34A4137A29}" dt="2024-02-23T13:20:54.273" v="1857" actId="26606"/>
+          <ac:cxnSpMkLst>
+            <pc:docMk/>
+            <pc:sldMk cId="3605508226" sldId="258"/>
+            <ac:cxnSpMk id="91" creationId="{2AFD8CBA-54A3-4363-991B-B9C631BBFA74}"/>
+          </ac:cxnSpMkLst>
+        </pc:cxnChg>
+        <pc:cxnChg chg="add del">
+          <ac:chgData name="Bischoff Adrian Christoph" userId="96c51fd8-79b1-4306-8bef-98cce4b6a07e" providerId="ADAL" clId="{5EF9EA88-F374-4638-BD9A-1A34A4137A29}" dt="2024-02-23T13:20:51.539" v="1851" actId="26606"/>
+          <ac:cxnSpMkLst>
+            <pc:docMk/>
+            <pc:sldMk cId="3605508226" sldId="258"/>
+            <ac:cxnSpMk id="93" creationId="{64FA5DFF-7FE6-4855-84E6-DFA78EE978BD}"/>
+          </ac:cxnSpMkLst>
+        </pc:cxnChg>
+        <pc:cxnChg chg="add del">
+          <ac:chgData name="Bischoff Adrian Christoph" userId="96c51fd8-79b1-4306-8bef-98cce4b6a07e" providerId="ADAL" clId="{5EF9EA88-F374-4638-BD9A-1A34A4137A29}" dt="2024-02-23T13:20:51.539" v="1851" actId="26606"/>
+          <ac:cxnSpMkLst>
+            <pc:docMk/>
+            <pc:sldMk cId="3605508226" sldId="258"/>
+            <ac:cxnSpMk id="95" creationId="{2AFD8CBA-54A3-4363-991B-B9C631BBFA74}"/>
+          </ac:cxnSpMkLst>
+        </pc:cxnChg>
+        <pc:cxnChg chg="add">
+          <ac:chgData name="Bischoff Adrian Christoph" userId="96c51fd8-79b1-4306-8bef-98cce4b6a07e" providerId="ADAL" clId="{5EF9EA88-F374-4638-BD9A-1A34A4137A29}" dt="2024-02-23T13:24:36.909" v="1901" actId="26606"/>
+          <ac:cxnSpMkLst>
+            <pc:docMk/>
+            <pc:sldMk cId="3605508226" sldId="258"/>
+            <ac:cxnSpMk id="114" creationId="{64FA5DFF-7FE6-4855-84E6-DFA78EE978BD}"/>
+          </ac:cxnSpMkLst>
+        </pc:cxnChg>
+        <pc:cxnChg chg="add">
+          <ac:chgData name="Bischoff Adrian Christoph" userId="96c51fd8-79b1-4306-8bef-98cce4b6a07e" providerId="ADAL" clId="{5EF9EA88-F374-4638-BD9A-1A34A4137A29}" dt="2024-02-23T13:24:36.909" v="1901" actId="26606"/>
+          <ac:cxnSpMkLst>
+            <pc:docMk/>
+            <pc:sldMk cId="3605508226" sldId="258"/>
+            <ac:cxnSpMk id="115" creationId="{2AFD8CBA-54A3-4363-991B-B9C631BBFA74}"/>
+          </ac:cxnSpMkLst>
+        </pc:cxnChg>
+        <pc:cxnChg chg="add del">
+          <ac:chgData name="Bischoff Adrian Christoph" userId="96c51fd8-79b1-4306-8bef-98cce4b6a07e" providerId="ADAL" clId="{5EF9EA88-F374-4638-BD9A-1A34A4137A29}" dt="2024-02-23T13:24:18.488" v="1899" actId="26606"/>
+          <ac:cxnSpMkLst>
+            <pc:docMk/>
+            <pc:sldMk cId="3605508226" sldId="258"/>
+            <ac:cxnSpMk id="117" creationId="{64FA5DFF-7FE6-4855-84E6-DFA78EE978BD}"/>
+          </ac:cxnSpMkLst>
+        </pc:cxnChg>
+        <pc:cxnChg chg="add del">
+          <ac:chgData name="Bischoff Adrian Christoph" userId="96c51fd8-79b1-4306-8bef-98cce4b6a07e" providerId="ADAL" clId="{5EF9EA88-F374-4638-BD9A-1A34A4137A29}" dt="2024-02-23T13:24:18.488" v="1899" actId="26606"/>
+          <ac:cxnSpMkLst>
+            <pc:docMk/>
+            <pc:sldMk cId="3605508226" sldId="258"/>
+            <ac:cxnSpMk id="119" creationId="{2AFD8CBA-54A3-4363-991B-B9C631BBFA74}"/>
+          </ac:cxnSpMkLst>
+        </pc:cxnChg>
+      </pc:sldChg>
+      <pc:sldChg chg="addSp delSp modSp mod setBg delDesignElem">
+        <pc:chgData name="Bischoff Adrian Christoph" userId="96c51fd8-79b1-4306-8bef-98cce4b6a07e" providerId="ADAL" clId="{5EF9EA88-F374-4638-BD9A-1A34A4137A29}" dt="2024-02-23T13:24:18.300" v="1898"/>
+        <pc:sldMkLst>
+          <pc:docMk/>
+          <pc:sldMk cId="1853931738" sldId="259"/>
+        </pc:sldMkLst>
+        <pc:spChg chg="mod">
+          <ac:chgData name="Bischoff Adrian Christoph" userId="96c51fd8-79b1-4306-8bef-98cce4b6a07e" providerId="ADAL" clId="{5EF9EA88-F374-4638-BD9A-1A34A4137A29}" dt="2024-02-23T10:34:41.450" v="329" actId="26606"/>
+          <ac:spMkLst>
+            <pc:docMk/>
+            <pc:sldMk cId="1853931738" sldId="259"/>
+            <ac:spMk id="2" creationId="{78F9463F-6AAC-0848-07D1-74A4E82A399C}"/>
+          </ac:spMkLst>
+        </pc:spChg>
+        <pc:spChg chg="del">
+          <ac:chgData name="Bischoff Adrian Christoph" userId="96c51fd8-79b1-4306-8bef-98cce4b6a07e" providerId="ADAL" clId="{5EF9EA88-F374-4638-BD9A-1A34A4137A29}" dt="2024-02-23T10:34:41.450" v="329" actId="26606"/>
+          <ac:spMkLst>
+            <pc:docMk/>
+            <pc:sldMk cId="1853931738" sldId="259"/>
+            <ac:spMk id="3" creationId="{DA292361-0EF8-8CAA-3E19-6B43811B9654}"/>
+          </ac:spMkLst>
+        </pc:spChg>
+        <pc:spChg chg="add del">
+          <ac:chgData name="Bischoff Adrian Christoph" userId="96c51fd8-79b1-4306-8bef-98cce4b6a07e" providerId="ADAL" clId="{5EF9EA88-F374-4638-BD9A-1A34A4137A29}" dt="2024-02-23T13:24:18.300" v="1898"/>
+          <ac:spMkLst>
+            <pc:docMk/>
+            <pc:sldMk cId="1853931738" sldId="259"/>
+            <ac:spMk id="22" creationId="{5A7802B6-FF37-40CF-A7E2-6F2A0D9A91EF}"/>
+          </ac:spMkLst>
+        </pc:spChg>
+        <pc:grpChg chg="add del">
+          <ac:chgData name="Bischoff Adrian Christoph" userId="96c51fd8-79b1-4306-8bef-98cce4b6a07e" providerId="ADAL" clId="{5EF9EA88-F374-4638-BD9A-1A34A4137A29}" dt="2024-02-23T13:24:18.300" v="1898"/>
+          <ac:grpSpMkLst>
+            <pc:docMk/>
+            <pc:sldMk cId="1853931738" sldId="259"/>
+            <ac:grpSpMk id="10" creationId="{B4DE830A-B531-4A3B-96F6-0ECE88B08555}"/>
+          </ac:grpSpMkLst>
+        </pc:grpChg>
+        <pc:picChg chg="add">
+          <ac:chgData name="Bischoff Adrian Christoph" userId="96c51fd8-79b1-4306-8bef-98cce4b6a07e" providerId="ADAL" clId="{5EF9EA88-F374-4638-BD9A-1A34A4137A29}" dt="2024-02-23T10:34:41.450" v="329" actId="26606"/>
+          <ac:picMkLst>
+            <pc:docMk/>
+            <pc:sldMk cId="1853931738" sldId="259"/>
+            <ac:picMk id="7" creationId="{1C3BFECE-2233-0616-F43D-5AD5D86F96B2}"/>
+          </ac:picMkLst>
+        </pc:picChg>
+      </pc:sldChg>
+      <pc:sldChg chg="addSp delSp modSp mod ord setBg delDesignElem">
+        <pc:chgData name="Bischoff Adrian Christoph" userId="96c51fd8-79b1-4306-8bef-98cce4b6a07e" providerId="ADAL" clId="{5EF9EA88-F374-4638-BD9A-1A34A4137A29}" dt="2024-02-23T14:14:18.861" v="2016" actId="1036"/>
+        <pc:sldMkLst>
+          <pc:docMk/>
+          <pc:sldMk cId="3189767878" sldId="260"/>
+        </pc:sldMkLst>
+        <pc:spChg chg="mod">
+          <ac:chgData name="Bischoff Adrian Christoph" userId="96c51fd8-79b1-4306-8bef-98cce4b6a07e" providerId="ADAL" clId="{5EF9EA88-F374-4638-BD9A-1A34A4137A29}" dt="2024-02-23T10:33:47.231" v="322" actId="26606"/>
+          <ac:spMkLst>
+            <pc:docMk/>
+            <pc:sldMk cId="3189767878" sldId="260"/>
+            <ac:spMk id="2" creationId="{5F1F6A96-9837-62AB-DFF7-9BCCB145B18B}"/>
+          </ac:spMkLst>
+        </pc:spChg>
+        <pc:spChg chg="add del">
+          <ac:chgData name="Bischoff Adrian Christoph" userId="96c51fd8-79b1-4306-8bef-98cce4b6a07e" providerId="ADAL" clId="{5EF9EA88-F374-4638-BD9A-1A34A4137A29}" dt="2024-02-23T10:33:47.231" v="322" actId="26606"/>
+          <ac:spMkLst>
+            <pc:docMk/>
+            <pc:sldMk cId="3189767878" sldId="260"/>
+            <ac:spMk id="3" creationId="{9A7F31DD-69C0-E22C-281E-ECDB3EE5C378}"/>
+          </ac:spMkLst>
+        </pc:spChg>
+        <pc:spChg chg="add del mod">
+          <ac:chgData name="Bischoff Adrian Christoph" userId="96c51fd8-79b1-4306-8bef-98cce4b6a07e" providerId="ADAL" clId="{5EF9EA88-F374-4638-BD9A-1A34A4137A29}" dt="2024-02-23T13:44:58.013" v="1965" actId="478"/>
+          <ac:spMkLst>
+            <pc:docMk/>
+            <pc:sldMk cId="3189767878" sldId="260"/>
+            <ac:spMk id="4" creationId="{7AB924D1-2816-4432-E09E-B0E71F5677D2}"/>
+          </ac:spMkLst>
+        </pc:spChg>
+        <pc:spChg chg="add del">
+          <ac:chgData name="Bischoff Adrian Christoph" userId="96c51fd8-79b1-4306-8bef-98cce4b6a07e" providerId="ADAL" clId="{5EF9EA88-F374-4638-BD9A-1A34A4137A29}" dt="2024-02-23T10:33:47.216" v="321" actId="26606"/>
+          <ac:spMkLst>
+            <pc:docMk/>
+            <pc:sldMk cId="3189767878" sldId="260"/>
+            <ac:spMk id="21" creationId="{5A7802B6-FF37-40CF-A7E2-6F2A0D9A91EF}"/>
+          </ac:spMkLst>
+        </pc:spChg>
+        <pc:spChg chg="add del">
+          <ac:chgData name="Bischoff Adrian Christoph" userId="96c51fd8-79b1-4306-8bef-98cce4b6a07e" providerId="ADAL" clId="{5EF9EA88-F374-4638-BD9A-1A34A4137A29}" dt="2024-02-23T10:31:28.575" v="310" actId="26606"/>
+          <ac:spMkLst>
+            <pc:docMk/>
+            <pc:sldMk cId="3189767878" sldId="260"/>
+            <ac:spMk id="22" creationId="{5A7802B6-FF37-40CF-A7E2-6F2A0D9A91EF}"/>
+          </ac:spMkLst>
+        </pc:spChg>
+        <pc:spChg chg="add del mod">
+          <ac:chgData name="Bischoff Adrian Christoph" userId="96c51fd8-79b1-4306-8bef-98cce4b6a07e" providerId="ADAL" clId="{5EF9EA88-F374-4638-BD9A-1A34A4137A29}" dt="2024-02-23T10:32:37.072" v="316" actId="478"/>
+          <ac:spMkLst>
+            <pc:docMk/>
+            <pc:sldMk cId="3189767878" sldId="260"/>
+            <ac:spMk id="23" creationId="{2E46DFA4-6FBD-700F-2DE4-9F557F05F4D7}"/>
+          </ac:spMkLst>
+        </pc:spChg>
+        <pc:spChg chg="add del">
+          <ac:chgData name="Bischoff Adrian Christoph" userId="96c51fd8-79b1-4306-8bef-98cce4b6a07e" providerId="ADAL" clId="{5EF9EA88-F374-4638-BD9A-1A34A4137A29}" dt="2024-02-23T10:33:36.033" v="319" actId="26606"/>
+          <ac:spMkLst>
+            <pc:docMk/>
+            <pc:sldMk cId="3189767878" sldId="260"/>
+            <ac:spMk id="24" creationId="{9A7F31DD-69C0-E22C-281E-ECDB3EE5C378}"/>
+          </ac:spMkLst>
+        </pc:spChg>
+        <pc:spChg chg="add del">
+          <ac:chgData name="Bischoff Adrian Christoph" userId="96c51fd8-79b1-4306-8bef-98cce4b6a07e" providerId="ADAL" clId="{5EF9EA88-F374-4638-BD9A-1A34A4137A29}" dt="2024-02-23T13:24:18.300" v="1898"/>
+          <ac:spMkLst>
+            <pc:docMk/>
+            <pc:sldMk cId="3189767878" sldId="260"/>
+            <ac:spMk id="27" creationId="{603AE127-802C-459A-A612-DB85B67F0DC0}"/>
+          </ac:spMkLst>
+        </pc:spChg>
+        <pc:spChg chg="add del">
+          <ac:chgData name="Bischoff Adrian Christoph" userId="96c51fd8-79b1-4306-8bef-98cce4b6a07e" providerId="ADAL" clId="{5EF9EA88-F374-4638-BD9A-1A34A4137A29}" dt="2024-02-23T13:24:18.300" v="1898"/>
+          <ac:spMkLst>
+            <pc:docMk/>
+            <pc:sldMk cId="3189767878" sldId="260"/>
+            <ac:spMk id="28" creationId="{9323D83D-50D6-4040-A58B-FCEA340F886A}"/>
+          </ac:spMkLst>
+        </pc:spChg>
+        <pc:spChg chg="add del">
+          <ac:chgData name="Bischoff Adrian Christoph" userId="96c51fd8-79b1-4306-8bef-98cce4b6a07e" providerId="ADAL" clId="{5EF9EA88-F374-4638-BD9A-1A34A4137A29}" dt="2024-02-23T10:33:48.408" v="323"/>
+          <ac:spMkLst>
+            <pc:docMk/>
+            <pc:sldMk cId="3189767878" sldId="260"/>
+            <ac:spMk id="29" creationId="{9A7F31DD-69C0-E22C-281E-ECDB3EE5C378}"/>
+          </ac:spMkLst>
+        </pc:spChg>
+        <pc:spChg chg="add del">
+          <ac:chgData name="Bischoff Adrian Christoph" userId="96c51fd8-79b1-4306-8bef-98cce4b6a07e" providerId="ADAL" clId="{5EF9EA88-F374-4638-BD9A-1A34A4137A29}" dt="2024-02-23T13:24:18.300" v="1898"/>
+          <ac:spMkLst>
+            <pc:docMk/>
+            <pc:sldMk cId="3189767878" sldId="260"/>
+            <ac:spMk id="30" creationId="{F10FD715-4DCE-4779-B634-EC78315EA213}"/>
+          </ac:spMkLst>
+        </pc:spChg>
+        <pc:grpChg chg="add del">
+          <ac:chgData name="Bischoff Adrian Christoph" userId="96c51fd8-79b1-4306-8bef-98cce4b6a07e" providerId="ADAL" clId="{5EF9EA88-F374-4638-BD9A-1A34A4137A29}" dt="2024-02-23T10:33:47.216" v="321" actId="26606"/>
+          <ac:grpSpMkLst>
+            <pc:docMk/>
+            <pc:sldMk cId="3189767878" sldId="260"/>
+            <ac:grpSpMk id="6" creationId="{B4DE830A-B531-4A3B-96F6-0ECE88B08555}"/>
+          </ac:grpSpMkLst>
+        </pc:grpChg>
+        <pc:grpChg chg="add del">
+          <ac:chgData name="Bischoff Adrian Christoph" userId="96c51fd8-79b1-4306-8bef-98cce4b6a07e" providerId="ADAL" clId="{5EF9EA88-F374-4638-BD9A-1A34A4137A29}" dt="2024-02-23T10:31:28.575" v="310" actId="26606"/>
+          <ac:grpSpMkLst>
+            <pc:docMk/>
+            <pc:sldMk cId="3189767878" sldId="260"/>
+            <ac:grpSpMk id="10" creationId="{B4DE830A-B531-4A3B-96F6-0ECE88B08555}"/>
+          </ac:grpSpMkLst>
+        </pc:grpChg>
+        <pc:picChg chg="add mod">
+          <ac:chgData name="Bischoff Adrian Christoph" userId="96c51fd8-79b1-4306-8bef-98cce4b6a07e" providerId="ADAL" clId="{5EF9EA88-F374-4638-BD9A-1A34A4137A29}" dt="2024-02-23T10:31:21.168" v="308" actId="931"/>
+          <ac:picMkLst>
+            <pc:docMk/>
+            <pc:sldMk cId="3189767878" sldId="260"/>
+            <ac:picMk id="5" creationId="{98BA6F4D-A0E7-C4DB-71AF-675C36ED4481}"/>
+          </ac:picMkLst>
+        </pc:picChg>
+        <pc:picChg chg="add del">
+          <ac:chgData name="Bischoff Adrian Christoph" userId="96c51fd8-79b1-4306-8bef-98cce4b6a07e" providerId="ADAL" clId="{5EF9EA88-F374-4638-BD9A-1A34A4137A29}" dt="2024-02-23T13:44:27.750" v="1959" actId="22"/>
+          <ac:picMkLst>
+            <pc:docMk/>
+            <pc:sldMk cId="3189767878" sldId="260"/>
+            <ac:picMk id="6" creationId="{860A0B35-720C-00AF-E5D8-02CA97477887}"/>
+          </ac:picMkLst>
+        </pc:picChg>
+        <pc:picChg chg="add del">
+          <ac:chgData name="Bischoff Adrian Christoph" userId="96c51fd8-79b1-4306-8bef-98cce4b6a07e" providerId="ADAL" clId="{5EF9EA88-F374-4638-BD9A-1A34A4137A29}" dt="2024-02-23T10:31:28.575" v="310" actId="26606"/>
+          <ac:picMkLst>
+            <pc:docMk/>
+            <pc:sldMk cId="3189767878" sldId="260"/>
+            <ac:picMk id="7" creationId="{7E23D1DB-1631-A6F6-D32F-170E559392BB}"/>
+          </ac:picMkLst>
+        </pc:picChg>
+        <pc:picChg chg="add mod">
+          <ac:chgData name="Bischoff Adrian Christoph" userId="96c51fd8-79b1-4306-8bef-98cce4b6a07e" providerId="ADAL" clId="{5EF9EA88-F374-4638-BD9A-1A34A4137A29}" dt="2024-02-23T14:14:14.625" v="2010" actId="1036"/>
+          <ac:picMkLst>
+            <pc:docMk/>
+            <pc:sldMk cId="3189767878" sldId="260"/>
+            <ac:picMk id="8" creationId="{6C9499CF-BD20-4771-E645-025103B36BE4}"/>
+          </ac:picMkLst>
+        </pc:picChg>
+        <pc:picChg chg="add del mod">
+          <ac:chgData name="Bischoff Adrian Christoph" userId="96c51fd8-79b1-4306-8bef-98cce4b6a07e" providerId="ADAL" clId="{5EF9EA88-F374-4638-BD9A-1A34A4137A29}" dt="2024-02-23T10:32:37.681" v="318" actId="931"/>
+          <ac:picMkLst>
+            <pc:docMk/>
+            <pc:sldMk cId="3189767878" sldId="260"/>
+            <ac:picMk id="9" creationId="{D79EEE5D-42EC-4A02-32D6-EB9DA61F313D}"/>
+          </ac:picMkLst>
+        </pc:picChg>
+        <pc:picChg chg="add mod">
+          <ac:chgData name="Bischoff Adrian Christoph" userId="96c51fd8-79b1-4306-8bef-98cce4b6a07e" providerId="ADAL" clId="{5EF9EA88-F374-4638-BD9A-1A34A4137A29}" dt="2024-02-23T14:14:18.861" v="2016" actId="1036"/>
+          <ac:picMkLst>
+            <pc:docMk/>
+            <pc:sldMk cId="3189767878" sldId="260"/>
+            <ac:picMk id="10" creationId="{614DA59A-E600-42BE-0D69-8DAB60BB87B9}"/>
+          </ac:picMkLst>
+        </pc:picChg>
+        <pc:picChg chg="add del">
+          <ac:chgData name="Bischoff Adrian Christoph" userId="96c51fd8-79b1-4306-8bef-98cce4b6a07e" providerId="ADAL" clId="{5EF9EA88-F374-4638-BD9A-1A34A4137A29}" dt="2024-02-23T10:33:47.216" v="321" actId="26606"/>
+          <ac:picMkLst>
+            <pc:docMk/>
+            <pc:sldMk cId="3189767878" sldId="260"/>
+            <ac:picMk id="25" creationId="{DC2DF9F3-3EC7-31E4-EAAB-2C588546A9FF}"/>
+          </ac:picMkLst>
+        </pc:picChg>
+        <pc:picChg chg="add del mod">
+          <ac:chgData name="Bischoff Adrian Christoph" userId="96c51fd8-79b1-4306-8bef-98cce4b6a07e" providerId="ADAL" clId="{5EF9EA88-F374-4638-BD9A-1A34A4137A29}" dt="2024-02-23T13:44:25.008" v="1957" actId="478"/>
+          <ac:picMkLst>
+            <pc:docMk/>
+            <pc:sldMk cId="3189767878" sldId="260"/>
+            <ac:picMk id="26" creationId="{D77D2EBB-F472-345B-899F-2B89668EECCE}"/>
+          </ac:picMkLst>
+        </pc:picChg>
+        <pc:cxnChg chg="add del">
+          <ac:chgData name="Bischoff Adrian Christoph" userId="96c51fd8-79b1-4306-8bef-98cce4b6a07e" providerId="ADAL" clId="{5EF9EA88-F374-4638-BD9A-1A34A4137A29}" dt="2024-02-23T10:33:36.033" v="319" actId="26606"/>
+          <ac:cxnSpMkLst>
+            <pc:docMk/>
+            <pc:sldMk cId="3189767878" sldId="260"/>
+            <ac:cxnSpMk id="8" creationId="{0B5F7E3B-C5F1-40E0-A491-558BAFBC1127}"/>
+          </ac:cxnSpMkLst>
+        </pc:cxnChg>
+        <pc:cxnChg chg="add del">
+          <ac:chgData name="Bischoff Adrian Christoph" userId="96c51fd8-79b1-4306-8bef-98cce4b6a07e" providerId="ADAL" clId="{5EF9EA88-F374-4638-BD9A-1A34A4137A29}" dt="2024-02-23T13:24:18.300" v="1898"/>
+          <ac:cxnSpMkLst>
+            <pc:docMk/>
+            <pc:sldMk cId="3189767878" sldId="260"/>
+            <ac:cxnSpMk id="12" creationId="{1A1FE6BB-DFB2-4080-9B5E-076EF5DDE67B}"/>
+          </ac:cxnSpMkLst>
+        </pc:cxnChg>
+      </pc:sldChg>
+      <pc:sldChg chg="addSp delSp modSp del mod">
+        <pc:chgData name="Bischoff Adrian Christoph" userId="96c51fd8-79b1-4306-8bef-98cce4b6a07e" providerId="ADAL" clId="{5EF9EA88-F374-4638-BD9A-1A34A4137A29}" dt="2024-02-23T11:50:18.634" v="415" actId="2696"/>
+        <pc:sldMkLst>
+          <pc:docMk/>
+          <pc:sldMk cId="2872544578" sldId="261"/>
+        </pc:sldMkLst>
+        <pc:spChg chg="add del mod">
+          <ac:chgData name="Bischoff Adrian Christoph" userId="96c51fd8-79b1-4306-8bef-98cce4b6a07e" providerId="ADAL" clId="{5EF9EA88-F374-4638-BD9A-1A34A4137A29}" dt="2024-02-23T10:36:46.114" v="380" actId="478"/>
+          <ac:spMkLst>
+            <pc:docMk/>
+            <pc:sldMk cId="2872544578" sldId="261"/>
+            <ac:spMk id="3" creationId="{ED52809F-1C4F-868B-9EA5-A730FE741827}"/>
+          </ac:spMkLst>
+        </pc:spChg>
+        <pc:spChg chg="add del mod">
+          <ac:chgData name="Bischoff Adrian Christoph" userId="96c51fd8-79b1-4306-8bef-98cce4b6a07e" providerId="ADAL" clId="{5EF9EA88-F374-4638-BD9A-1A34A4137A29}" dt="2024-02-23T10:36:55.641" v="387" actId="478"/>
+          <ac:spMkLst>
+            <pc:docMk/>
+            <pc:sldMk cId="2872544578" sldId="261"/>
+            <ac:spMk id="4" creationId="{5A446978-29CF-1101-4E0C-44F2E00677CF}"/>
+          </ac:spMkLst>
+        </pc:spChg>
+        <pc:spChg chg="add del mod">
+          <ac:chgData name="Bischoff Adrian Christoph" userId="96c51fd8-79b1-4306-8bef-98cce4b6a07e" providerId="ADAL" clId="{5EF9EA88-F374-4638-BD9A-1A34A4137A29}" dt="2024-02-23T10:42:19.337" v="391"/>
+          <ac:spMkLst>
+            <pc:docMk/>
+            <pc:sldMk cId="2872544578" sldId="261"/>
+            <ac:spMk id="6" creationId="{9B0B1537-5E18-4F76-2D31-7B8727775411}"/>
+          </ac:spMkLst>
+        </pc:spChg>
+        <pc:spChg chg="add mod">
+          <ac:chgData name="Bischoff Adrian Christoph" userId="96c51fd8-79b1-4306-8bef-98cce4b6a07e" providerId="ADAL" clId="{5EF9EA88-F374-4638-BD9A-1A34A4137A29}" dt="2024-02-23T11:50:01.337" v="414" actId="1076"/>
+          <ac:spMkLst>
+            <pc:docMk/>
+            <pc:sldMk cId="2872544578" sldId="261"/>
+            <ac:spMk id="10" creationId="{04052C7D-4ECF-36E4-C307-C698D00E7B63}"/>
+          </ac:spMkLst>
+        </pc:spChg>
+        <pc:graphicFrameChg chg="add del modGraphic">
+          <ac:chgData name="Bischoff Adrian Christoph" userId="96c51fd8-79b1-4306-8bef-98cce4b6a07e" providerId="ADAL" clId="{5EF9EA88-F374-4638-BD9A-1A34A4137A29}" dt="2024-02-23T10:40:27.194" v="390" actId="1032"/>
+          <ac:graphicFrameMkLst>
+            <pc:docMk/>
+            <pc:sldMk cId="2872544578" sldId="261"/>
+            <ac:graphicFrameMk id="7" creationId="{12CCD72A-18AC-BC21-6C38-C7E1A7769309}"/>
+          </ac:graphicFrameMkLst>
+        </pc:graphicFrameChg>
+        <pc:graphicFrameChg chg="add del">
+          <ac:chgData name="Bischoff Adrian Christoph" userId="96c51fd8-79b1-4306-8bef-98cce4b6a07e" providerId="ADAL" clId="{5EF9EA88-F374-4638-BD9A-1A34A4137A29}" dt="2024-02-23T10:43:05.382" v="392" actId="478"/>
+          <ac:graphicFrameMkLst>
+            <pc:docMk/>
+            <pc:sldMk cId="2872544578" sldId="261"/>
+            <ac:graphicFrameMk id="8" creationId="{3C48D565-4BC5-D574-44D8-B566D50610BA}"/>
+          </ac:graphicFrameMkLst>
+        </pc:graphicFrameChg>
+      </pc:sldChg>
+      <pc:sldChg chg="addSp delSp modSp mod setBg setClrOvrMap delDesignElem">
+        <pc:chgData name="Bischoff Adrian Christoph" userId="96c51fd8-79b1-4306-8bef-98cce4b6a07e" providerId="ADAL" clId="{5EF9EA88-F374-4638-BD9A-1A34A4137A29}" dt="2024-02-23T13:39:12.642" v="1931" actId="26606"/>
+        <pc:sldMkLst>
+          <pc:docMk/>
+          <pc:sldMk cId="1298336581" sldId="262"/>
+        </pc:sldMkLst>
+        <pc:spChg chg="mod">
+          <ac:chgData name="Bischoff Adrian Christoph" userId="96c51fd8-79b1-4306-8bef-98cce4b6a07e" providerId="ADAL" clId="{5EF9EA88-F374-4638-BD9A-1A34A4137A29}" dt="2024-02-23T13:39:12.642" v="1931" actId="26606"/>
+          <ac:spMkLst>
+            <pc:docMk/>
+            <pc:sldMk cId="1298336581" sldId="262"/>
+            <ac:spMk id="2" creationId="{264C8950-03F4-2007-DE1A-52110D82D0E0}"/>
+          </ac:spMkLst>
+        </pc:spChg>
+        <pc:spChg chg="mod">
+          <ac:chgData name="Bischoff Adrian Christoph" userId="96c51fd8-79b1-4306-8bef-98cce4b6a07e" providerId="ADAL" clId="{5EF9EA88-F374-4638-BD9A-1A34A4137A29}" dt="2024-02-23T13:39:12.642" v="1931" actId="26606"/>
+          <ac:spMkLst>
+            <pc:docMk/>
+            <pc:sldMk cId="1298336581" sldId="262"/>
+            <ac:spMk id="3" creationId="{B1E044B6-EF5C-8F98-BA32-80DBEDD966CB}"/>
+          </ac:spMkLst>
+        </pc:spChg>
+        <pc:spChg chg="add del">
+          <ac:chgData name="Bischoff Adrian Christoph" userId="96c51fd8-79b1-4306-8bef-98cce4b6a07e" providerId="ADAL" clId="{5EF9EA88-F374-4638-BD9A-1A34A4137A29}" dt="2024-02-23T13:39:12.642" v="1931" actId="26606"/>
+          <ac:spMkLst>
+            <pc:docMk/>
+            <pc:sldMk cId="1298336581" sldId="262"/>
+            <ac:spMk id="12" creationId="{3BCB5F6A-9EB0-40B0-9D13-3023E9A20508}"/>
+          </ac:spMkLst>
+        </pc:spChg>
+        <pc:spChg chg="add del">
+          <ac:chgData name="Bischoff Adrian Christoph" userId="96c51fd8-79b1-4306-8bef-98cce4b6a07e" providerId="ADAL" clId="{5EF9EA88-F374-4638-BD9A-1A34A4137A29}" dt="2024-02-23T13:39:08.856" v="1929" actId="26606"/>
+          <ac:spMkLst>
+            <pc:docMk/>
+            <pc:sldMk cId="1298336581" sldId="262"/>
+            <ac:spMk id="14" creationId="{3BCB5F6A-9EB0-40B0-9D13-3023E9A20508}"/>
+          </ac:spMkLst>
+        </pc:spChg>
+        <pc:picChg chg="add del">
+          <ac:chgData name="Bischoff Adrian Christoph" userId="96c51fd8-79b1-4306-8bef-98cce4b6a07e" providerId="ADAL" clId="{5EF9EA88-F374-4638-BD9A-1A34A4137A29}" dt="2024-02-23T13:39:08.856" v="1929" actId="26606"/>
+          <ac:picMkLst>
+            <pc:docMk/>
+            <pc:sldMk cId="1298336581" sldId="262"/>
+            <ac:picMk id="10" creationId="{579E2BF3-19AF-8479-F446-8677BEC2FB50}"/>
+          </ac:picMkLst>
+        </pc:picChg>
+        <pc:picChg chg="add del">
+          <ac:chgData name="Bischoff Adrian Christoph" userId="96c51fd8-79b1-4306-8bef-98cce4b6a07e" providerId="ADAL" clId="{5EF9EA88-F374-4638-BD9A-1A34A4137A29}" dt="2024-02-23T13:39:12.642" v="1931" actId="26606"/>
+          <ac:picMkLst>
+            <pc:docMk/>
+            <pc:sldMk cId="1298336581" sldId="262"/>
+            <ac:picMk id="11" creationId="{71D4B159-2FB8-8359-F685-1C5F45880F52}"/>
+          </ac:picMkLst>
+        </pc:picChg>
+        <pc:cxnChg chg="add del">
+          <ac:chgData name="Bischoff Adrian Christoph" userId="96c51fd8-79b1-4306-8bef-98cce4b6a07e" providerId="ADAL" clId="{5EF9EA88-F374-4638-BD9A-1A34A4137A29}" dt="2024-02-23T13:39:12.642" v="1931" actId="26606"/>
+          <ac:cxnSpMkLst>
+            <pc:docMk/>
+            <pc:sldMk cId="1298336581" sldId="262"/>
+            <ac:cxnSpMk id="8" creationId="{0B5F7E3B-C5F1-40E0-A491-558BAFBC1127}"/>
+          </ac:cxnSpMkLst>
+        </pc:cxnChg>
+      </pc:sldChg>
+      <pc:sldChg chg="addSp delSp modSp mod setBg delDesignElem">
+        <pc:chgData name="Bischoff Adrian Christoph" userId="96c51fd8-79b1-4306-8bef-98cce4b6a07e" providerId="ADAL" clId="{5EF9EA88-F374-4638-BD9A-1A34A4137A29}" dt="2024-02-23T14:21:44.253" v="2061" actId="14100"/>
+        <pc:sldMkLst>
+          <pc:docMk/>
+          <pc:sldMk cId="210389586" sldId="263"/>
+        </pc:sldMkLst>
+        <pc:spChg chg="mod">
+          <ac:chgData name="Bischoff Adrian Christoph" userId="96c51fd8-79b1-4306-8bef-98cce4b6a07e" providerId="ADAL" clId="{5EF9EA88-F374-4638-BD9A-1A34A4137A29}" dt="2024-02-23T12:08:36.162" v="948" actId="1076"/>
+          <ac:spMkLst>
+            <pc:docMk/>
+            <pc:sldMk cId="210389586" sldId="263"/>
+            <ac:spMk id="2" creationId="{F13AAC5E-D750-E42D-5619-90EBCA3835F9}"/>
+          </ac:spMkLst>
+        </pc:spChg>
+        <pc:spChg chg="mod">
+          <ac:chgData name="Bischoff Adrian Christoph" userId="96c51fd8-79b1-4306-8bef-98cce4b6a07e" providerId="ADAL" clId="{5EF9EA88-F374-4638-BD9A-1A34A4137A29}" dt="2024-02-23T14:21:44.253" v="2061" actId="14100"/>
+          <ac:spMkLst>
+            <pc:docMk/>
+            <pc:sldMk cId="210389586" sldId="263"/>
+            <ac:spMk id="3" creationId="{D3458E30-8333-C7D6-9EE8-61341AD47602}"/>
+          </ac:spMkLst>
+        </pc:spChg>
+        <pc:spChg chg="add mod">
+          <ac:chgData name="Bischoff Adrian Christoph" userId="96c51fd8-79b1-4306-8bef-98cce4b6a07e" providerId="ADAL" clId="{5EF9EA88-F374-4638-BD9A-1A34A4137A29}" dt="2024-02-23T12:08:41.107" v="950"/>
+          <ac:spMkLst>
+            <pc:docMk/>
+            <pc:sldMk cId="210389586" sldId="263"/>
+            <ac:spMk id="4" creationId="{BD303465-0EB9-3206-77EB-52FC07E95FB8}"/>
+          </ac:spMkLst>
+        </pc:spChg>
+        <pc:spChg chg="add mod">
+          <ac:chgData name="Bischoff Adrian Christoph" userId="96c51fd8-79b1-4306-8bef-98cce4b6a07e" providerId="ADAL" clId="{5EF9EA88-F374-4638-BD9A-1A34A4137A29}" dt="2024-02-23T12:08:41.107" v="950"/>
+          <ac:spMkLst>
+            <pc:docMk/>
+            <pc:sldMk cId="210389586" sldId="263"/>
+            <ac:spMk id="6" creationId="{97CABEFE-168C-CDDA-D2C3-6C0D35E8C8C1}"/>
+          </ac:spMkLst>
+        </pc:spChg>
+        <pc:spChg chg="add del">
+          <ac:chgData name="Bischoff Adrian Christoph" userId="96c51fd8-79b1-4306-8bef-98cce4b6a07e" providerId="ADAL" clId="{5EF9EA88-F374-4638-BD9A-1A34A4137A29}" dt="2024-02-23T13:24:18.300" v="1898"/>
+          <ac:spMkLst>
+            <pc:docMk/>
+            <pc:sldMk cId="210389586" sldId="263"/>
+            <ac:spMk id="9" creationId="{3BCB5F6A-9EB0-40B0-9D13-3023E9A20508}"/>
+          </ac:spMkLst>
+        </pc:spChg>
+        <pc:spChg chg="add del">
+          <ac:chgData name="Bischoff Adrian Christoph" userId="96c51fd8-79b1-4306-8bef-98cce4b6a07e" providerId="ADAL" clId="{5EF9EA88-F374-4638-BD9A-1A34A4137A29}" dt="2024-02-23T12:08:24.880" v="942" actId="26606"/>
+          <ac:spMkLst>
+            <pc:docMk/>
+            <pc:sldMk cId="210389586" sldId="263"/>
+            <ac:spMk id="18" creationId="{3F088236-D655-4F88-B238-E16762358025}"/>
+          </ac:spMkLst>
+        </pc:spChg>
+        <pc:spChg chg="add del">
+          <ac:chgData name="Bischoff Adrian Christoph" userId="96c51fd8-79b1-4306-8bef-98cce4b6a07e" providerId="ADAL" clId="{5EF9EA88-F374-4638-BD9A-1A34A4137A29}" dt="2024-02-23T12:08:24.880" v="942" actId="26606"/>
+          <ac:spMkLst>
+            <pc:docMk/>
+            <pc:sldMk cId="210389586" sldId="263"/>
+            <ac:spMk id="20" creationId="{3DAC0C92-199E-475C-9390-119A9B027276}"/>
+          </ac:spMkLst>
+        </pc:spChg>
+        <pc:spChg chg="add del">
+          <ac:chgData name="Bischoff Adrian Christoph" userId="96c51fd8-79b1-4306-8bef-98cce4b6a07e" providerId="ADAL" clId="{5EF9EA88-F374-4638-BD9A-1A34A4137A29}" dt="2024-02-23T12:08:24.880" v="942" actId="26606"/>
+          <ac:spMkLst>
+            <pc:docMk/>
+            <pc:sldMk cId="210389586" sldId="263"/>
+            <ac:spMk id="22" creationId="{C4CFB339-0ED8-4FE2-9EF1-6D1375B8499B}"/>
+          </ac:spMkLst>
+        </pc:spChg>
+        <pc:spChg chg="add del">
+          <ac:chgData name="Bischoff Adrian Christoph" userId="96c51fd8-79b1-4306-8bef-98cce4b6a07e" providerId="ADAL" clId="{5EF9EA88-F374-4638-BD9A-1A34A4137A29}" dt="2024-02-23T12:08:24.880" v="942" actId="26606"/>
+          <ac:spMkLst>
+            <pc:docMk/>
+            <pc:sldMk cId="210389586" sldId="263"/>
+            <ac:spMk id="24" creationId="{31896C80-2069-4431-9C19-83B913734490}"/>
+          </ac:spMkLst>
+        </pc:spChg>
+        <pc:spChg chg="add del">
+          <ac:chgData name="Bischoff Adrian Christoph" userId="96c51fd8-79b1-4306-8bef-98cce4b6a07e" providerId="ADAL" clId="{5EF9EA88-F374-4638-BD9A-1A34A4137A29}" dt="2024-02-23T12:08:24.880" v="942" actId="26606"/>
+          <ac:spMkLst>
+            <pc:docMk/>
+            <pc:sldMk cId="210389586" sldId="263"/>
+            <ac:spMk id="26" creationId="{BF120A21-0841-4823-B0C4-28AEBCEF9B78}"/>
+          </ac:spMkLst>
+        </pc:spChg>
+        <pc:spChg chg="add del">
+          <ac:chgData name="Bischoff Adrian Christoph" userId="96c51fd8-79b1-4306-8bef-98cce4b6a07e" providerId="ADAL" clId="{5EF9EA88-F374-4638-BD9A-1A34A4137A29}" dt="2024-02-23T12:08:24.880" v="942" actId="26606"/>
+          <ac:spMkLst>
+            <pc:docMk/>
+            <pc:sldMk cId="210389586" sldId="263"/>
+            <ac:spMk id="28" creationId="{DBB05BAE-BBD3-4289-899F-A6851503C6B0}"/>
+          </ac:spMkLst>
+        </pc:spChg>
+        <pc:spChg chg="add del">
+          <ac:chgData name="Bischoff Adrian Christoph" userId="96c51fd8-79b1-4306-8bef-98cce4b6a07e" providerId="ADAL" clId="{5EF9EA88-F374-4638-BD9A-1A34A4137A29}" dt="2024-02-23T12:08:24.880" v="942" actId="26606"/>
+          <ac:spMkLst>
+            <pc:docMk/>
+            <pc:sldMk cId="210389586" sldId="263"/>
+            <ac:spMk id="30" creationId="{9874D11C-36F5-4BBE-A490-019A54E953B0}"/>
+          </ac:spMkLst>
+        </pc:spChg>
+        <pc:spChg chg="add del">
+          <ac:chgData name="Bischoff Adrian Christoph" userId="96c51fd8-79b1-4306-8bef-98cce4b6a07e" providerId="ADAL" clId="{5EF9EA88-F374-4638-BD9A-1A34A4137A29}" dt="2024-02-23T12:08:24.091" v="939" actId="26606"/>
+          <ac:spMkLst>
+            <pc:docMk/>
+            <pc:sldMk cId="210389586" sldId="263"/>
+            <ac:spMk id="35" creationId="{D94A7024-D948-494D-8920-BBA2DA07D15B}"/>
+          </ac:spMkLst>
+        </pc:spChg>
+        <pc:spChg chg="add del">
+          <ac:chgData name="Bischoff Adrian Christoph" userId="96c51fd8-79b1-4306-8bef-98cce4b6a07e" providerId="ADAL" clId="{5EF9EA88-F374-4638-BD9A-1A34A4137A29}" dt="2024-02-23T12:06:36.758" v="904" actId="26606"/>
+          <ac:spMkLst>
+            <pc:docMk/>
+            <pc:sldMk cId="210389586" sldId="263"/>
+            <ac:spMk id="2059" creationId="{3F088236-D655-4F88-B238-E16762358025}"/>
+          </ac:spMkLst>
+        </pc:spChg>
+        <pc:spChg chg="add del">
+          <ac:chgData name="Bischoff Adrian Christoph" userId="96c51fd8-79b1-4306-8bef-98cce4b6a07e" providerId="ADAL" clId="{5EF9EA88-F374-4638-BD9A-1A34A4137A29}" dt="2024-02-23T12:06:36.758" v="904" actId="26606"/>
+          <ac:spMkLst>
+            <pc:docMk/>
+            <pc:sldMk cId="210389586" sldId="263"/>
+            <ac:spMk id="2061" creationId="{3DAC0C92-199E-475C-9390-119A9B027276}"/>
+          </ac:spMkLst>
+        </pc:spChg>
+        <pc:spChg chg="add del">
+          <ac:chgData name="Bischoff Adrian Christoph" userId="96c51fd8-79b1-4306-8bef-98cce4b6a07e" providerId="ADAL" clId="{5EF9EA88-F374-4638-BD9A-1A34A4137A29}" dt="2024-02-23T12:06:36.758" v="904" actId="26606"/>
+          <ac:spMkLst>
+            <pc:docMk/>
+            <pc:sldMk cId="210389586" sldId="263"/>
+            <ac:spMk id="2063" creationId="{C4CFB339-0ED8-4FE2-9EF1-6D1375B8499B}"/>
+          </ac:spMkLst>
+        </pc:spChg>
+        <pc:spChg chg="add del">
+          <ac:chgData name="Bischoff Adrian Christoph" userId="96c51fd8-79b1-4306-8bef-98cce4b6a07e" providerId="ADAL" clId="{5EF9EA88-F374-4638-BD9A-1A34A4137A29}" dt="2024-02-23T12:06:36.758" v="904" actId="26606"/>
+          <ac:spMkLst>
+            <pc:docMk/>
+            <pc:sldMk cId="210389586" sldId="263"/>
+            <ac:spMk id="2065" creationId="{31896C80-2069-4431-9C19-83B913734490}"/>
+          </ac:spMkLst>
+        </pc:spChg>
+        <pc:spChg chg="add del">
+          <ac:chgData name="Bischoff Adrian Christoph" userId="96c51fd8-79b1-4306-8bef-98cce4b6a07e" providerId="ADAL" clId="{5EF9EA88-F374-4638-BD9A-1A34A4137A29}" dt="2024-02-23T12:06:36.758" v="904" actId="26606"/>
+          <ac:spMkLst>
+            <pc:docMk/>
+            <pc:sldMk cId="210389586" sldId="263"/>
+            <ac:spMk id="2067" creationId="{BF120A21-0841-4823-B0C4-28AEBCEF9B78}"/>
+          </ac:spMkLst>
+        </pc:spChg>
+        <pc:spChg chg="add del">
+          <ac:chgData name="Bischoff Adrian Christoph" userId="96c51fd8-79b1-4306-8bef-98cce4b6a07e" providerId="ADAL" clId="{5EF9EA88-F374-4638-BD9A-1A34A4137A29}" dt="2024-02-23T12:06:36.758" v="904" actId="26606"/>
+          <ac:spMkLst>
+            <pc:docMk/>
+            <pc:sldMk cId="210389586" sldId="263"/>
+            <ac:spMk id="2069" creationId="{DBB05BAE-BBD3-4289-899F-A6851503C6B0}"/>
+          </ac:spMkLst>
+        </pc:spChg>
+        <pc:spChg chg="add del">
+          <ac:chgData name="Bischoff Adrian Christoph" userId="96c51fd8-79b1-4306-8bef-98cce4b6a07e" providerId="ADAL" clId="{5EF9EA88-F374-4638-BD9A-1A34A4137A29}" dt="2024-02-23T12:06:36.758" v="904" actId="26606"/>
+          <ac:spMkLst>
+            <pc:docMk/>
+            <pc:sldMk cId="210389586" sldId="263"/>
+            <ac:spMk id="2071" creationId="{9874D11C-36F5-4BBE-A490-019A54E953B0}"/>
+          </ac:spMkLst>
+        </pc:spChg>
+        <pc:spChg chg="add del">
+          <ac:chgData name="Bischoff Adrian Christoph" userId="96c51fd8-79b1-4306-8bef-98cce4b6a07e" providerId="ADAL" clId="{5EF9EA88-F374-4638-BD9A-1A34A4137A29}" dt="2024-02-23T12:06:46.444" v="914" actId="26606"/>
+          <ac:spMkLst>
+            <pc:docMk/>
+            <pc:sldMk cId="210389586" sldId="263"/>
+            <ac:spMk id="2073" creationId="{3BCB5F6A-9EB0-40B0-9D13-3023E9A20508}"/>
+          </ac:spMkLst>
+        </pc:spChg>
+        <pc:picChg chg="add del mod ord">
+          <ac:chgData name="Bischoff Adrian Christoph" userId="96c51fd8-79b1-4306-8bef-98cce4b6a07e" providerId="ADAL" clId="{5EF9EA88-F374-4638-BD9A-1A34A4137A29}" dt="2024-02-23T12:08:24.880" v="942" actId="26606"/>
+          <ac:picMkLst>
+            <pc:docMk/>
+            <pc:sldMk cId="210389586" sldId="263"/>
+            <ac:picMk id="5" creationId="{1E1FA2B5-19BC-C389-4822-F8D8D399350A}"/>
+          </ac:picMkLst>
+        </pc:picChg>
+        <pc:picChg chg="add del mod ord">
+          <ac:chgData name="Bischoff Adrian Christoph" userId="96c51fd8-79b1-4306-8bef-98cce4b6a07e" providerId="ADAL" clId="{5EF9EA88-F374-4638-BD9A-1A34A4137A29}" dt="2024-02-23T12:08:21.904" v="934" actId="14100"/>
+          <ac:picMkLst>
+            <pc:docMk/>
+            <pc:sldMk cId="210389586" sldId="263"/>
+            <ac:picMk id="2050" creationId="{2157F02E-6E6C-3A47-3BC0-20E42798D070}"/>
+          </ac:picMkLst>
+        </pc:picChg>
+        <pc:cxnChg chg="add del">
+          <ac:chgData name="Bischoff Adrian Christoph" userId="96c51fd8-79b1-4306-8bef-98cce4b6a07e" providerId="ADAL" clId="{5EF9EA88-F374-4638-BD9A-1A34A4137A29}" dt="2024-02-23T12:08:24.880" v="942" actId="26606"/>
+          <ac:cxnSpMkLst>
+            <pc:docMk/>
+            <pc:sldMk cId="210389586" sldId="263"/>
+            <ac:cxnSpMk id="14" creationId="{64FA5DFF-7FE6-4855-84E6-DFA78EE978BD}"/>
+          </ac:cxnSpMkLst>
+        </pc:cxnChg>
+        <pc:cxnChg chg="add del">
+          <ac:chgData name="Bischoff Adrian Christoph" userId="96c51fd8-79b1-4306-8bef-98cce4b6a07e" providerId="ADAL" clId="{5EF9EA88-F374-4638-BD9A-1A34A4137A29}" dt="2024-02-23T12:08:24.880" v="942" actId="26606"/>
+          <ac:cxnSpMkLst>
+            <pc:docMk/>
+            <pc:sldMk cId="210389586" sldId="263"/>
+            <ac:cxnSpMk id="16" creationId="{2AFD8CBA-54A3-4363-991B-B9C631BBFA74}"/>
+          </ac:cxnSpMkLst>
+        </pc:cxnChg>
+        <pc:cxnChg chg="add del">
+          <ac:chgData name="Bischoff Adrian Christoph" userId="96c51fd8-79b1-4306-8bef-98cce4b6a07e" providerId="ADAL" clId="{5EF9EA88-F374-4638-BD9A-1A34A4137A29}" dt="2024-02-23T12:06:36.758" v="904" actId="26606"/>
+          <ac:cxnSpMkLst>
+            <pc:docMk/>
+            <pc:sldMk cId="210389586" sldId="263"/>
+            <ac:cxnSpMk id="2055" creationId="{64FA5DFF-7FE6-4855-84E6-DFA78EE978BD}"/>
+          </ac:cxnSpMkLst>
+        </pc:cxnChg>
+        <pc:cxnChg chg="add del">
+          <ac:chgData name="Bischoff Adrian Christoph" userId="96c51fd8-79b1-4306-8bef-98cce4b6a07e" providerId="ADAL" clId="{5EF9EA88-F374-4638-BD9A-1A34A4137A29}" dt="2024-02-23T12:06:36.758" v="904" actId="26606"/>
+          <ac:cxnSpMkLst>
+            <pc:docMk/>
+            <pc:sldMk cId="210389586" sldId="263"/>
+            <ac:cxnSpMk id="2057" creationId="{2AFD8CBA-54A3-4363-991B-B9C631BBFA74}"/>
+          </ac:cxnSpMkLst>
+        </pc:cxnChg>
+      </pc:sldChg>
+      <pc:sldChg chg="addSp delSp modSp new del mod setBg">
+        <pc:chgData name="Bischoff Adrian Christoph" userId="96c51fd8-79b1-4306-8bef-98cce4b6a07e" providerId="ADAL" clId="{5EF9EA88-F374-4638-BD9A-1A34A4137A29}" dt="2024-02-23T12:12:07.588" v="998" actId="2696"/>
+        <pc:sldMkLst>
+          <pc:docMk/>
+          <pc:sldMk cId="174817279" sldId="264"/>
+        </pc:sldMkLst>
+        <pc:spChg chg="del">
+          <ac:chgData name="Bischoff Adrian Christoph" userId="96c51fd8-79b1-4306-8bef-98cce4b6a07e" providerId="ADAL" clId="{5EF9EA88-F374-4638-BD9A-1A34A4137A29}" dt="2024-02-23T12:08:50.576" v="953" actId="478"/>
+          <ac:spMkLst>
+            <pc:docMk/>
+            <pc:sldMk cId="174817279" sldId="264"/>
+            <ac:spMk id="2" creationId="{B65AEBEB-B2C7-8AB7-56CD-BED0DBF96C3C}"/>
+          </ac:spMkLst>
+        </pc:spChg>
+        <pc:spChg chg="del mod">
+          <ac:chgData name="Bischoff Adrian Christoph" userId="96c51fd8-79b1-4306-8bef-98cce4b6a07e" providerId="ADAL" clId="{5EF9EA88-F374-4638-BD9A-1A34A4137A29}" dt="2024-02-23T12:08:51.066" v="954" actId="478"/>
+          <ac:spMkLst>
+            <pc:docMk/>
+            <pc:sldMk cId="174817279" sldId="264"/>
+            <ac:spMk id="3" creationId="{760AC8FE-CC37-D96E-2738-E38750745BCB}"/>
+          </ac:spMkLst>
+        </pc:spChg>
+        <pc:spChg chg="add mod">
+          <ac:chgData name="Bischoff Adrian Christoph" userId="96c51fd8-79b1-4306-8bef-98cce4b6a07e" providerId="ADAL" clId="{5EF9EA88-F374-4638-BD9A-1A34A4137A29}" dt="2024-02-23T12:11:20.667" v="976" actId="1076"/>
+          <ac:spMkLst>
+            <pc:docMk/>
+            <pc:sldMk cId="174817279" sldId="264"/>
+            <ac:spMk id="4" creationId="{986E542D-D1A0-212B-65F9-3781A38A2112}"/>
+          </ac:spMkLst>
+        </pc:spChg>
+        <pc:spChg chg="add mod">
+          <ac:chgData name="Bischoff Adrian Christoph" userId="96c51fd8-79b1-4306-8bef-98cce4b6a07e" providerId="ADAL" clId="{5EF9EA88-F374-4638-BD9A-1A34A4137A29}" dt="2024-02-23T12:11:20.667" v="976" actId="1076"/>
+          <ac:spMkLst>
+            <pc:docMk/>
+            <pc:sldMk cId="174817279" sldId="264"/>
+            <ac:spMk id="5" creationId="{A6D2C654-154C-599D-DF32-D4ECC0E071BC}"/>
+          </ac:spMkLst>
+        </pc:spChg>
+      </pc:sldChg>
+      <pc:sldChg chg="addSp delSp modSp new mod setBg delDesignElem">
+        <pc:chgData name="Bischoff Adrian Christoph" userId="96c51fd8-79b1-4306-8bef-98cce4b6a07e" providerId="ADAL" clId="{5EF9EA88-F374-4638-BD9A-1A34A4137A29}" dt="2024-02-23T13:42:22.328" v="1954" actId="26606"/>
+        <pc:sldMkLst>
+          <pc:docMk/>
+          <pc:sldMk cId="246524876" sldId="264"/>
+        </pc:sldMkLst>
+        <pc:spChg chg="mod">
+          <ac:chgData name="Bischoff Adrian Christoph" userId="96c51fd8-79b1-4306-8bef-98cce4b6a07e" providerId="ADAL" clId="{5EF9EA88-F374-4638-BD9A-1A34A4137A29}" dt="2024-02-23T13:42:22.328" v="1954" actId="26606"/>
+          <ac:spMkLst>
+            <pc:docMk/>
+            <pc:sldMk cId="246524876" sldId="264"/>
+            <ac:spMk id="2" creationId="{3FBF527E-D9A2-FDD0-1100-0CEA8163404D}"/>
+          </ac:spMkLst>
+        </pc:spChg>
+        <pc:spChg chg="del mod">
+          <ac:chgData name="Bischoff Adrian Christoph" userId="96c51fd8-79b1-4306-8bef-98cce4b6a07e" providerId="ADAL" clId="{5EF9EA88-F374-4638-BD9A-1A34A4137A29}" dt="2024-02-23T12:52:10.813" v="1194" actId="478"/>
+          <ac:spMkLst>
+            <pc:docMk/>
+            <pc:sldMk cId="246524876" sldId="264"/>
+            <ac:spMk id="3" creationId="{9FC12AF7-4E57-C2BF-6D4D-16A29989F074}"/>
+          </ac:spMkLst>
+        </pc:spChg>
+        <pc:spChg chg="add del mod">
+          <ac:chgData name="Bischoff Adrian Christoph" userId="96c51fd8-79b1-4306-8bef-98cce4b6a07e" providerId="ADAL" clId="{5EF9EA88-F374-4638-BD9A-1A34A4137A29}" dt="2024-02-23T12:52:12.811" v="1195" actId="478"/>
+          <ac:spMkLst>
+            <pc:docMk/>
+            <pc:sldMk cId="246524876" sldId="264"/>
+            <ac:spMk id="11" creationId="{786E7E9D-C26A-35D6-F5F0-BCBE470F3EA2}"/>
+          </ac:spMkLst>
+        </pc:spChg>
+        <pc:grpChg chg="add del">
+          <ac:chgData name="Bischoff Adrian Christoph" userId="96c51fd8-79b1-4306-8bef-98cce4b6a07e" providerId="ADAL" clId="{5EF9EA88-F374-4638-BD9A-1A34A4137A29}" dt="2024-02-23T12:59:59.944" v="1204" actId="26606"/>
+          <ac:grpSpMkLst>
+            <pc:docMk/>
+            <pc:sldMk cId="246524876" sldId="264"/>
+            <ac:grpSpMk id="14" creationId="{6CC33B2B-B475-4189-BA8F-3CF8248DC685}"/>
+          </ac:grpSpMkLst>
+        </pc:grpChg>
+        <pc:grpChg chg="add del">
+          <ac:chgData name="Bischoff Adrian Christoph" userId="96c51fd8-79b1-4306-8bef-98cce4b6a07e" providerId="ADAL" clId="{5EF9EA88-F374-4638-BD9A-1A34A4137A29}" dt="2024-02-23T13:42:22.328" v="1954" actId="26606"/>
+          <ac:grpSpMkLst>
+            <pc:docMk/>
+            <pc:sldMk cId="246524876" sldId="264"/>
+            <ac:grpSpMk id="26" creationId="{6CC33B2B-B475-4189-BA8F-3CF8248DC685}"/>
+          </ac:grpSpMkLst>
+        </pc:grpChg>
+        <pc:grpChg chg="add del">
+          <ac:chgData name="Bischoff Adrian Christoph" userId="96c51fd8-79b1-4306-8bef-98cce4b6a07e" providerId="ADAL" clId="{5EF9EA88-F374-4638-BD9A-1A34A4137A29}" dt="2024-02-23T13:42:22.303" v="1953" actId="26606"/>
+          <ac:grpSpMkLst>
+            <pc:docMk/>
+            <pc:sldMk cId="246524876" sldId="264"/>
+            <ac:grpSpMk id="39" creationId="{6CC33B2B-B475-4189-BA8F-3CF8248DC685}"/>
+          </ac:grpSpMkLst>
+        </pc:grpChg>
+        <pc:grpChg chg="add">
+          <ac:chgData name="Bischoff Adrian Christoph" userId="96c51fd8-79b1-4306-8bef-98cce4b6a07e" providerId="ADAL" clId="{5EF9EA88-F374-4638-BD9A-1A34A4137A29}" dt="2024-02-23T13:42:22.328" v="1954" actId="26606"/>
+          <ac:grpSpMkLst>
+            <pc:docMk/>
+            <pc:sldMk cId="246524876" sldId="264"/>
+            <ac:grpSpMk id="51" creationId="{6CC33B2B-B475-4189-BA8F-3CF8248DC685}"/>
+          </ac:grpSpMkLst>
+        </pc:grpChg>
+        <pc:picChg chg="add del mod">
+          <ac:chgData name="Bischoff Adrian Christoph" userId="96c51fd8-79b1-4306-8bef-98cce4b6a07e" providerId="ADAL" clId="{5EF9EA88-F374-4638-BD9A-1A34A4137A29}" dt="2024-02-23T12:37:00.936" v="1144" actId="478"/>
+          <ac:picMkLst>
+            <pc:docMk/>
+            <pc:sldMk cId="246524876" sldId="264"/>
+            <ac:picMk id="5" creationId="{441348BD-B42A-625E-F468-B7B2C2B45766}"/>
+          </ac:picMkLst>
+        </pc:picChg>
+        <pc:picChg chg="add mod ord">
+          <ac:chgData name="Bischoff Adrian Christoph" userId="96c51fd8-79b1-4306-8bef-98cce4b6a07e" providerId="ADAL" clId="{5EF9EA88-F374-4638-BD9A-1A34A4137A29}" dt="2024-02-23T13:42:22.328" v="1954" actId="26606"/>
+          <ac:picMkLst>
+            <pc:docMk/>
+            <pc:sldMk cId="246524876" sldId="264"/>
+            <ac:picMk id="7" creationId="{2972EEAE-33CF-13EB-0199-B16DD17CE142}"/>
+          </ac:picMkLst>
+        </pc:picChg>
+        <pc:picChg chg="add mod ord">
+          <ac:chgData name="Bischoff Adrian Christoph" userId="96c51fd8-79b1-4306-8bef-98cce4b6a07e" providerId="ADAL" clId="{5EF9EA88-F374-4638-BD9A-1A34A4137A29}" dt="2024-02-23T13:42:22.328" v="1954" actId="26606"/>
+          <ac:picMkLst>
+            <pc:docMk/>
+            <pc:sldMk cId="246524876" sldId="264"/>
+            <ac:picMk id="9" creationId="{B82AF7D7-B0C6-3139-C17F-4DBAB660D874}"/>
+          </ac:picMkLst>
+        </pc:picChg>
+        <pc:picChg chg="add mod">
+          <ac:chgData name="Bischoff Adrian Christoph" userId="96c51fd8-79b1-4306-8bef-98cce4b6a07e" providerId="ADAL" clId="{5EF9EA88-F374-4638-BD9A-1A34A4137A29}" dt="2024-02-23T12:35:55.444" v="1140" actId="1076"/>
+          <ac:picMkLst>
+            <pc:docMk/>
+            <pc:sldMk cId="246524876" sldId="264"/>
+            <ac:picMk id="1026" creationId="{FD88AB77-3EDB-9D74-9D1A-6EE5B98BE98E}"/>
+          </ac:picMkLst>
+        </pc:picChg>
+      </pc:sldChg>
+      <pc:sldChg chg="modSp new del mod">
+        <pc:chgData name="Bischoff Adrian Christoph" userId="96c51fd8-79b1-4306-8bef-98cce4b6a07e" providerId="ADAL" clId="{5EF9EA88-F374-4638-BD9A-1A34A4137A29}" dt="2024-02-23T12:02:57.803" v="803" actId="2696"/>
+        <pc:sldMkLst>
+          <pc:docMk/>
+          <pc:sldMk cId="3685324092" sldId="264"/>
+        </pc:sldMkLst>
+        <pc:spChg chg="mod">
+          <ac:chgData name="Bischoff Adrian Christoph" userId="96c51fd8-79b1-4306-8bef-98cce4b6a07e" providerId="ADAL" clId="{5EF9EA88-F374-4638-BD9A-1A34A4137A29}" dt="2024-02-23T11:59:39.729" v="743" actId="20577"/>
+          <ac:spMkLst>
+            <pc:docMk/>
+            <pc:sldMk cId="3685324092" sldId="264"/>
+            <ac:spMk id="2" creationId="{B1B04AC6-A2DD-EDB2-9483-A38E63C9382B}"/>
+          </ac:spMkLst>
+        </pc:spChg>
+        <pc:spChg chg="mod">
+          <ac:chgData name="Bischoff Adrian Christoph" userId="96c51fd8-79b1-4306-8bef-98cce4b6a07e" providerId="ADAL" clId="{5EF9EA88-F374-4638-BD9A-1A34A4137A29}" dt="2024-02-23T12:00:23.318" v="779" actId="20577"/>
+          <ac:spMkLst>
+            <pc:docMk/>
+            <pc:sldMk cId="3685324092" sldId="264"/>
+            <ac:spMk id="3" creationId="{B249DB74-AD4A-12E4-1555-5121FA936414}"/>
+          </ac:spMkLst>
+        </pc:spChg>
+        <pc:spChg chg="mod">
+          <ac:chgData name="Bischoff Adrian Christoph" userId="96c51fd8-79b1-4306-8bef-98cce4b6a07e" providerId="ADAL" clId="{5EF9EA88-F374-4638-BD9A-1A34A4137A29}" dt="2024-02-23T12:00:19.709" v="778" actId="20577"/>
+          <ac:spMkLst>
+            <pc:docMk/>
+            <pc:sldMk cId="3685324092" sldId="264"/>
+            <ac:spMk id="4" creationId="{B3477FF4-F76B-C04B-A41D-A1DF1252AC94}"/>
+          </ac:spMkLst>
+        </pc:spChg>
+      </pc:sldChg>
+      <pc:sldMasterChg chg="setBg modSldLayout">
+        <pc:chgData name="Bischoff Adrian Christoph" userId="96c51fd8-79b1-4306-8bef-98cce4b6a07e" providerId="ADAL" clId="{5EF9EA88-F374-4638-BD9A-1A34A4137A29}" dt="2024-02-23T12:31:01.636" v="1120"/>
+        <pc:sldMasterMkLst>
+          <pc:docMk/>
+          <pc:sldMasterMk cId="0" sldId="2147483648"/>
+        </pc:sldMasterMkLst>
+        <pc:sldLayoutChg chg="setBg">
+          <pc:chgData name="Bischoff Adrian Christoph" userId="96c51fd8-79b1-4306-8bef-98cce4b6a07e" providerId="ADAL" clId="{5EF9EA88-F374-4638-BD9A-1A34A4137A29}" dt="2024-02-23T12:10:22.198" v="964"/>
+          <pc:sldLayoutMkLst>
+            <pc:docMk/>
+            <pc:sldMasterMk cId="0" sldId="2147483648"/>
+            <pc:sldLayoutMk cId="0" sldId="2147483649"/>
+          </pc:sldLayoutMkLst>
+        </pc:sldLayoutChg>
+        <pc:sldLayoutChg chg="setBg">
+          <pc:chgData name="Bischoff Adrian Christoph" userId="96c51fd8-79b1-4306-8bef-98cce4b6a07e" providerId="ADAL" clId="{5EF9EA88-F374-4638-BD9A-1A34A4137A29}" dt="2024-02-23T12:10:22.198" v="964"/>
+          <pc:sldLayoutMkLst>
+            <pc:docMk/>
+            <pc:sldMasterMk cId="0" sldId="2147483648"/>
+            <pc:sldLayoutMk cId="0" sldId="2147483650"/>
+          </pc:sldLayoutMkLst>
+        </pc:sldLayoutChg>
+        <pc:sldLayoutChg chg="setBg">
+          <pc:chgData name="Bischoff Adrian Christoph" userId="96c51fd8-79b1-4306-8bef-98cce4b6a07e" providerId="ADAL" clId="{5EF9EA88-F374-4638-BD9A-1A34A4137A29}" dt="2024-02-23T12:10:22.198" v="964"/>
+          <pc:sldLayoutMkLst>
+            <pc:docMk/>
+            <pc:sldMasterMk cId="0" sldId="2147483648"/>
+            <pc:sldLayoutMk cId="0" sldId="2147483651"/>
+          </pc:sldLayoutMkLst>
+        </pc:sldLayoutChg>
+        <pc:sldLayoutChg chg="setBg">
+          <pc:chgData name="Bischoff Adrian Christoph" userId="96c51fd8-79b1-4306-8bef-98cce4b6a07e" providerId="ADAL" clId="{5EF9EA88-F374-4638-BD9A-1A34A4137A29}" dt="2024-02-23T12:10:22.198" v="964"/>
+          <pc:sldLayoutMkLst>
+            <pc:docMk/>
+            <pc:sldMasterMk cId="0" sldId="2147483648"/>
+            <pc:sldLayoutMk cId="0" sldId="2147483653"/>
+          </pc:sldLayoutMkLst>
+        </pc:sldLayoutChg>
+        <pc:sldLayoutChg chg="setBg">
+          <pc:chgData name="Bischoff Adrian Christoph" userId="96c51fd8-79b1-4306-8bef-98cce4b6a07e" providerId="ADAL" clId="{5EF9EA88-F374-4638-BD9A-1A34A4137A29}" dt="2024-02-23T12:10:22.198" v="964"/>
+          <pc:sldLayoutMkLst>
+            <pc:docMk/>
+            <pc:sldMasterMk cId="0" sldId="2147483648"/>
+            <pc:sldLayoutMk cId="0" sldId="2147483654"/>
+          </pc:sldLayoutMkLst>
+        </pc:sldLayoutChg>
+        <pc:sldLayoutChg chg="setBg">
+          <pc:chgData name="Bischoff Adrian Christoph" userId="96c51fd8-79b1-4306-8bef-98cce4b6a07e" providerId="ADAL" clId="{5EF9EA88-F374-4638-BD9A-1A34A4137A29}" dt="2024-02-23T12:10:22.198" v="964"/>
+          <pc:sldLayoutMkLst>
+            <pc:docMk/>
+            <pc:sldMasterMk cId="0" sldId="2147483648"/>
+            <pc:sldLayoutMk cId="0" sldId="2147483655"/>
+          </pc:sldLayoutMkLst>
+        </pc:sldLayoutChg>
+        <pc:sldLayoutChg chg="setBg">
+          <pc:chgData name="Bischoff Adrian Christoph" userId="96c51fd8-79b1-4306-8bef-98cce4b6a07e" providerId="ADAL" clId="{5EF9EA88-F374-4638-BD9A-1A34A4137A29}" dt="2024-02-23T12:10:22.198" v="964"/>
+          <pc:sldLayoutMkLst>
+            <pc:docMk/>
+            <pc:sldMasterMk cId="0" sldId="2147483648"/>
+            <pc:sldLayoutMk cId="0" sldId="2147483657"/>
+          </pc:sldLayoutMkLst>
+        </pc:sldLayoutChg>
+        <pc:sldLayoutChg chg="setBg">
+          <pc:chgData name="Bischoff Adrian Christoph" userId="96c51fd8-79b1-4306-8bef-98cce4b6a07e" providerId="ADAL" clId="{5EF9EA88-F374-4638-BD9A-1A34A4137A29}" dt="2024-02-23T12:10:22.198" v="964"/>
+          <pc:sldLayoutMkLst>
+            <pc:docMk/>
+            <pc:sldMasterMk cId="0" sldId="2147483648"/>
+            <pc:sldLayoutMk cId="0" sldId="2147483659"/>
+          </pc:sldLayoutMkLst>
+        </pc:sldLayoutChg>
+        <pc:sldLayoutChg chg="setBg">
+          <pc:chgData name="Bischoff Adrian Christoph" userId="96c51fd8-79b1-4306-8bef-98cce4b6a07e" providerId="ADAL" clId="{5EF9EA88-F374-4638-BD9A-1A34A4137A29}" dt="2024-02-23T12:10:22.198" v="964"/>
+          <pc:sldLayoutMkLst>
+            <pc:docMk/>
+            <pc:sldMasterMk cId="0" sldId="2147483648"/>
+            <pc:sldLayoutMk cId="0" sldId="2147483660"/>
+          </pc:sldLayoutMkLst>
+        </pc:sldLayoutChg>
+        <pc:sldLayoutChg chg="setBg">
+          <pc:chgData name="Bischoff Adrian Christoph" userId="96c51fd8-79b1-4306-8bef-98cce4b6a07e" providerId="ADAL" clId="{5EF9EA88-F374-4638-BD9A-1A34A4137A29}" dt="2024-02-23T12:10:22.198" v="964"/>
+          <pc:sldLayoutMkLst>
+            <pc:docMk/>
+            <pc:sldMasterMk cId="0" sldId="2147483648"/>
+            <pc:sldLayoutMk cId="0" sldId="2147483661"/>
+          </pc:sldLayoutMkLst>
+        </pc:sldLayoutChg>
+        <pc:sldLayoutChg chg="setBg">
+          <pc:chgData name="Bischoff Adrian Christoph" userId="96c51fd8-79b1-4306-8bef-98cce4b6a07e" providerId="ADAL" clId="{5EF9EA88-F374-4638-BD9A-1A34A4137A29}" dt="2024-02-23T12:10:22.198" v="964"/>
+          <pc:sldLayoutMkLst>
+            <pc:docMk/>
+            <pc:sldMasterMk cId="0" sldId="2147483648"/>
+            <pc:sldLayoutMk cId="0" sldId="2147483662"/>
+          </pc:sldLayoutMkLst>
+        </pc:sldLayoutChg>
+        <pc:sldLayoutChg chg="setBg">
+          <pc:chgData name="Bischoff Adrian Christoph" userId="96c51fd8-79b1-4306-8bef-98cce4b6a07e" providerId="ADAL" clId="{5EF9EA88-F374-4638-BD9A-1A34A4137A29}" dt="2024-02-23T12:10:22.198" v="964"/>
+          <pc:sldLayoutMkLst>
+            <pc:docMk/>
+            <pc:sldMasterMk cId="0" sldId="2147483648"/>
+            <pc:sldLayoutMk cId="0" sldId="2147483663"/>
+          </pc:sldLayoutMkLst>
+        </pc:sldLayoutChg>
+        <pc:sldLayoutChg chg="setBg">
+          <pc:chgData name="Bischoff Adrian Christoph" userId="96c51fd8-79b1-4306-8bef-98cce4b6a07e" providerId="ADAL" clId="{5EF9EA88-F374-4638-BD9A-1A34A4137A29}" dt="2024-02-23T12:10:22.198" v="964"/>
+          <pc:sldLayoutMkLst>
+            <pc:docMk/>
+            <pc:sldMasterMk cId="0" sldId="2147483648"/>
+            <pc:sldLayoutMk cId="0" sldId="2147483664"/>
+          </pc:sldLayoutMkLst>
+        </pc:sldLayoutChg>
+        <pc:sldLayoutChg chg="setBg">
+          <pc:chgData name="Bischoff Adrian Christoph" userId="96c51fd8-79b1-4306-8bef-98cce4b6a07e" providerId="ADAL" clId="{5EF9EA88-F374-4638-BD9A-1A34A4137A29}" dt="2024-02-23T12:10:22.198" v="964"/>
+          <pc:sldLayoutMkLst>
+            <pc:docMk/>
+            <pc:sldMasterMk cId="0" sldId="2147483648"/>
+            <pc:sldLayoutMk cId="0" sldId="2147483665"/>
+          </pc:sldLayoutMkLst>
+        </pc:sldLayoutChg>
+        <pc:sldLayoutChg chg="setBg">
+          <pc:chgData name="Bischoff Adrian Christoph" userId="96c51fd8-79b1-4306-8bef-98cce4b6a07e" providerId="ADAL" clId="{5EF9EA88-F374-4638-BD9A-1A34A4137A29}" dt="2024-02-23T12:10:22.198" v="964"/>
+          <pc:sldLayoutMkLst>
+            <pc:docMk/>
+            <pc:sldMasterMk cId="0" sldId="2147483648"/>
+            <pc:sldLayoutMk cId="0" sldId="2147483666"/>
+          </pc:sldLayoutMkLst>
+        </pc:sldLayoutChg>
+        <pc:sldLayoutChg chg="setBg">
+          <pc:chgData name="Bischoff Adrian Christoph" userId="96c51fd8-79b1-4306-8bef-98cce4b6a07e" providerId="ADAL" clId="{5EF9EA88-F374-4638-BD9A-1A34A4137A29}" dt="2024-02-23T12:10:22.198" v="964"/>
+          <pc:sldLayoutMkLst>
+            <pc:docMk/>
+            <pc:sldMasterMk cId="0" sldId="2147483648"/>
+            <pc:sldLayoutMk cId="0" sldId="2147483667"/>
+          </pc:sldLayoutMkLst>
+        </pc:sldLayoutChg>
+      </pc:sldMasterChg>
+    </pc:docChg>
+  </pc:docChgLst>
+</pc:chgInfo>
 </file>
 
 <file path=ppt/slideLayouts/slideLayout1.xml><?xml version="1.0" encoding="utf-8"?>
@@ -4558,7 +6701,7 @@
   <p:cSld>
     <p:bg>
       <p:bgRef idx="1001">
-        <a:schemeClr val="bg2"/>
+        <a:schemeClr val="bg1"/>
       </p:bgRef>
     </p:bg>
     <p:spTree>
@@ -5758,6 +7901,529 @@
           <a:chExt cx="0" cy="0"/>
         </a:xfrm>
       </p:grpSpPr>
+      <p:pic>
+        <p:nvPicPr>
+          <p:cNvPr id="1026" name="Picture 2" descr="Universum – beobachten und verstehen">
+            <a:extLst>
+              <a:ext uri="{FF2B5EF4-FFF2-40B4-BE49-F238E27FC236}">
+                <a16:creationId xmlns:a16="http://schemas.microsoft.com/office/drawing/2014/main" id="{1BED3353-FCDC-FDF9-7DAB-60FC2C7ED57B}"/>
+              </a:ext>
+            </a:extLst>
+          </p:cNvPr>
+          <p:cNvPicPr>
+            <a:picLocks noChangeAspect="1" noChangeArrowheads="1"/>
+          </p:cNvPicPr>
+          <p:nvPr/>
+        </p:nvPicPr>
+        <p:blipFill rotWithShape="1">
+          <a:blip r:embed="rId2">
+            <a:extLst>
+              <a:ext uri="{28A0092B-C50C-407E-A947-70E740481C1C}">
+                <a14:useLocalDpi xmlns:a14="http://schemas.microsoft.com/office/drawing/2010/main" val="0"/>
+              </a:ext>
+            </a:extLst>
+          </a:blip>
+          <a:srcRect l="9091" t="5982" b="3109"/>
+          <a:stretch/>
+        </p:blipFill>
+        <p:spPr bwMode="auto">
+          <a:xfrm>
+            <a:off x="0" y="0"/>
+            <a:ext cx="12192000" cy="6858000"/>
+          </a:xfrm>
+          <a:prstGeom prst="rect">
+            <a:avLst/>
+          </a:prstGeom>
+          <a:noFill/>
+          <a:extLst>
+            <a:ext uri="{909E8E84-426E-40DD-AFC4-6F175D3DCCD1}">
+              <a14:hiddenFill xmlns:a14="http://schemas.microsoft.com/office/drawing/2010/main">
+                <a:solidFill>
+                  <a:srgbClr val="FFFFFF"/>
+                </a:solidFill>
+              </a14:hiddenFill>
+            </a:ext>
+          </a:extLst>
+        </p:spPr>
+      </p:pic>
+      <p:sp>
+        <p:nvSpPr>
+          <p:cNvPr id="1028" name="Isosceles Triangle 1027">
+            <a:extLst>
+              <a:ext uri="{FF2B5EF4-FFF2-40B4-BE49-F238E27FC236}">
+                <a16:creationId xmlns:a16="http://schemas.microsoft.com/office/drawing/2014/main" id="{CC4083E7-7DB9-4FC5-B464-F3D93B8D8E9F}"/>
+              </a:ext>
+              <a:ext uri="{C183D7F6-B498-43B3-948B-1728B52AA6E4}">
+                <adec:decorative xmlns:adec="http://schemas.microsoft.com/office/drawing/2017/decorative" val="1"/>
+              </a:ext>
+            </a:extLst>
+          </p:cNvPr>
+          <p:cNvSpPr>
+            <a:spLocks noGrp="1" noRot="1" noChangeAspect="1" noMove="1" noResize="1" noEditPoints="1" noAdjustHandles="1" noChangeArrowheads="1" noChangeShapeType="1" noTextEdit="1"/>
+          </p:cNvSpPr>
+          <p:nvPr>
+            <p:extLst>
+              <p:ext uri="{386F3935-93C4-4BCD-93E2-E3B085C9AB24}">
+                <p16:designElem xmlns:p16="http://schemas.microsoft.com/office/powerpoint/2015/main" val="1"/>
+              </p:ext>
+            </p:extLst>
+          </p:nvPr>
+        </p:nvSpPr>
+        <p:spPr>
+          <a:xfrm rot="10800000">
+            <a:off x="0" y="0"/>
+            <a:ext cx="842596" cy="5666154"/>
+          </a:xfrm>
+          <a:prstGeom prst="triangle">
+            <a:avLst>
+              <a:gd name="adj" fmla="val 100000"/>
+            </a:avLst>
+          </a:prstGeom>
+          <a:solidFill>
+            <a:schemeClr val="accent1">
+              <a:alpha val="85000"/>
+            </a:schemeClr>
+          </a:solidFill>
+          <a:ln>
+            <a:noFill/>
+          </a:ln>
+          <a:effectLst/>
+        </p:spPr>
+        <p:style>
+          <a:lnRef idx="1">
+            <a:schemeClr val="accent1"/>
+          </a:lnRef>
+          <a:fillRef idx="3">
+            <a:schemeClr val="accent1"/>
+          </a:fillRef>
+          <a:effectRef idx="2">
+            <a:schemeClr val="accent1"/>
+          </a:effectRef>
+          <a:fontRef idx="minor">
+            <a:schemeClr val="lt1"/>
+          </a:fontRef>
+        </p:style>
+        <p:txBody>
+          <a:bodyPr/>
+          <a:lstStyle/>
+          <a:p>
+            <a:endParaRPr lang="de-CH"/>
+          </a:p>
+        </p:txBody>
+      </p:sp>
+      <p:sp>
+        <p:nvSpPr>
+          <p:cNvPr id="1033" name="Parallelogram 1032">
+            <a:extLst>
+              <a:ext uri="{FF2B5EF4-FFF2-40B4-BE49-F238E27FC236}">
+                <a16:creationId xmlns:a16="http://schemas.microsoft.com/office/drawing/2014/main" id="{3A31F45F-754F-4DE9-BB47-376D852F10F4}"/>
+              </a:ext>
+              <a:ext uri="{C183D7F6-B498-43B3-948B-1728B52AA6E4}">
+                <adec:decorative xmlns:adec="http://schemas.microsoft.com/office/drawing/2017/decorative" val="1"/>
+              </a:ext>
+            </a:extLst>
+          </p:cNvPr>
+          <p:cNvSpPr>
+            <a:spLocks noGrp="1" noRot="1" noChangeAspect="1" noMove="1" noResize="1" noEditPoints="1" noAdjustHandles="1" noChangeArrowheads="1" noChangeShapeType="1" noTextEdit="1"/>
+          </p:cNvSpPr>
+          <p:nvPr>
+            <p:extLst>
+              <p:ext uri="{386F3935-93C4-4BCD-93E2-E3B085C9AB24}">
+                <p16:designElem xmlns:p16="http://schemas.microsoft.com/office/powerpoint/2015/main" val="1"/>
+              </p:ext>
+            </p:extLst>
+          </p:nvPr>
+        </p:nvSpPr>
+        <p:spPr>
+          <a:xfrm>
+            <a:off x="3692562" y="0"/>
+            <a:ext cx="7315200" cy="6858000"/>
+          </a:xfrm>
+          <a:prstGeom prst="parallelogram">
+            <a:avLst>
+              <a:gd name="adj" fmla="val 14937"/>
+            </a:avLst>
+          </a:prstGeom>
+          <a:solidFill>
+            <a:schemeClr val="bg1">
+              <a:alpha val="82000"/>
+            </a:schemeClr>
+          </a:solidFill>
+          <a:ln>
+            <a:noFill/>
+          </a:ln>
+          <a:effectLst/>
+        </p:spPr>
+        <p:style>
+          <a:lnRef idx="1">
+            <a:schemeClr val="accent1"/>
+          </a:lnRef>
+          <a:fillRef idx="3">
+            <a:schemeClr val="accent1"/>
+          </a:fillRef>
+          <a:effectRef idx="2">
+            <a:schemeClr val="accent1"/>
+          </a:effectRef>
+          <a:fontRef idx="minor">
+            <a:schemeClr val="lt1"/>
+          </a:fontRef>
+        </p:style>
+        <p:txBody>
+          <a:bodyPr rtlCol="0" anchor="ctr"/>
+          <a:lstStyle/>
+          <a:p>
+            <a:pPr algn="ctr"/>
+            <a:endParaRPr lang="en-US"/>
+          </a:p>
+        </p:txBody>
+      </p:sp>
+      <p:cxnSp>
+        <p:nvCxnSpPr>
+          <p:cNvPr id="1035" name="Straight Connector 1034">
+            <a:extLst>
+              <a:ext uri="{FF2B5EF4-FFF2-40B4-BE49-F238E27FC236}">
+                <a16:creationId xmlns:a16="http://schemas.microsoft.com/office/drawing/2014/main" id="{527EB943-755E-4000-849C-70B9070CB58A}"/>
+              </a:ext>
+              <a:ext uri="{C183D7F6-B498-43B3-948B-1728B52AA6E4}">
+                <adec:decorative xmlns:adec="http://schemas.microsoft.com/office/drawing/2017/decorative" val="1"/>
+              </a:ext>
+            </a:extLst>
+          </p:cNvPr>
+          <p:cNvCxnSpPr>
+            <a:cxnSpLocks noGrp="1" noRot="1" noChangeAspect="1" noMove="1" noResize="1" noEditPoints="1" noAdjustHandles="1" noChangeArrowheads="1" noChangeShapeType="1"/>
+          </p:cNvCxnSpPr>
+          <p:nvPr>
+            <p:extLst>
+              <p:ext uri="{386F3935-93C4-4BCD-93E2-E3B085C9AB24}">
+                <p16:designElem xmlns:p16="http://schemas.microsoft.com/office/powerpoint/2015/main" val="1"/>
+              </p:ext>
+            </p:extLst>
+          </p:nvPr>
+        </p:nvCxnSpPr>
+        <p:spPr>
+          <a:xfrm>
+            <a:off x="9371012" y="0"/>
+            <a:ext cx="1219200" cy="6858000"/>
+          </a:xfrm>
+          <a:prstGeom prst="line">
+            <a:avLst/>
+          </a:prstGeom>
+          <a:ln w="9525">
+            <a:solidFill>
+              <a:schemeClr val="bg1">
+                <a:lumMod val="75000"/>
+              </a:schemeClr>
+            </a:solidFill>
+          </a:ln>
+        </p:spPr>
+        <p:style>
+          <a:lnRef idx="2">
+            <a:schemeClr val="accent1"/>
+          </a:lnRef>
+          <a:fillRef idx="0">
+            <a:schemeClr val="accent1"/>
+          </a:fillRef>
+          <a:effectRef idx="1">
+            <a:schemeClr val="accent1"/>
+          </a:effectRef>
+          <a:fontRef idx="minor">
+            <a:schemeClr val="tx1"/>
+          </a:fontRef>
+        </p:style>
+      </p:cxnSp>
+      <p:cxnSp>
+        <p:nvCxnSpPr>
+          <p:cNvPr id="1037" name="Straight Connector 1036">
+            <a:extLst>
+              <a:ext uri="{FF2B5EF4-FFF2-40B4-BE49-F238E27FC236}">
+                <a16:creationId xmlns:a16="http://schemas.microsoft.com/office/drawing/2014/main" id="{88C0E865-DD2F-4731-8827-462D0810D60C}"/>
+              </a:ext>
+              <a:ext uri="{C183D7F6-B498-43B3-948B-1728B52AA6E4}">
+                <adec:decorative xmlns:adec="http://schemas.microsoft.com/office/drawing/2017/decorative" val="1"/>
+              </a:ext>
+            </a:extLst>
+          </p:cNvPr>
+          <p:cNvCxnSpPr>
+            <a:cxnSpLocks noGrp="1" noRot="1" noChangeAspect="1" noMove="1" noResize="1" noEditPoints="1" noAdjustHandles="1" noChangeArrowheads="1" noChangeShapeType="1"/>
+          </p:cNvCxnSpPr>
+          <p:nvPr>
+            <p:extLst>
+              <p:ext uri="{386F3935-93C4-4BCD-93E2-E3B085C9AB24}">
+                <p16:designElem xmlns:p16="http://schemas.microsoft.com/office/powerpoint/2015/main" val="1"/>
+              </p:ext>
+            </p:extLst>
+          </p:nvPr>
+        </p:nvCxnSpPr>
+        <p:spPr>
+          <a:xfrm flipH="1">
+            <a:off x="7425267" y="3681413"/>
+            <a:ext cx="4763558" cy="3176587"/>
+          </a:xfrm>
+          <a:prstGeom prst="line">
+            <a:avLst/>
+          </a:prstGeom>
+          <a:ln w="9525">
+            <a:solidFill>
+              <a:schemeClr val="bg1">
+                <a:lumMod val="85000"/>
+              </a:schemeClr>
+            </a:solidFill>
+          </a:ln>
+        </p:spPr>
+        <p:style>
+          <a:lnRef idx="2">
+            <a:schemeClr val="accent1"/>
+          </a:lnRef>
+          <a:fillRef idx="0">
+            <a:schemeClr val="accent1"/>
+          </a:fillRef>
+          <a:effectRef idx="1">
+            <a:schemeClr val="accent1"/>
+          </a:effectRef>
+          <a:fontRef idx="minor">
+            <a:schemeClr val="tx1"/>
+          </a:fontRef>
+        </p:style>
+      </p:cxnSp>
+      <p:sp>
+        <p:nvSpPr>
+          <p:cNvPr id="1039" name="Rectangle 23">
+            <a:extLst>
+              <a:ext uri="{FF2B5EF4-FFF2-40B4-BE49-F238E27FC236}">
+                <a16:creationId xmlns:a16="http://schemas.microsoft.com/office/drawing/2014/main" id="{926CA434-D0D7-4D87-925F-AADDDC5807E4}"/>
+              </a:ext>
+              <a:ext uri="{C183D7F6-B498-43B3-948B-1728B52AA6E4}">
+                <adec:decorative xmlns:adec="http://schemas.microsoft.com/office/drawing/2017/decorative" val="1"/>
+              </a:ext>
+            </a:extLst>
+          </p:cNvPr>
+          <p:cNvSpPr>
+            <a:spLocks noGrp="1" noRot="1" noChangeAspect="1" noMove="1" noResize="1" noEditPoints="1" noAdjustHandles="1" noChangeArrowheads="1" noChangeShapeType="1" noTextEdit="1"/>
+          </p:cNvSpPr>
+          <p:nvPr>
+            <p:extLst>
+              <p:ext uri="{386F3935-93C4-4BCD-93E2-E3B085C9AB24}">
+                <p16:designElem xmlns:p16="http://schemas.microsoft.com/office/powerpoint/2015/main" val="1"/>
+              </p:ext>
+            </p:extLst>
+          </p:nvPr>
+        </p:nvSpPr>
+        <p:spPr>
+          <a:xfrm>
+            <a:off x="9181476" y="-8467"/>
+            <a:ext cx="3007349" cy="6866467"/>
+          </a:xfrm>
+          <a:custGeom>
+            <a:avLst/>
+            <a:gdLst/>
+            <a:ahLst/>
+            <a:cxnLst/>
+            <a:rect l="l" t="t" r="r" b="b"/>
+            <a:pathLst>
+              <a:path w="3007349" h="6866467">
+                <a:moveTo>
+                  <a:pt x="2045532" y="0"/>
+                </a:moveTo>
+                <a:lnTo>
+                  <a:pt x="3007349" y="0"/>
+                </a:lnTo>
+                <a:lnTo>
+                  <a:pt x="3007349" y="6866467"/>
+                </a:lnTo>
+                <a:lnTo>
+                  <a:pt x="0" y="6866467"/>
+                </a:lnTo>
+                <a:lnTo>
+                  <a:pt x="2045532" y="0"/>
+                </a:lnTo>
+                <a:close/>
+              </a:path>
+            </a:pathLst>
+          </a:custGeom>
+          <a:solidFill>
+            <a:schemeClr val="accent1">
+              <a:alpha val="30000"/>
+            </a:schemeClr>
+          </a:solidFill>
+          <a:ln>
+            <a:noFill/>
+          </a:ln>
+          <a:effectLst/>
+        </p:spPr>
+        <p:style>
+          <a:lnRef idx="1">
+            <a:schemeClr val="accent1"/>
+          </a:lnRef>
+          <a:fillRef idx="3">
+            <a:schemeClr val="accent1"/>
+          </a:fillRef>
+          <a:effectRef idx="2">
+            <a:schemeClr val="accent1"/>
+          </a:effectRef>
+          <a:fontRef idx="minor">
+            <a:schemeClr val="lt1"/>
+          </a:fontRef>
+        </p:style>
+        <p:txBody>
+          <a:bodyPr/>
+          <a:lstStyle/>
+          <a:p>
+            <a:endParaRPr lang="de-CH"/>
+          </a:p>
+        </p:txBody>
+      </p:sp>
+      <p:sp>
+        <p:nvSpPr>
+          <p:cNvPr id="1041" name="Rectangle 25">
+            <a:extLst>
+              <a:ext uri="{FF2B5EF4-FFF2-40B4-BE49-F238E27FC236}">
+                <a16:creationId xmlns:a16="http://schemas.microsoft.com/office/drawing/2014/main" id="{321F9B9F-EF9D-471D-8682-32FC29FFD08B}"/>
+              </a:ext>
+              <a:ext uri="{C183D7F6-B498-43B3-948B-1728B52AA6E4}">
+                <adec:decorative xmlns:adec="http://schemas.microsoft.com/office/drawing/2017/decorative" val="1"/>
+              </a:ext>
+            </a:extLst>
+          </p:cNvPr>
+          <p:cNvSpPr>
+            <a:spLocks noGrp="1" noRot="1" noChangeAspect="1" noMove="1" noResize="1" noEditPoints="1" noAdjustHandles="1" noChangeArrowheads="1" noChangeShapeType="1" noTextEdit="1"/>
+          </p:cNvSpPr>
+          <p:nvPr>
+            <p:extLst>
+              <p:ext uri="{386F3935-93C4-4BCD-93E2-E3B085C9AB24}">
+                <p16:designElem xmlns:p16="http://schemas.microsoft.com/office/powerpoint/2015/main" val="1"/>
+              </p:ext>
+            </p:extLst>
+          </p:nvPr>
+        </p:nvSpPr>
+        <p:spPr>
+          <a:xfrm>
+            <a:off x="9603442" y="-8467"/>
+            <a:ext cx="2588558" cy="6866467"/>
+          </a:xfrm>
+          <a:custGeom>
+            <a:avLst/>
+            <a:gdLst/>
+            <a:ahLst/>
+            <a:cxnLst/>
+            <a:rect l="l" t="t" r="r" b="b"/>
+            <a:pathLst>
+              <a:path w="2573311" h="6866467">
+                <a:moveTo>
+                  <a:pt x="0" y="0"/>
+                </a:moveTo>
+                <a:lnTo>
+                  <a:pt x="2573311" y="0"/>
+                </a:lnTo>
+                <a:lnTo>
+                  <a:pt x="2573311" y="6866467"/>
+                </a:lnTo>
+                <a:lnTo>
+                  <a:pt x="1202336" y="6866467"/>
+                </a:lnTo>
+                <a:lnTo>
+                  <a:pt x="0" y="0"/>
+                </a:lnTo>
+                <a:close/>
+              </a:path>
+            </a:pathLst>
+          </a:custGeom>
+          <a:solidFill>
+            <a:schemeClr val="accent1">
+              <a:alpha val="20000"/>
+            </a:schemeClr>
+          </a:solidFill>
+          <a:ln>
+            <a:noFill/>
+          </a:ln>
+          <a:effectLst/>
+        </p:spPr>
+        <p:style>
+          <a:lnRef idx="1">
+            <a:schemeClr val="accent1"/>
+          </a:lnRef>
+          <a:fillRef idx="3">
+            <a:schemeClr val="accent1"/>
+          </a:fillRef>
+          <a:effectRef idx="2">
+            <a:schemeClr val="accent1"/>
+          </a:effectRef>
+          <a:fontRef idx="minor">
+            <a:schemeClr val="lt1"/>
+          </a:fontRef>
+        </p:style>
+        <p:txBody>
+          <a:bodyPr/>
+          <a:lstStyle/>
+          <a:p>
+            <a:endParaRPr lang="de-CH"/>
+          </a:p>
+        </p:txBody>
+      </p:sp>
+      <p:sp>
+        <p:nvSpPr>
+          <p:cNvPr id="1043" name="Isosceles Triangle 1042">
+            <a:extLst>
+              <a:ext uri="{FF2B5EF4-FFF2-40B4-BE49-F238E27FC236}">
+                <a16:creationId xmlns:a16="http://schemas.microsoft.com/office/drawing/2014/main" id="{B3E64CAB-A26E-41D9-BDF3-C2126B5E8E04}"/>
+              </a:ext>
+              <a:ext uri="{C183D7F6-B498-43B3-948B-1728B52AA6E4}">
+                <adec:decorative xmlns:adec="http://schemas.microsoft.com/office/drawing/2017/decorative" val="1"/>
+              </a:ext>
+            </a:extLst>
+          </p:cNvPr>
+          <p:cNvSpPr>
+            <a:spLocks noGrp="1" noRot="1" noChangeAspect="1" noMove="1" noResize="1" noEditPoints="1" noAdjustHandles="1" noChangeArrowheads="1" noChangeShapeType="1" noTextEdit="1"/>
+          </p:cNvSpPr>
+          <p:nvPr>
+            <p:extLst>
+              <p:ext uri="{386F3935-93C4-4BCD-93E2-E3B085C9AB24}">
+                <p16:designElem xmlns:p16="http://schemas.microsoft.com/office/powerpoint/2015/main" val="1"/>
+              </p:ext>
+            </p:extLst>
+          </p:nvPr>
+        </p:nvSpPr>
+        <p:spPr>
+          <a:xfrm>
+            <a:off x="8932333" y="3048000"/>
+            <a:ext cx="3259667" cy="3810000"/>
+          </a:xfrm>
+          <a:prstGeom prst="triangle">
+            <a:avLst>
+              <a:gd name="adj" fmla="val 100000"/>
+            </a:avLst>
+          </a:prstGeom>
+          <a:solidFill>
+            <a:schemeClr val="accent2">
+              <a:alpha val="72000"/>
+            </a:schemeClr>
+          </a:solidFill>
+          <a:ln>
+            <a:noFill/>
+          </a:ln>
+          <a:effectLst/>
+        </p:spPr>
+        <p:style>
+          <a:lnRef idx="1">
+            <a:schemeClr val="accent1"/>
+          </a:lnRef>
+          <a:fillRef idx="3">
+            <a:schemeClr val="accent1"/>
+          </a:fillRef>
+          <a:effectRef idx="2">
+            <a:schemeClr val="accent1"/>
+          </a:effectRef>
+          <a:fontRef idx="minor">
+            <a:schemeClr val="lt1"/>
+          </a:fontRef>
+        </p:style>
+        <p:txBody>
+          <a:bodyPr/>
+          <a:lstStyle/>
+          <a:p>
+            <a:endParaRPr lang="de-CH"/>
+          </a:p>
+        </p:txBody>
+      </p:sp>
       <p:sp>
         <p:nvSpPr>
           <p:cNvPr id="2" name="Title 1">
@@ -5774,9 +8440,16 @@
             <p:ph type="ctrTitle"/>
           </p:nvPr>
         </p:nvSpPr>
-        <p:spPr/>
+        <p:spPr>
+          <a:xfrm>
+            <a:off x="4704200" y="1678665"/>
+            <a:ext cx="4569803" cy="2369131"/>
+          </a:xfrm>
+        </p:spPr>
         <p:txBody>
-          <a:bodyPr/>
+          <a:bodyPr>
+            <a:normAutofit/>
+          </a:bodyPr>
           <a:lstStyle/>
           <a:p>
             <a:r>
@@ -5803,16 +8476,355 @@
             <p:ph type="subTitle" idx="1"/>
           </p:nvPr>
         </p:nvSpPr>
-        <p:spPr/>
+        <p:spPr>
+          <a:xfrm>
+            <a:off x="4700964" y="4050832"/>
+            <a:ext cx="4573037" cy="1096899"/>
+          </a:xfrm>
+        </p:spPr>
+        <p:txBody>
+          <a:bodyPr>
+            <a:normAutofit/>
+          </a:bodyPr>
+          <a:lstStyle/>
+          <a:p>
+            <a:r>
+              <a:rPr lang="de-CH">
+                <a:solidFill>
+                  <a:schemeClr val="tx1"/>
+                </a:solidFill>
+              </a:rPr>
+              <a:t>Adrian Bischoff</a:t>
+            </a:r>
+          </a:p>
+        </p:txBody>
+      </p:sp>
+      <p:sp>
+        <p:nvSpPr>
+          <p:cNvPr id="1045" name="Rectangle 27">
+            <a:extLst>
+              <a:ext uri="{FF2B5EF4-FFF2-40B4-BE49-F238E27FC236}">
+                <a16:creationId xmlns:a16="http://schemas.microsoft.com/office/drawing/2014/main" id="{B514DF98-6EAD-4CC5-A489-A860CF56AD7D}"/>
+              </a:ext>
+              <a:ext uri="{C183D7F6-B498-43B3-948B-1728B52AA6E4}">
+                <adec:decorative xmlns:adec="http://schemas.microsoft.com/office/drawing/2017/decorative" val="1"/>
+              </a:ext>
+            </a:extLst>
+          </p:cNvPr>
+          <p:cNvSpPr>
+            <a:spLocks noGrp="1" noRot="1" noChangeAspect="1" noMove="1" noResize="1" noEditPoints="1" noAdjustHandles="1" noChangeArrowheads="1" noChangeShapeType="1" noTextEdit="1"/>
+          </p:cNvSpPr>
+          <p:nvPr>
+            <p:extLst>
+              <p:ext uri="{386F3935-93C4-4BCD-93E2-E3B085C9AB24}">
+                <p16:designElem xmlns:p16="http://schemas.microsoft.com/office/powerpoint/2015/main" val="1"/>
+              </p:ext>
+            </p:extLst>
+          </p:nvPr>
+        </p:nvSpPr>
+        <p:spPr>
+          <a:xfrm>
+            <a:off x="9334500" y="-8467"/>
+            <a:ext cx="2854326" cy="6866467"/>
+          </a:xfrm>
+          <a:custGeom>
+            <a:avLst/>
+            <a:gdLst/>
+            <a:ahLst/>
+            <a:cxnLst/>
+            <a:rect l="l" t="t" r="r" b="b"/>
+            <a:pathLst>
+              <a:path w="2858013" h="6866467">
+                <a:moveTo>
+                  <a:pt x="0" y="0"/>
+                </a:moveTo>
+                <a:lnTo>
+                  <a:pt x="2858013" y="0"/>
+                </a:lnTo>
+                <a:lnTo>
+                  <a:pt x="2858013" y="6866467"/>
+                </a:lnTo>
+                <a:lnTo>
+                  <a:pt x="2473942" y="6866467"/>
+                </a:lnTo>
+                <a:lnTo>
+                  <a:pt x="0" y="0"/>
+                </a:lnTo>
+                <a:close/>
+              </a:path>
+            </a:pathLst>
+          </a:custGeom>
+          <a:solidFill>
+            <a:schemeClr val="accent2">
+              <a:lumMod val="75000"/>
+              <a:alpha val="47000"/>
+            </a:schemeClr>
+          </a:solidFill>
+          <a:ln>
+            <a:noFill/>
+          </a:ln>
+          <a:effectLst/>
+        </p:spPr>
+        <p:style>
+          <a:lnRef idx="1">
+            <a:schemeClr val="accent1"/>
+          </a:lnRef>
+          <a:fillRef idx="3">
+            <a:schemeClr val="accent1"/>
+          </a:fillRef>
+          <a:effectRef idx="2">
+            <a:schemeClr val="accent1"/>
+          </a:effectRef>
+          <a:fontRef idx="minor">
+            <a:schemeClr val="lt1"/>
+          </a:fontRef>
+        </p:style>
         <p:txBody>
           <a:bodyPr/>
           <a:lstStyle/>
           <a:p>
-            <a:r>
-              <a:rPr lang="de-CH"/>
-              <a:t>Adrian Bischoff</a:t>
-            </a:r>
-            <a:endParaRPr lang="de-CH" dirty="0"/>
+            <a:endParaRPr lang="de-CH"/>
+          </a:p>
+        </p:txBody>
+      </p:sp>
+      <p:sp>
+        <p:nvSpPr>
+          <p:cNvPr id="1047" name="Rectangle 28">
+            <a:extLst>
+              <a:ext uri="{FF2B5EF4-FFF2-40B4-BE49-F238E27FC236}">
+                <a16:creationId xmlns:a16="http://schemas.microsoft.com/office/drawing/2014/main" id="{B4D87FD0-176F-488F-BAD6-5CB75827CEDC}"/>
+              </a:ext>
+              <a:ext uri="{C183D7F6-B498-43B3-948B-1728B52AA6E4}">
+                <adec:decorative xmlns:adec="http://schemas.microsoft.com/office/drawing/2017/decorative" val="1"/>
+              </a:ext>
+            </a:extLst>
+          </p:cNvPr>
+          <p:cNvSpPr>
+            <a:spLocks noGrp="1" noRot="1" noChangeAspect="1" noMove="1" noResize="1" noEditPoints="1" noAdjustHandles="1" noChangeArrowheads="1" noChangeShapeType="1" noTextEdit="1"/>
+          </p:cNvSpPr>
+          <p:nvPr>
+            <p:extLst>
+              <p:ext uri="{386F3935-93C4-4BCD-93E2-E3B085C9AB24}">
+                <p16:designElem xmlns:p16="http://schemas.microsoft.com/office/powerpoint/2015/main" val="1"/>
+              </p:ext>
+            </p:extLst>
+          </p:nvPr>
+        </p:nvSpPr>
+        <p:spPr>
+          <a:xfrm>
+            <a:off x="10898730" y="-8467"/>
+            <a:ext cx="1290094" cy="6866467"/>
+          </a:xfrm>
+          <a:custGeom>
+            <a:avLst/>
+            <a:gdLst/>
+            <a:ahLst/>
+            <a:cxnLst/>
+            <a:rect l="l" t="t" r="r" b="b"/>
+            <a:pathLst>
+              <a:path w="1290094" h="6858000">
+                <a:moveTo>
+                  <a:pt x="1019735" y="0"/>
+                </a:moveTo>
+                <a:lnTo>
+                  <a:pt x="1290094" y="0"/>
+                </a:lnTo>
+                <a:lnTo>
+                  <a:pt x="1290094" y="6858000"/>
+                </a:lnTo>
+                <a:lnTo>
+                  <a:pt x="0" y="6858000"/>
+                </a:lnTo>
+                <a:lnTo>
+                  <a:pt x="1019735" y="0"/>
+                </a:lnTo>
+                <a:close/>
+              </a:path>
+            </a:pathLst>
+          </a:custGeom>
+          <a:solidFill>
+            <a:schemeClr val="accent1">
+              <a:lumMod val="60000"/>
+              <a:lumOff val="40000"/>
+              <a:alpha val="70000"/>
+            </a:schemeClr>
+          </a:solidFill>
+          <a:ln>
+            <a:noFill/>
+          </a:ln>
+          <a:effectLst/>
+        </p:spPr>
+        <p:style>
+          <a:lnRef idx="1">
+            <a:schemeClr val="accent1"/>
+          </a:lnRef>
+          <a:fillRef idx="3">
+            <a:schemeClr val="accent1"/>
+          </a:fillRef>
+          <a:effectRef idx="2">
+            <a:schemeClr val="accent1"/>
+          </a:effectRef>
+          <a:fontRef idx="minor">
+            <a:schemeClr val="lt1"/>
+          </a:fontRef>
+        </p:style>
+        <p:txBody>
+          <a:bodyPr/>
+          <a:lstStyle/>
+          <a:p>
+            <a:endParaRPr lang="de-CH"/>
+          </a:p>
+        </p:txBody>
+      </p:sp>
+      <p:sp>
+        <p:nvSpPr>
+          <p:cNvPr id="1049" name="Rectangle 29">
+            <a:extLst>
+              <a:ext uri="{FF2B5EF4-FFF2-40B4-BE49-F238E27FC236}">
+                <a16:creationId xmlns:a16="http://schemas.microsoft.com/office/drawing/2014/main" id="{92534681-4F90-4D14-B32A-6C2FB37C8760}"/>
+              </a:ext>
+              <a:ext uri="{C183D7F6-B498-43B3-948B-1728B52AA6E4}">
+                <adec:decorative xmlns:adec="http://schemas.microsoft.com/office/drawing/2017/decorative" val="1"/>
+              </a:ext>
+            </a:extLst>
+          </p:cNvPr>
+          <p:cNvSpPr>
+            <a:spLocks noGrp="1" noRot="1" noChangeAspect="1" noMove="1" noResize="1" noEditPoints="1" noAdjustHandles="1" noChangeArrowheads="1" noChangeShapeType="1" noTextEdit="1"/>
+          </p:cNvSpPr>
+          <p:nvPr>
+            <p:extLst>
+              <p:ext uri="{386F3935-93C4-4BCD-93E2-E3B085C9AB24}">
+                <p16:designElem xmlns:p16="http://schemas.microsoft.com/office/powerpoint/2015/main" val="1"/>
+              </p:ext>
+            </p:extLst>
+          </p:nvPr>
+        </p:nvSpPr>
+        <p:spPr>
+          <a:xfrm>
+            <a:off x="10938999" y="-8467"/>
+            <a:ext cx="1249825" cy="6866467"/>
+          </a:xfrm>
+          <a:custGeom>
+            <a:avLst/>
+            <a:gdLst/>
+            <a:ahLst/>
+            <a:cxnLst/>
+            <a:rect l="l" t="t" r="r" b="b"/>
+            <a:pathLst>
+              <a:path w="1249825" h="6858000">
+                <a:moveTo>
+                  <a:pt x="0" y="0"/>
+                </a:moveTo>
+                <a:lnTo>
+                  <a:pt x="1249825" y="0"/>
+                </a:lnTo>
+                <a:lnTo>
+                  <a:pt x="1249825" y="6858000"/>
+                </a:lnTo>
+                <a:lnTo>
+                  <a:pt x="1109382" y="6858000"/>
+                </a:lnTo>
+                <a:lnTo>
+                  <a:pt x="0" y="0"/>
+                </a:lnTo>
+                <a:close/>
+              </a:path>
+            </a:pathLst>
+          </a:custGeom>
+          <a:solidFill>
+            <a:schemeClr val="accent1">
+              <a:alpha val="65000"/>
+            </a:schemeClr>
+          </a:solidFill>
+          <a:ln>
+            <a:noFill/>
+          </a:ln>
+          <a:effectLst/>
+        </p:spPr>
+        <p:style>
+          <a:lnRef idx="1">
+            <a:schemeClr val="accent1"/>
+          </a:lnRef>
+          <a:fillRef idx="3">
+            <a:schemeClr val="accent1"/>
+          </a:fillRef>
+          <a:effectRef idx="2">
+            <a:schemeClr val="accent1"/>
+          </a:effectRef>
+          <a:fontRef idx="minor">
+            <a:schemeClr val="lt1"/>
+          </a:fontRef>
+        </p:style>
+        <p:txBody>
+          <a:bodyPr/>
+          <a:lstStyle/>
+          <a:p>
+            <a:endParaRPr lang="de-CH"/>
+          </a:p>
+        </p:txBody>
+      </p:sp>
+      <p:sp>
+        <p:nvSpPr>
+          <p:cNvPr id="1051" name="Isosceles Triangle 1050">
+            <a:extLst>
+              <a:ext uri="{FF2B5EF4-FFF2-40B4-BE49-F238E27FC236}">
+                <a16:creationId xmlns:a16="http://schemas.microsoft.com/office/drawing/2014/main" id="{7F846794-611C-4DF8-A443-7C27A11C2912}"/>
+              </a:ext>
+              <a:ext uri="{C183D7F6-B498-43B3-948B-1728B52AA6E4}">
+                <adec:decorative xmlns:adec="http://schemas.microsoft.com/office/drawing/2017/decorative" val="1"/>
+              </a:ext>
+            </a:extLst>
+          </p:cNvPr>
+          <p:cNvSpPr>
+            <a:spLocks noGrp="1" noRot="1" noChangeAspect="1" noMove="1" noResize="1" noEditPoints="1" noAdjustHandles="1" noChangeArrowheads="1" noChangeShapeType="1" noTextEdit="1"/>
+          </p:cNvSpPr>
+          <p:nvPr>
+            <p:extLst>
+              <p:ext uri="{386F3935-93C4-4BCD-93E2-E3B085C9AB24}">
+                <p16:designElem xmlns:p16="http://schemas.microsoft.com/office/powerpoint/2015/main" val="1"/>
+              </p:ext>
+            </p:extLst>
+          </p:nvPr>
+        </p:nvSpPr>
+        <p:spPr>
+          <a:xfrm>
+            <a:off x="10371666" y="3589867"/>
+            <a:ext cx="1817159" cy="3268133"/>
+          </a:xfrm>
+          <a:prstGeom prst="triangle">
+            <a:avLst>
+              <a:gd name="adj" fmla="val 100000"/>
+            </a:avLst>
+          </a:prstGeom>
+          <a:solidFill>
+            <a:schemeClr val="accent1">
+              <a:alpha val="80000"/>
+            </a:schemeClr>
+          </a:solidFill>
+          <a:ln>
+            <a:noFill/>
+          </a:ln>
+          <a:effectLst/>
+        </p:spPr>
+        <p:style>
+          <a:lnRef idx="1">
+            <a:schemeClr val="accent1"/>
+          </a:lnRef>
+          <a:fillRef idx="3">
+            <a:schemeClr val="accent1"/>
+          </a:fillRef>
+          <a:effectRef idx="2">
+            <a:schemeClr val="accent1"/>
+          </a:effectRef>
+          <a:fontRef idx="minor">
+            <a:schemeClr val="lt1"/>
+          </a:fontRef>
+        </p:style>
+        <p:txBody>
+          <a:bodyPr/>
+          <a:lstStyle/>
+          <a:p>
+            <a:endParaRPr lang="de-CH"/>
           </a:p>
         </p:txBody>
       </p:sp>
@@ -5832,6 +8844,14 @@
 <file path=ppt/slides/slide2.xml><?xml version="1.0" encoding="utf-8"?>
 <p:sld xmlns:a="http://schemas.openxmlformats.org/drawingml/2006/main" xmlns:r="http://schemas.openxmlformats.org/officeDocument/2006/relationships" xmlns:p="http://schemas.openxmlformats.org/presentationml/2006/main">
   <p:cSld>
+    <p:bg>
+      <p:bgPr>
+        <a:solidFill>
+          <a:schemeClr val="bg1"/>
+        </a:solidFill>
+        <a:effectLst/>
+      </p:bgPr>
+    </p:bg>
     <p:spTree>
       <p:nvGrpSpPr>
         <p:cNvPr id="1" name=""/>
@@ -5862,9 +8882,16 @@
             <p:ph type="title"/>
           </p:nvPr>
         </p:nvSpPr>
-        <p:spPr/>
+        <p:spPr>
+          <a:xfrm>
+            <a:off x="677330" y="609600"/>
+            <a:ext cx="2930518" cy="1320800"/>
+          </a:xfrm>
+        </p:spPr>
         <p:txBody>
-          <a:bodyPr/>
+          <a:bodyPr anchor="ctr">
+            <a:normAutofit/>
+          </a:bodyPr>
           <a:lstStyle/>
           <a:p>
             <a:r>
@@ -5890,15 +8917,166 @@
             <p:ph idx="1"/>
           </p:nvPr>
         </p:nvSpPr>
-        <p:spPr/>
+        <p:spPr>
+          <a:xfrm>
+            <a:off x="677330" y="2160589"/>
+            <a:ext cx="2930517" cy="3880773"/>
+          </a:xfrm>
+        </p:spPr>
         <p:txBody>
-          <a:bodyPr/>
+          <a:bodyPr>
+            <a:normAutofit/>
+          </a:bodyPr>
           <a:lstStyle/>
           <a:p>
-            <a:endParaRPr lang="de-CH"/>
+            <a:r>
+              <a:rPr lang="de-CH" dirty="0"/>
+              <a:t>Universum Seite</a:t>
+            </a:r>
+          </a:p>
+          <a:p>
+            <a:r>
+              <a:rPr lang="de-CH" dirty="0"/>
+              <a:t>APIs</a:t>
+            </a:r>
+          </a:p>
+          <a:p>
+            <a:r>
+              <a:rPr lang="de-CH" dirty="0"/>
+              <a:t>Html &amp; CSS</a:t>
+            </a:r>
+          </a:p>
+          <a:p>
+            <a:r>
+              <a:rPr lang="de-CH" dirty="0"/>
+              <a:t>Sterne</a:t>
+            </a:r>
+          </a:p>
+          <a:p>
+            <a:r>
+              <a:rPr lang="de-CH" dirty="0"/>
+              <a:t>Planeten</a:t>
+            </a:r>
+          </a:p>
+          <a:p>
+            <a:r>
+              <a:rPr lang="de-CH" dirty="0"/>
+              <a:t>Satelliten</a:t>
+            </a:r>
+          </a:p>
+          <a:p>
+            <a:endParaRPr lang="de-CH" dirty="0"/>
           </a:p>
         </p:txBody>
       </p:sp>
+      <p:pic>
+        <p:nvPicPr>
+          <p:cNvPr id="10" name="Graphic 9" descr="Stars outline">
+            <a:extLst>
+              <a:ext uri="{FF2B5EF4-FFF2-40B4-BE49-F238E27FC236}">
+                <a16:creationId xmlns:a16="http://schemas.microsoft.com/office/drawing/2014/main" id="{48B5B012-DF70-AA0D-D802-0BB8252E85C0}"/>
+              </a:ext>
+            </a:extLst>
+          </p:cNvPr>
+          <p:cNvPicPr>
+            <a:picLocks noChangeAspect="1"/>
+          </p:cNvPicPr>
+          <p:nvPr/>
+        </p:nvPicPr>
+        <p:blipFill>
+          <a:blip r:embed="rId2">
+            <a:extLst>
+              <a:ext uri="{96DAC541-7B7A-43D3-8B79-37D633B846F1}">
+                <asvg:svgBlip xmlns:asvg="http://schemas.microsoft.com/office/drawing/2016/SVG/main" r:embed="rId3"/>
+              </a:ext>
+            </a:extLst>
+          </a:blip>
+          <a:stretch>
+            <a:fillRect/>
+          </a:stretch>
+        </p:blipFill>
+        <p:spPr>
+          <a:xfrm>
+            <a:off x="4113484" y="609600"/>
+            <a:ext cx="2075000" cy="2075000"/>
+          </a:xfrm>
+          <a:prstGeom prst="rect">
+            <a:avLst/>
+          </a:prstGeom>
+        </p:spPr>
+      </p:pic>
+      <p:pic>
+        <p:nvPicPr>
+          <p:cNvPr id="6" name="Graphic 5" descr="Earth globe: Africa and Europe with solid fill">
+            <a:extLst>
+              <a:ext uri="{FF2B5EF4-FFF2-40B4-BE49-F238E27FC236}">
+                <a16:creationId xmlns:a16="http://schemas.microsoft.com/office/drawing/2014/main" id="{F617857B-8F35-E2AD-5E90-1FDE379D5D63}"/>
+              </a:ext>
+            </a:extLst>
+          </p:cNvPr>
+          <p:cNvPicPr>
+            <a:picLocks noChangeAspect="1"/>
+          </p:cNvPicPr>
+          <p:nvPr/>
+        </p:nvPicPr>
+        <p:blipFill>
+          <a:blip r:embed="rId4">
+            <a:extLst>
+              <a:ext uri="{96DAC541-7B7A-43D3-8B79-37D633B846F1}">
+                <asvg:svgBlip xmlns:asvg="http://schemas.microsoft.com/office/drawing/2016/SVG/main" r:embed="rId5"/>
+              </a:ext>
+            </a:extLst>
+          </a:blip>
+          <a:stretch>
+            <a:fillRect/>
+          </a:stretch>
+        </p:blipFill>
+        <p:spPr>
+          <a:xfrm>
+            <a:off x="6938359" y="609600"/>
+            <a:ext cx="2074999" cy="2074999"/>
+          </a:xfrm>
+          <a:prstGeom prst="rect">
+            <a:avLst/>
+          </a:prstGeom>
+        </p:spPr>
+      </p:pic>
+      <p:pic>
+        <p:nvPicPr>
+          <p:cNvPr id="13" name="Graphic 12" descr="Satellite with solid fill">
+            <a:extLst>
+              <a:ext uri="{FF2B5EF4-FFF2-40B4-BE49-F238E27FC236}">
+                <a16:creationId xmlns:a16="http://schemas.microsoft.com/office/drawing/2014/main" id="{9F57E5C5-1F82-19DF-16BB-49B4B0BAC7B3}"/>
+              </a:ext>
+            </a:extLst>
+          </p:cNvPr>
+          <p:cNvPicPr>
+            <a:picLocks noChangeAspect="1"/>
+          </p:cNvPicPr>
+          <p:nvPr/>
+        </p:nvPicPr>
+        <p:blipFill>
+          <a:blip r:embed="rId6">
+            <a:extLst>
+              <a:ext uri="{96DAC541-7B7A-43D3-8B79-37D633B846F1}">
+                <asvg:svgBlip xmlns:asvg="http://schemas.microsoft.com/office/drawing/2016/SVG/main" r:embed="rId7"/>
+              </a:ext>
+            </a:extLst>
+          </a:blip>
+          <a:stretch>
+            <a:fillRect/>
+          </a:stretch>
+        </p:blipFill>
+        <p:spPr>
+          <a:xfrm>
+            <a:off x="4998018" y="2910558"/>
+            <a:ext cx="3130803" cy="3130803"/>
+          </a:xfrm>
+          <a:prstGeom prst="rect">
+            <a:avLst/>
+          </a:prstGeom>
+        </p:spPr>
+      </p:pic>
     </p:spTree>
     <p:extLst>
       <p:ext uri="{BB962C8B-B14F-4D97-AF65-F5344CB8AC3E}">
@@ -5915,6 +9093,14 @@
 <file path=ppt/slides/slide3.xml><?xml version="1.0" encoding="utf-8"?>
 <p:sld xmlns:a="http://schemas.openxmlformats.org/drawingml/2006/main" xmlns:r="http://schemas.openxmlformats.org/officeDocument/2006/relationships" xmlns:p="http://schemas.openxmlformats.org/presentationml/2006/main">
   <p:cSld>
+    <p:bg>
+      <p:bgPr>
+        <a:solidFill>
+          <a:schemeClr val="bg1"/>
+        </a:solidFill>
+        <a:effectLst/>
+      </p:bgPr>
+    </p:bg>
     <p:spTree>
       <p:nvGrpSpPr>
         <p:cNvPr id="1" name=""/>
@@ -5929,6 +9115,93 @@
           <a:chExt cx="0" cy="0"/>
         </a:xfrm>
       </p:grpSpPr>
+      <p:pic>
+        <p:nvPicPr>
+          <p:cNvPr id="113" name="Picture 112" descr="Sphäre aus Gitter und Knoten">
+            <a:extLst>
+              <a:ext uri="{FF2B5EF4-FFF2-40B4-BE49-F238E27FC236}">
+                <a16:creationId xmlns:a16="http://schemas.microsoft.com/office/drawing/2014/main" id="{8AB1C16E-A2DF-A03B-74B1-58E8406076D1}"/>
+              </a:ext>
+            </a:extLst>
+          </p:cNvPr>
+          <p:cNvPicPr>
+            <a:picLocks noChangeAspect="1"/>
+          </p:cNvPicPr>
+          <p:nvPr/>
+        </p:nvPicPr>
+        <p:blipFill rotWithShape="1">
+          <a:blip r:embed="rId2"/>
+          <a:srcRect l="13362"/>
+          <a:stretch/>
+        </p:blipFill>
+        <p:spPr>
+          <a:xfrm>
+            <a:off x="4269854" y="-1"/>
+            <a:ext cx="7922146" cy="6858001"/>
+          </a:xfrm>
+          <a:custGeom>
+            <a:avLst/>
+            <a:gdLst/>
+            <a:ahLst/>
+            <a:cxnLst/>
+            <a:rect l="l" t="t" r="r" b="b"/>
+            <a:pathLst>
+              <a:path w="7922146" h="6858001">
+                <a:moveTo>
+                  <a:pt x="379987" y="0"/>
+                </a:moveTo>
+                <a:lnTo>
+                  <a:pt x="5304971" y="0"/>
+                </a:lnTo>
+                <a:lnTo>
+                  <a:pt x="7065281" y="0"/>
+                </a:lnTo>
+                <a:lnTo>
+                  <a:pt x="7397540" y="0"/>
+                </a:lnTo>
+                <a:lnTo>
+                  <a:pt x="7397540" y="1"/>
+                </a:lnTo>
+                <a:lnTo>
+                  <a:pt x="7922146" y="1"/>
+                </a:lnTo>
+                <a:lnTo>
+                  <a:pt x="7922146" y="6858001"/>
+                </a:lnTo>
+                <a:lnTo>
+                  <a:pt x="7065281" y="6858001"/>
+                </a:lnTo>
+                <a:lnTo>
+                  <a:pt x="7065281" y="6858000"/>
+                </a:lnTo>
+                <a:lnTo>
+                  <a:pt x="5932989" y="6858000"/>
+                </a:lnTo>
+                <a:lnTo>
+                  <a:pt x="5932989" y="6858001"/>
+                </a:lnTo>
+                <a:lnTo>
+                  <a:pt x="27809" y="6858001"/>
+                </a:lnTo>
+                <a:lnTo>
+                  <a:pt x="1803228" y="4521201"/>
+                </a:lnTo>
+                <a:close/>
+                <a:moveTo>
+                  <a:pt x="0" y="0"/>
+                </a:moveTo>
+                <a:lnTo>
+                  <a:pt x="379987" y="0"/>
+                </a:lnTo>
+                <a:lnTo>
+                  <a:pt x="0" y="407"/>
+                </a:lnTo>
+                <a:close/>
+              </a:path>
+            </a:pathLst>
+          </a:custGeom>
+        </p:spPr>
+      </p:pic>
       <p:sp>
         <p:nvSpPr>
           <p:cNvPr id="2" name="Title 1">
@@ -5945,9 +9218,16 @@
             <p:ph type="title"/>
           </p:nvPr>
         </p:nvSpPr>
-        <p:spPr/>
+        <p:spPr>
+          <a:xfrm>
+            <a:off x="677333" y="609600"/>
+            <a:ext cx="2408767" cy="933450"/>
+          </a:xfrm>
+        </p:spPr>
         <p:txBody>
-          <a:bodyPr/>
+          <a:bodyPr>
+            <a:normAutofit/>
+          </a:bodyPr>
           <a:lstStyle/>
           <a:p>
             <a:r>
@@ -5973,7 +9253,826 @@
             <p:ph idx="1"/>
           </p:nvPr>
         </p:nvSpPr>
-        <p:spPr/>
+        <p:spPr>
+          <a:xfrm>
+            <a:off x="677334" y="2160589"/>
+            <a:ext cx="3851122" cy="3880773"/>
+          </a:xfrm>
+        </p:spPr>
+        <p:txBody>
+          <a:bodyPr>
+            <a:normAutofit lnSpcReduction="10000"/>
+          </a:bodyPr>
+          <a:lstStyle/>
+          <a:p>
+            <a:pPr>
+              <a:lnSpc>
+                <a:spcPct val="90000"/>
+              </a:lnSpc>
+            </a:pPr>
+            <a:r>
+              <a:rPr lang="de-CH" sz="1400"/>
+              <a:t>Meilenstein 1</a:t>
+            </a:r>
+          </a:p>
+          <a:p>
+            <a:pPr lvl="1">
+              <a:lnSpc>
+                <a:spcPct val="90000"/>
+              </a:lnSpc>
+            </a:pPr>
+            <a:r>
+              <a:rPr lang="de-CH" sz="1400"/>
+              <a:t>Grundlagen Webseite</a:t>
+            </a:r>
+          </a:p>
+          <a:p>
+            <a:pPr lvl="1">
+              <a:lnSpc>
+                <a:spcPct val="90000"/>
+              </a:lnSpc>
+            </a:pPr>
+            <a:r>
+              <a:rPr lang="de-CH" sz="1400"/>
+              <a:t>Design anfangen</a:t>
+            </a:r>
+          </a:p>
+          <a:p>
+            <a:pPr lvl="1">
+              <a:lnSpc>
+                <a:spcPct val="90000"/>
+              </a:lnSpc>
+            </a:pPr>
+            <a:r>
+              <a:rPr lang="de-CH" sz="1400"/>
+              <a:t>Bilder</a:t>
+            </a:r>
+          </a:p>
+          <a:p>
+            <a:pPr>
+              <a:lnSpc>
+                <a:spcPct val="90000"/>
+              </a:lnSpc>
+            </a:pPr>
+            <a:r>
+              <a:rPr lang="de-CH" sz="1400"/>
+              <a:t>Meilenstein 2</a:t>
+            </a:r>
+          </a:p>
+          <a:p>
+            <a:pPr lvl="1">
+              <a:lnSpc>
+                <a:spcPct val="90000"/>
+              </a:lnSpc>
+            </a:pPr>
+            <a:r>
+              <a:rPr lang="de-CH" sz="1400"/>
+              <a:t>Planeten hinzufügen</a:t>
+            </a:r>
+          </a:p>
+          <a:p>
+            <a:pPr lvl="1">
+              <a:lnSpc>
+                <a:spcPct val="90000"/>
+              </a:lnSpc>
+            </a:pPr>
+            <a:r>
+              <a:rPr lang="de-CH" sz="1400"/>
+              <a:t>Planeten-API</a:t>
+            </a:r>
+          </a:p>
+          <a:p>
+            <a:pPr lvl="1">
+              <a:lnSpc>
+                <a:spcPct val="90000"/>
+              </a:lnSpc>
+            </a:pPr>
+            <a:r>
+              <a:rPr lang="de-CH" sz="1400"/>
+              <a:t>Sterne hinzufügen</a:t>
+            </a:r>
+          </a:p>
+          <a:p>
+            <a:pPr lvl="1">
+              <a:lnSpc>
+                <a:spcPct val="90000"/>
+              </a:lnSpc>
+            </a:pPr>
+            <a:r>
+              <a:rPr lang="de-CH" sz="1400"/>
+              <a:t>Sternen-API</a:t>
+            </a:r>
+          </a:p>
+          <a:p>
+            <a:pPr>
+              <a:lnSpc>
+                <a:spcPct val="90000"/>
+              </a:lnSpc>
+            </a:pPr>
+            <a:r>
+              <a:rPr lang="de-CH" sz="1400"/>
+              <a:t>Meilenstein 3</a:t>
+            </a:r>
+          </a:p>
+          <a:p>
+            <a:pPr lvl="1">
+              <a:lnSpc>
+                <a:spcPct val="90000"/>
+              </a:lnSpc>
+            </a:pPr>
+            <a:r>
+              <a:rPr lang="de-CH" sz="1400"/>
+              <a:t>Satelliten hinzufügen</a:t>
+            </a:r>
+          </a:p>
+          <a:p>
+            <a:pPr lvl="1">
+              <a:lnSpc>
+                <a:spcPct val="90000"/>
+              </a:lnSpc>
+            </a:pPr>
+            <a:r>
+              <a:rPr lang="de-CH" sz="1400"/>
+              <a:t>ISS-API</a:t>
+            </a:r>
+          </a:p>
+          <a:p>
+            <a:pPr lvl="1">
+              <a:lnSpc>
+                <a:spcPct val="90000"/>
+              </a:lnSpc>
+            </a:pPr>
+            <a:r>
+              <a:rPr lang="de-CH" sz="1400"/>
+              <a:t>Fehler und Bugs lösen</a:t>
+            </a:r>
+          </a:p>
+        </p:txBody>
+      </p:sp>
+      <p:cxnSp>
+        <p:nvCxnSpPr>
+          <p:cNvPr id="114" name="Straight Connector 113">
+            <a:extLst>
+              <a:ext uri="{FF2B5EF4-FFF2-40B4-BE49-F238E27FC236}">
+                <a16:creationId xmlns:a16="http://schemas.microsoft.com/office/drawing/2014/main" id="{64FA5DFF-7FE6-4855-84E6-DFA78EE978BD}"/>
+              </a:ext>
+              <a:ext uri="{C183D7F6-B498-43B3-948B-1728B52AA6E4}">
+                <adec:decorative xmlns:adec="http://schemas.microsoft.com/office/drawing/2017/decorative" val="1"/>
+              </a:ext>
+            </a:extLst>
+          </p:cNvPr>
+          <p:cNvCxnSpPr>
+            <a:cxnSpLocks noGrp="1" noRot="1" noChangeAspect="1" noMove="1" noResize="1" noEditPoints="1" noAdjustHandles="1" noChangeArrowheads="1" noChangeShapeType="1"/>
+          </p:cNvCxnSpPr>
+          <p:nvPr>
+            <p:extLst>
+              <p:ext uri="{386F3935-93C4-4BCD-93E2-E3B085C9AB24}">
+                <p16:designElem xmlns:p16="http://schemas.microsoft.com/office/powerpoint/2015/main" val="1"/>
+              </p:ext>
+            </p:extLst>
+          </p:nvPr>
+        </p:nvCxnSpPr>
+        <p:spPr>
+          <a:xfrm>
+            <a:off x="9371012" y="0"/>
+            <a:ext cx="1219200" cy="6858000"/>
+          </a:xfrm>
+          <a:prstGeom prst="line">
+            <a:avLst/>
+          </a:prstGeom>
+          <a:ln w="9525">
+            <a:solidFill>
+              <a:srgbClr val="404040"/>
+            </a:solidFill>
+          </a:ln>
+        </p:spPr>
+        <p:style>
+          <a:lnRef idx="2">
+            <a:schemeClr val="accent1"/>
+          </a:lnRef>
+          <a:fillRef idx="0">
+            <a:schemeClr val="accent1"/>
+          </a:fillRef>
+          <a:effectRef idx="1">
+            <a:schemeClr val="accent1"/>
+          </a:effectRef>
+          <a:fontRef idx="minor">
+            <a:schemeClr val="tx1"/>
+          </a:fontRef>
+        </p:style>
+      </p:cxnSp>
+      <p:cxnSp>
+        <p:nvCxnSpPr>
+          <p:cNvPr id="115" name="Straight Connector 114">
+            <a:extLst>
+              <a:ext uri="{FF2B5EF4-FFF2-40B4-BE49-F238E27FC236}">
+                <a16:creationId xmlns:a16="http://schemas.microsoft.com/office/drawing/2014/main" id="{2AFD8CBA-54A3-4363-991B-B9C631BBFA74}"/>
+              </a:ext>
+              <a:ext uri="{C183D7F6-B498-43B3-948B-1728B52AA6E4}">
+                <adec:decorative xmlns:adec="http://schemas.microsoft.com/office/drawing/2017/decorative" val="1"/>
+              </a:ext>
+            </a:extLst>
+          </p:cNvPr>
+          <p:cNvCxnSpPr>
+            <a:cxnSpLocks noGrp="1" noRot="1" noChangeAspect="1" noMove="1" noResize="1" noEditPoints="1" noAdjustHandles="1" noChangeArrowheads="1" noChangeShapeType="1"/>
+          </p:cNvCxnSpPr>
+          <p:nvPr>
+            <p:extLst>
+              <p:ext uri="{386F3935-93C4-4BCD-93E2-E3B085C9AB24}">
+                <p16:designElem xmlns:p16="http://schemas.microsoft.com/office/powerpoint/2015/main" val="1"/>
+              </p:ext>
+            </p:extLst>
+          </p:nvPr>
+        </p:nvCxnSpPr>
+        <p:spPr>
+          <a:xfrm flipH="1">
+            <a:off x="7425267" y="3681413"/>
+            <a:ext cx="4763558" cy="3176587"/>
+          </a:xfrm>
+          <a:prstGeom prst="line">
+            <a:avLst/>
+          </a:prstGeom>
+          <a:ln w="9525">
+            <a:solidFill>
+              <a:srgbClr val="404040"/>
+            </a:solidFill>
+          </a:ln>
+        </p:spPr>
+        <p:style>
+          <a:lnRef idx="2">
+            <a:schemeClr val="accent1"/>
+          </a:lnRef>
+          <a:fillRef idx="0">
+            <a:schemeClr val="accent1"/>
+          </a:fillRef>
+          <a:effectRef idx="1">
+            <a:schemeClr val="accent1"/>
+          </a:effectRef>
+          <a:fontRef idx="minor">
+            <a:schemeClr val="tx1"/>
+          </a:fontRef>
+        </p:style>
+      </p:cxnSp>
+      <p:sp>
+        <p:nvSpPr>
+          <p:cNvPr id="116" name="Rectangle 23">
+            <a:extLst>
+              <a:ext uri="{FF2B5EF4-FFF2-40B4-BE49-F238E27FC236}">
+                <a16:creationId xmlns:a16="http://schemas.microsoft.com/office/drawing/2014/main" id="{3F088236-D655-4F88-B238-E16762358025}"/>
+              </a:ext>
+              <a:ext uri="{C183D7F6-B498-43B3-948B-1728B52AA6E4}">
+                <adec:decorative xmlns:adec="http://schemas.microsoft.com/office/drawing/2017/decorative" val="1"/>
+              </a:ext>
+            </a:extLst>
+          </p:cNvPr>
+          <p:cNvSpPr>
+            <a:spLocks noGrp="1" noRot="1" noChangeAspect="1" noMove="1" noResize="1" noEditPoints="1" noAdjustHandles="1" noChangeArrowheads="1" noChangeShapeType="1" noTextEdit="1"/>
+          </p:cNvSpPr>
+          <p:nvPr>
+            <p:extLst>
+              <p:ext uri="{386F3935-93C4-4BCD-93E2-E3B085C9AB24}">
+                <p16:designElem xmlns:p16="http://schemas.microsoft.com/office/powerpoint/2015/main" val="1"/>
+              </p:ext>
+            </p:extLst>
+          </p:nvPr>
+        </p:nvSpPr>
+        <p:spPr>
+          <a:xfrm>
+            <a:off x="9181476" y="-8467"/>
+            <a:ext cx="3007349" cy="6866467"/>
+          </a:xfrm>
+          <a:custGeom>
+            <a:avLst/>
+            <a:gdLst/>
+            <a:ahLst/>
+            <a:cxnLst/>
+            <a:rect l="l" t="t" r="r" b="b"/>
+            <a:pathLst>
+              <a:path w="3007349" h="6866467">
+                <a:moveTo>
+                  <a:pt x="2045532" y="0"/>
+                </a:moveTo>
+                <a:lnTo>
+                  <a:pt x="3007349" y="0"/>
+                </a:lnTo>
+                <a:lnTo>
+                  <a:pt x="3007349" y="6866467"/>
+                </a:lnTo>
+                <a:lnTo>
+                  <a:pt x="0" y="6866467"/>
+                </a:lnTo>
+                <a:lnTo>
+                  <a:pt x="2045532" y="0"/>
+                </a:lnTo>
+                <a:close/>
+              </a:path>
+            </a:pathLst>
+          </a:custGeom>
+          <a:solidFill>
+            <a:schemeClr val="accent1">
+              <a:alpha val="30000"/>
+            </a:schemeClr>
+          </a:solidFill>
+          <a:ln>
+            <a:noFill/>
+          </a:ln>
+          <a:effectLst/>
+        </p:spPr>
+        <p:style>
+          <a:lnRef idx="1">
+            <a:schemeClr val="accent1"/>
+          </a:lnRef>
+          <a:fillRef idx="3">
+            <a:schemeClr val="accent1"/>
+          </a:fillRef>
+          <a:effectRef idx="2">
+            <a:schemeClr val="accent1"/>
+          </a:effectRef>
+          <a:fontRef idx="minor">
+            <a:schemeClr val="lt1"/>
+          </a:fontRef>
+        </p:style>
+        <p:txBody>
+          <a:bodyPr/>
+          <a:lstStyle/>
+          <a:p>
+            <a:endParaRPr lang="de-CH"/>
+          </a:p>
+        </p:txBody>
+      </p:sp>
+      <p:sp>
+        <p:nvSpPr>
+          <p:cNvPr id="118" name="Rectangle 25">
+            <a:extLst>
+              <a:ext uri="{FF2B5EF4-FFF2-40B4-BE49-F238E27FC236}">
+                <a16:creationId xmlns:a16="http://schemas.microsoft.com/office/drawing/2014/main" id="{3DAC0C92-199E-475C-9390-119A9B027276}"/>
+              </a:ext>
+              <a:ext uri="{C183D7F6-B498-43B3-948B-1728B52AA6E4}">
+                <adec:decorative xmlns:adec="http://schemas.microsoft.com/office/drawing/2017/decorative" val="1"/>
+              </a:ext>
+            </a:extLst>
+          </p:cNvPr>
+          <p:cNvSpPr>
+            <a:spLocks noGrp="1" noRot="1" noChangeAspect="1" noMove="1" noResize="1" noEditPoints="1" noAdjustHandles="1" noChangeArrowheads="1" noChangeShapeType="1" noTextEdit="1"/>
+          </p:cNvSpPr>
+          <p:nvPr>
+            <p:extLst>
+              <p:ext uri="{386F3935-93C4-4BCD-93E2-E3B085C9AB24}">
+                <p16:designElem xmlns:p16="http://schemas.microsoft.com/office/powerpoint/2015/main" val="1"/>
+              </p:ext>
+            </p:extLst>
+          </p:nvPr>
+        </p:nvSpPr>
+        <p:spPr>
+          <a:xfrm>
+            <a:off x="9603442" y="-8467"/>
+            <a:ext cx="2588558" cy="6866467"/>
+          </a:xfrm>
+          <a:custGeom>
+            <a:avLst/>
+            <a:gdLst/>
+            <a:ahLst/>
+            <a:cxnLst/>
+            <a:rect l="l" t="t" r="r" b="b"/>
+            <a:pathLst>
+              <a:path w="2573311" h="6866467">
+                <a:moveTo>
+                  <a:pt x="0" y="0"/>
+                </a:moveTo>
+                <a:lnTo>
+                  <a:pt x="2573311" y="0"/>
+                </a:lnTo>
+                <a:lnTo>
+                  <a:pt x="2573311" y="6866467"/>
+                </a:lnTo>
+                <a:lnTo>
+                  <a:pt x="1202336" y="6866467"/>
+                </a:lnTo>
+                <a:lnTo>
+                  <a:pt x="0" y="0"/>
+                </a:lnTo>
+                <a:close/>
+              </a:path>
+            </a:pathLst>
+          </a:custGeom>
+          <a:solidFill>
+            <a:schemeClr val="accent1">
+              <a:alpha val="20000"/>
+            </a:schemeClr>
+          </a:solidFill>
+          <a:ln>
+            <a:noFill/>
+          </a:ln>
+          <a:effectLst/>
+        </p:spPr>
+        <p:style>
+          <a:lnRef idx="1">
+            <a:schemeClr val="accent1"/>
+          </a:lnRef>
+          <a:fillRef idx="3">
+            <a:schemeClr val="accent1"/>
+          </a:fillRef>
+          <a:effectRef idx="2">
+            <a:schemeClr val="accent1"/>
+          </a:effectRef>
+          <a:fontRef idx="minor">
+            <a:schemeClr val="lt1"/>
+          </a:fontRef>
+        </p:style>
+        <p:txBody>
+          <a:bodyPr/>
+          <a:lstStyle/>
+          <a:p>
+            <a:endParaRPr lang="de-CH"/>
+          </a:p>
+        </p:txBody>
+      </p:sp>
+      <p:sp>
+        <p:nvSpPr>
+          <p:cNvPr id="120" name="Isosceles Triangle 24">
+            <a:extLst>
+              <a:ext uri="{FF2B5EF4-FFF2-40B4-BE49-F238E27FC236}">
+                <a16:creationId xmlns:a16="http://schemas.microsoft.com/office/drawing/2014/main" id="{C4CFB339-0ED8-4FE2-9EF1-6D1375B8499B}"/>
+              </a:ext>
+              <a:ext uri="{C183D7F6-B498-43B3-948B-1728B52AA6E4}">
+                <adec:decorative xmlns:adec="http://schemas.microsoft.com/office/drawing/2017/decorative" val="1"/>
+              </a:ext>
+            </a:extLst>
+          </p:cNvPr>
+          <p:cNvSpPr>
+            <a:spLocks noGrp="1" noRot="1" noChangeAspect="1" noMove="1" noResize="1" noEditPoints="1" noAdjustHandles="1" noChangeArrowheads="1" noChangeShapeType="1" noTextEdit="1"/>
+          </p:cNvSpPr>
+          <p:nvPr>
+            <p:extLst>
+              <p:ext uri="{386F3935-93C4-4BCD-93E2-E3B085C9AB24}">
+                <p16:designElem xmlns:p16="http://schemas.microsoft.com/office/powerpoint/2015/main" val="1"/>
+              </p:ext>
+            </p:extLst>
+          </p:nvPr>
+        </p:nvSpPr>
+        <p:spPr>
+          <a:xfrm>
+            <a:off x="8932333" y="3048000"/>
+            <a:ext cx="3259667" cy="3810000"/>
+          </a:xfrm>
+          <a:prstGeom prst="triangle">
+            <a:avLst>
+              <a:gd name="adj" fmla="val 100000"/>
+            </a:avLst>
+          </a:prstGeom>
+          <a:solidFill>
+            <a:schemeClr val="accent2">
+              <a:alpha val="72000"/>
+            </a:schemeClr>
+          </a:solidFill>
+          <a:ln>
+            <a:noFill/>
+          </a:ln>
+          <a:effectLst/>
+        </p:spPr>
+        <p:style>
+          <a:lnRef idx="1">
+            <a:schemeClr val="accent1"/>
+          </a:lnRef>
+          <a:fillRef idx="3">
+            <a:schemeClr val="accent1"/>
+          </a:fillRef>
+          <a:effectRef idx="2">
+            <a:schemeClr val="accent1"/>
+          </a:effectRef>
+          <a:fontRef idx="minor">
+            <a:schemeClr val="lt1"/>
+          </a:fontRef>
+        </p:style>
+        <p:txBody>
+          <a:bodyPr/>
+          <a:lstStyle/>
+          <a:p>
+            <a:endParaRPr lang="de-CH"/>
+          </a:p>
+        </p:txBody>
+      </p:sp>
+      <p:sp>
+        <p:nvSpPr>
+          <p:cNvPr id="122" name="Rectangle 27">
+            <a:extLst>
+              <a:ext uri="{FF2B5EF4-FFF2-40B4-BE49-F238E27FC236}">
+                <a16:creationId xmlns:a16="http://schemas.microsoft.com/office/drawing/2014/main" id="{31896C80-2069-4431-9C19-83B913734490}"/>
+              </a:ext>
+              <a:ext uri="{C183D7F6-B498-43B3-948B-1728B52AA6E4}">
+                <adec:decorative xmlns:adec="http://schemas.microsoft.com/office/drawing/2017/decorative" val="1"/>
+              </a:ext>
+            </a:extLst>
+          </p:cNvPr>
+          <p:cNvSpPr>
+            <a:spLocks noGrp="1" noRot="1" noChangeAspect="1" noMove="1" noResize="1" noEditPoints="1" noAdjustHandles="1" noChangeArrowheads="1" noChangeShapeType="1" noTextEdit="1"/>
+          </p:cNvSpPr>
+          <p:nvPr>
+            <p:extLst>
+              <p:ext uri="{386F3935-93C4-4BCD-93E2-E3B085C9AB24}">
+                <p16:designElem xmlns:p16="http://schemas.microsoft.com/office/powerpoint/2015/main" val="1"/>
+              </p:ext>
+            </p:extLst>
+          </p:nvPr>
+        </p:nvSpPr>
+        <p:spPr>
+          <a:xfrm>
+            <a:off x="9334500" y="-8467"/>
+            <a:ext cx="2854326" cy="6866467"/>
+          </a:xfrm>
+          <a:custGeom>
+            <a:avLst/>
+            <a:gdLst/>
+            <a:ahLst/>
+            <a:cxnLst/>
+            <a:rect l="l" t="t" r="r" b="b"/>
+            <a:pathLst>
+              <a:path w="2858013" h="6866467">
+                <a:moveTo>
+                  <a:pt x="0" y="0"/>
+                </a:moveTo>
+                <a:lnTo>
+                  <a:pt x="2858013" y="0"/>
+                </a:lnTo>
+                <a:lnTo>
+                  <a:pt x="2858013" y="6866467"/>
+                </a:lnTo>
+                <a:lnTo>
+                  <a:pt x="2473942" y="6866467"/>
+                </a:lnTo>
+                <a:lnTo>
+                  <a:pt x="0" y="0"/>
+                </a:lnTo>
+                <a:close/>
+              </a:path>
+            </a:pathLst>
+          </a:custGeom>
+          <a:solidFill>
+            <a:schemeClr val="accent2">
+              <a:lumMod val="75000"/>
+              <a:alpha val="47000"/>
+            </a:schemeClr>
+          </a:solidFill>
+          <a:ln>
+            <a:noFill/>
+          </a:ln>
+          <a:effectLst/>
+        </p:spPr>
+        <p:style>
+          <a:lnRef idx="1">
+            <a:schemeClr val="accent1"/>
+          </a:lnRef>
+          <a:fillRef idx="3">
+            <a:schemeClr val="accent1"/>
+          </a:fillRef>
+          <a:effectRef idx="2">
+            <a:schemeClr val="accent1"/>
+          </a:effectRef>
+          <a:fontRef idx="minor">
+            <a:schemeClr val="lt1"/>
+          </a:fontRef>
+        </p:style>
+        <p:txBody>
+          <a:bodyPr/>
+          <a:lstStyle/>
+          <a:p>
+            <a:endParaRPr lang="de-CH"/>
+          </a:p>
+        </p:txBody>
+      </p:sp>
+      <p:sp>
+        <p:nvSpPr>
+          <p:cNvPr id="124" name="Rectangle 28">
+            <a:extLst>
+              <a:ext uri="{FF2B5EF4-FFF2-40B4-BE49-F238E27FC236}">
+                <a16:creationId xmlns:a16="http://schemas.microsoft.com/office/drawing/2014/main" id="{BF120A21-0841-4823-B0C4-28AEBCEF9B78}"/>
+              </a:ext>
+              <a:ext uri="{C183D7F6-B498-43B3-948B-1728B52AA6E4}">
+                <adec:decorative xmlns:adec="http://schemas.microsoft.com/office/drawing/2017/decorative" val="1"/>
+              </a:ext>
+            </a:extLst>
+          </p:cNvPr>
+          <p:cNvSpPr>
+            <a:spLocks noGrp="1" noRot="1" noChangeAspect="1" noMove="1" noResize="1" noEditPoints="1" noAdjustHandles="1" noChangeArrowheads="1" noChangeShapeType="1" noTextEdit="1"/>
+          </p:cNvSpPr>
+          <p:nvPr>
+            <p:extLst>
+              <p:ext uri="{386F3935-93C4-4BCD-93E2-E3B085C9AB24}">
+                <p16:designElem xmlns:p16="http://schemas.microsoft.com/office/powerpoint/2015/main" val="1"/>
+              </p:ext>
+            </p:extLst>
+          </p:nvPr>
+        </p:nvSpPr>
+        <p:spPr>
+          <a:xfrm>
+            <a:off x="10898730" y="-8467"/>
+            <a:ext cx="1290094" cy="6866467"/>
+          </a:xfrm>
+          <a:custGeom>
+            <a:avLst/>
+            <a:gdLst/>
+            <a:ahLst/>
+            <a:cxnLst/>
+            <a:rect l="l" t="t" r="r" b="b"/>
+            <a:pathLst>
+              <a:path w="1290094" h="6858000">
+                <a:moveTo>
+                  <a:pt x="1019735" y="0"/>
+                </a:moveTo>
+                <a:lnTo>
+                  <a:pt x="1290094" y="0"/>
+                </a:lnTo>
+                <a:lnTo>
+                  <a:pt x="1290094" y="6858000"/>
+                </a:lnTo>
+                <a:lnTo>
+                  <a:pt x="0" y="6858000"/>
+                </a:lnTo>
+                <a:lnTo>
+                  <a:pt x="1019735" y="0"/>
+                </a:lnTo>
+                <a:close/>
+              </a:path>
+            </a:pathLst>
+          </a:custGeom>
+          <a:solidFill>
+            <a:schemeClr val="accent1">
+              <a:lumMod val="60000"/>
+              <a:lumOff val="40000"/>
+              <a:alpha val="70000"/>
+            </a:schemeClr>
+          </a:solidFill>
+          <a:ln>
+            <a:noFill/>
+          </a:ln>
+          <a:effectLst/>
+        </p:spPr>
+        <p:style>
+          <a:lnRef idx="1">
+            <a:schemeClr val="accent1"/>
+          </a:lnRef>
+          <a:fillRef idx="3">
+            <a:schemeClr val="accent1"/>
+          </a:fillRef>
+          <a:effectRef idx="2">
+            <a:schemeClr val="accent1"/>
+          </a:effectRef>
+          <a:fontRef idx="minor">
+            <a:schemeClr val="lt1"/>
+          </a:fontRef>
+        </p:style>
+        <p:txBody>
+          <a:bodyPr/>
+          <a:lstStyle/>
+          <a:p>
+            <a:endParaRPr lang="de-CH"/>
+          </a:p>
+        </p:txBody>
+      </p:sp>
+      <p:sp>
+        <p:nvSpPr>
+          <p:cNvPr id="126" name="Rectangle 29">
+            <a:extLst>
+              <a:ext uri="{FF2B5EF4-FFF2-40B4-BE49-F238E27FC236}">
+                <a16:creationId xmlns:a16="http://schemas.microsoft.com/office/drawing/2014/main" id="{DBB05BAE-BBD3-4289-899F-A6851503C6B0}"/>
+              </a:ext>
+              <a:ext uri="{C183D7F6-B498-43B3-948B-1728B52AA6E4}">
+                <adec:decorative xmlns:adec="http://schemas.microsoft.com/office/drawing/2017/decorative" val="1"/>
+              </a:ext>
+            </a:extLst>
+          </p:cNvPr>
+          <p:cNvSpPr>
+            <a:spLocks noGrp="1" noRot="1" noChangeAspect="1" noMove="1" noResize="1" noEditPoints="1" noAdjustHandles="1" noChangeArrowheads="1" noChangeShapeType="1" noTextEdit="1"/>
+          </p:cNvSpPr>
+          <p:nvPr>
+            <p:extLst>
+              <p:ext uri="{386F3935-93C4-4BCD-93E2-E3B085C9AB24}">
+                <p16:designElem xmlns:p16="http://schemas.microsoft.com/office/powerpoint/2015/main" val="1"/>
+              </p:ext>
+            </p:extLst>
+          </p:nvPr>
+        </p:nvSpPr>
+        <p:spPr>
+          <a:xfrm>
+            <a:off x="10938999" y="-8467"/>
+            <a:ext cx="1249825" cy="6866467"/>
+          </a:xfrm>
+          <a:custGeom>
+            <a:avLst/>
+            <a:gdLst/>
+            <a:ahLst/>
+            <a:cxnLst/>
+            <a:rect l="l" t="t" r="r" b="b"/>
+            <a:pathLst>
+              <a:path w="1249825" h="6858000">
+                <a:moveTo>
+                  <a:pt x="0" y="0"/>
+                </a:moveTo>
+                <a:lnTo>
+                  <a:pt x="1249825" y="0"/>
+                </a:lnTo>
+                <a:lnTo>
+                  <a:pt x="1249825" y="6858000"/>
+                </a:lnTo>
+                <a:lnTo>
+                  <a:pt x="1109382" y="6858000"/>
+                </a:lnTo>
+                <a:lnTo>
+                  <a:pt x="0" y="0"/>
+                </a:lnTo>
+                <a:close/>
+              </a:path>
+            </a:pathLst>
+          </a:custGeom>
+          <a:solidFill>
+            <a:schemeClr val="accent1">
+              <a:alpha val="65000"/>
+            </a:schemeClr>
+          </a:solidFill>
+          <a:ln>
+            <a:noFill/>
+          </a:ln>
+          <a:effectLst/>
+        </p:spPr>
+        <p:style>
+          <a:lnRef idx="1">
+            <a:schemeClr val="accent1"/>
+          </a:lnRef>
+          <a:fillRef idx="3">
+            <a:schemeClr val="accent1"/>
+          </a:fillRef>
+          <a:effectRef idx="2">
+            <a:schemeClr val="accent1"/>
+          </a:effectRef>
+          <a:fontRef idx="minor">
+            <a:schemeClr val="lt1"/>
+          </a:fontRef>
+        </p:style>
+        <p:txBody>
+          <a:bodyPr/>
+          <a:lstStyle/>
+          <a:p>
+            <a:endParaRPr lang="de-CH"/>
+          </a:p>
+        </p:txBody>
+      </p:sp>
+      <p:sp>
+        <p:nvSpPr>
+          <p:cNvPr id="128" name="Isosceles Triangle 29">
+            <a:extLst>
+              <a:ext uri="{FF2B5EF4-FFF2-40B4-BE49-F238E27FC236}">
+                <a16:creationId xmlns:a16="http://schemas.microsoft.com/office/drawing/2014/main" id="{9874D11C-36F5-4BBE-A490-019A54E953B0}"/>
+              </a:ext>
+              <a:ext uri="{C183D7F6-B498-43B3-948B-1728B52AA6E4}">
+                <adec:decorative xmlns:adec="http://schemas.microsoft.com/office/drawing/2017/decorative" val="1"/>
+              </a:ext>
+            </a:extLst>
+          </p:cNvPr>
+          <p:cNvSpPr>
+            <a:spLocks noGrp="1" noRot="1" noChangeAspect="1" noMove="1" noResize="1" noEditPoints="1" noAdjustHandles="1" noChangeArrowheads="1" noChangeShapeType="1" noTextEdit="1"/>
+          </p:cNvSpPr>
+          <p:nvPr>
+            <p:extLst>
+              <p:ext uri="{386F3935-93C4-4BCD-93E2-E3B085C9AB24}">
+                <p16:designElem xmlns:p16="http://schemas.microsoft.com/office/powerpoint/2015/main" val="1"/>
+              </p:ext>
+            </p:extLst>
+          </p:nvPr>
+        </p:nvSpPr>
+        <p:spPr>
+          <a:xfrm>
+            <a:off x="10371666" y="3589867"/>
+            <a:ext cx="1817159" cy="3268133"/>
+          </a:xfrm>
+          <a:prstGeom prst="triangle">
+            <a:avLst>
+              <a:gd name="adj" fmla="val 100000"/>
+            </a:avLst>
+          </a:prstGeom>
+          <a:solidFill>
+            <a:schemeClr val="accent1">
+              <a:alpha val="80000"/>
+            </a:schemeClr>
+          </a:solidFill>
+          <a:ln>
+            <a:noFill/>
+          </a:ln>
+          <a:effectLst/>
+        </p:spPr>
+        <p:style>
+          <a:lnRef idx="1">
+            <a:schemeClr val="accent1"/>
+          </a:lnRef>
+          <a:fillRef idx="3">
+            <a:schemeClr val="accent1"/>
+          </a:fillRef>
+          <a:effectRef idx="2">
+            <a:schemeClr val="accent1"/>
+          </a:effectRef>
+          <a:fontRef idx="minor">
+            <a:schemeClr val="lt1"/>
+          </a:fontRef>
+        </p:style>
         <p:txBody>
           <a:bodyPr/>
           <a:lstStyle/>
@@ -6012,6 +10111,759 @@
           <a:chExt cx="0" cy="0"/>
         </a:xfrm>
       </p:grpSpPr>
+      <p:grpSp>
+        <p:nvGrpSpPr>
+          <p:cNvPr id="10" name="Group 9">
+            <a:extLst>
+              <a:ext uri="{FF2B5EF4-FFF2-40B4-BE49-F238E27FC236}">
+                <a16:creationId xmlns:a16="http://schemas.microsoft.com/office/drawing/2014/main" id="{B4DE830A-B531-4A3B-96F6-0ECE88B08555}"/>
+              </a:ext>
+              <a:ext uri="{C183D7F6-B498-43B3-948B-1728B52AA6E4}">
+                <adec:decorative xmlns:adec="http://schemas.microsoft.com/office/drawing/2017/decorative" val="1"/>
+              </a:ext>
+            </a:extLst>
+          </p:cNvPr>
+          <p:cNvGrpSpPr>
+            <a:grpSpLocks noGrp="1" noUngrp="1" noRot="1" noChangeAspect="1" noMove="1" noResize="1"/>
+          </p:cNvGrpSpPr>
+          <p:nvPr>
+            <p:extLst>
+              <p:ext uri="{386F3935-93C4-4BCD-93E2-E3B085C9AB24}">
+                <p16:designElem xmlns:p16="http://schemas.microsoft.com/office/powerpoint/2015/main" val="1"/>
+              </p:ext>
+            </p:extLst>
+          </p:nvPr>
+        </p:nvGrpSpPr>
+        <p:grpSpPr>
+          <a:xfrm>
+            <a:off x="0" y="-8467"/>
+            <a:ext cx="12192000" cy="6866467"/>
+            <a:chOff x="0" y="-8467"/>
+            <a:chExt cx="12192000" cy="6866467"/>
+          </a:xfrm>
+        </p:grpSpPr>
+        <p:cxnSp>
+          <p:nvCxnSpPr>
+            <p:cNvPr id="11" name="Straight Connector 10">
+              <a:extLst>
+                <a:ext uri="{FF2B5EF4-FFF2-40B4-BE49-F238E27FC236}">
+                  <a16:creationId xmlns:a16="http://schemas.microsoft.com/office/drawing/2014/main" id="{2813DF2C-461A-4A8F-9679-A172790D1F3A}"/>
+                </a:ext>
+                <a:ext uri="{C183D7F6-B498-43B3-948B-1728B52AA6E4}">
+                  <adec:decorative xmlns:adec="http://schemas.microsoft.com/office/drawing/2017/decorative" val="1"/>
+                </a:ext>
+              </a:extLst>
+            </p:cNvPr>
+            <p:cNvCxnSpPr/>
+            <p:nvPr>
+              <p:extLst>
+                <p:ext uri="{386F3935-93C4-4BCD-93E2-E3B085C9AB24}">
+                  <p16:designElem xmlns:p16="http://schemas.microsoft.com/office/powerpoint/2015/main" val="1"/>
+                </p:ext>
+              </p:extLst>
+            </p:nvPr>
+          </p:nvCxnSpPr>
+          <p:spPr>
+            <a:xfrm>
+              <a:off x="9371012" y="0"/>
+              <a:ext cx="1219200" cy="6858000"/>
+            </a:xfrm>
+            <a:prstGeom prst="line">
+              <a:avLst/>
+            </a:prstGeom>
+            <a:ln w="9525">
+              <a:solidFill>
+                <a:schemeClr val="bg1">
+                  <a:lumMod val="75000"/>
+                </a:schemeClr>
+              </a:solidFill>
+            </a:ln>
+          </p:spPr>
+          <p:style>
+            <a:lnRef idx="2">
+              <a:schemeClr val="accent1"/>
+            </a:lnRef>
+            <a:fillRef idx="0">
+              <a:schemeClr val="accent1"/>
+            </a:fillRef>
+            <a:effectRef idx="1">
+              <a:schemeClr val="accent1"/>
+            </a:effectRef>
+            <a:fontRef idx="minor">
+              <a:schemeClr val="tx1"/>
+            </a:fontRef>
+          </p:style>
+        </p:cxnSp>
+        <p:cxnSp>
+          <p:nvCxnSpPr>
+            <p:cNvPr id="12" name="Straight Connector 11">
+              <a:extLst>
+                <a:ext uri="{FF2B5EF4-FFF2-40B4-BE49-F238E27FC236}">
+                  <a16:creationId xmlns:a16="http://schemas.microsoft.com/office/drawing/2014/main" id="{54CD3A85-C039-4249-86E4-1EB9318B5495}"/>
+                </a:ext>
+                <a:ext uri="{C183D7F6-B498-43B3-948B-1728B52AA6E4}">
+                  <adec:decorative xmlns:adec="http://schemas.microsoft.com/office/drawing/2017/decorative" val="1"/>
+                </a:ext>
+              </a:extLst>
+            </p:cNvPr>
+            <p:cNvCxnSpPr/>
+            <p:nvPr>
+              <p:extLst>
+                <p:ext uri="{386F3935-93C4-4BCD-93E2-E3B085C9AB24}">
+                  <p16:designElem xmlns:p16="http://schemas.microsoft.com/office/powerpoint/2015/main" val="1"/>
+                </p:ext>
+              </p:extLst>
+            </p:nvPr>
+          </p:nvCxnSpPr>
+          <p:spPr>
+            <a:xfrm flipH="1">
+              <a:off x="7425267" y="3681413"/>
+              <a:ext cx="4763558" cy="3176587"/>
+            </a:xfrm>
+            <a:prstGeom prst="line">
+              <a:avLst/>
+            </a:prstGeom>
+            <a:ln w="9525">
+              <a:solidFill>
+                <a:schemeClr val="bg1">
+                  <a:lumMod val="85000"/>
+                </a:schemeClr>
+              </a:solidFill>
+            </a:ln>
+          </p:spPr>
+          <p:style>
+            <a:lnRef idx="2">
+              <a:schemeClr val="accent1"/>
+            </a:lnRef>
+            <a:fillRef idx="0">
+              <a:schemeClr val="accent1"/>
+            </a:fillRef>
+            <a:effectRef idx="1">
+              <a:schemeClr val="accent1"/>
+            </a:effectRef>
+            <a:fontRef idx="minor">
+              <a:schemeClr val="tx1"/>
+            </a:fontRef>
+          </p:style>
+        </p:cxnSp>
+        <p:sp>
+          <p:nvSpPr>
+            <p:cNvPr id="13" name="Rectangle 23">
+              <a:extLst>
+                <a:ext uri="{FF2B5EF4-FFF2-40B4-BE49-F238E27FC236}">
+                  <a16:creationId xmlns:a16="http://schemas.microsoft.com/office/drawing/2014/main" id="{887EA6D2-2883-42C2-993D-094CA6D65DA3}"/>
+                </a:ext>
+                <a:ext uri="{C183D7F6-B498-43B3-948B-1728B52AA6E4}">
+                  <adec:decorative xmlns:adec="http://schemas.microsoft.com/office/drawing/2017/decorative" val="1"/>
+                </a:ext>
+              </a:extLst>
+            </p:cNvPr>
+            <p:cNvSpPr/>
+            <p:nvPr>
+              <p:extLst>
+                <p:ext uri="{386F3935-93C4-4BCD-93E2-E3B085C9AB24}">
+                  <p16:designElem xmlns:p16="http://schemas.microsoft.com/office/powerpoint/2015/main" val="1"/>
+                </p:ext>
+              </p:extLst>
+            </p:nvPr>
+          </p:nvSpPr>
+          <p:spPr>
+            <a:xfrm>
+              <a:off x="9181476" y="-8467"/>
+              <a:ext cx="3007349" cy="6866467"/>
+            </a:xfrm>
+            <a:custGeom>
+              <a:avLst/>
+              <a:gdLst/>
+              <a:ahLst/>
+              <a:cxnLst/>
+              <a:rect l="l" t="t" r="r" b="b"/>
+              <a:pathLst>
+                <a:path w="3007349" h="6866467">
+                  <a:moveTo>
+                    <a:pt x="2045532" y="0"/>
+                  </a:moveTo>
+                  <a:lnTo>
+                    <a:pt x="3007349" y="0"/>
+                  </a:lnTo>
+                  <a:lnTo>
+                    <a:pt x="3007349" y="6866467"/>
+                  </a:lnTo>
+                  <a:lnTo>
+                    <a:pt x="0" y="6866467"/>
+                  </a:lnTo>
+                  <a:lnTo>
+                    <a:pt x="2045532" y="0"/>
+                  </a:lnTo>
+                  <a:close/>
+                </a:path>
+              </a:pathLst>
+            </a:custGeom>
+            <a:solidFill>
+              <a:schemeClr val="accent1">
+                <a:alpha val="30000"/>
+              </a:schemeClr>
+            </a:solidFill>
+            <a:ln>
+              <a:noFill/>
+            </a:ln>
+            <a:effectLst/>
+          </p:spPr>
+          <p:style>
+            <a:lnRef idx="1">
+              <a:schemeClr val="accent1"/>
+            </a:lnRef>
+            <a:fillRef idx="3">
+              <a:schemeClr val="accent1"/>
+            </a:fillRef>
+            <a:effectRef idx="2">
+              <a:schemeClr val="accent1"/>
+            </a:effectRef>
+            <a:fontRef idx="minor">
+              <a:schemeClr val="lt1"/>
+            </a:fontRef>
+          </p:style>
+          <p:txBody>
+            <a:bodyPr/>
+            <a:lstStyle/>
+            <a:p>
+              <a:endParaRPr lang="de-CH"/>
+            </a:p>
+          </p:txBody>
+        </p:sp>
+        <p:sp>
+          <p:nvSpPr>
+            <p:cNvPr id="14" name="Rectangle 25">
+              <a:extLst>
+                <a:ext uri="{FF2B5EF4-FFF2-40B4-BE49-F238E27FC236}">
+                  <a16:creationId xmlns:a16="http://schemas.microsoft.com/office/drawing/2014/main" id="{3B895046-636F-4D1B-ACA4-29AA0CB3329F}"/>
+                </a:ext>
+                <a:ext uri="{C183D7F6-B498-43B3-948B-1728B52AA6E4}">
+                  <adec:decorative xmlns:adec="http://schemas.microsoft.com/office/drawing/2017/decorative" val="1"/>
+                </a:ext>
+              </a:extLst>
+            </p:cNvPr>
+            <p:cNvSpPr/>
+            <p:nvPr>
+              <p:extLst>
+                <p:ext uri="{386F3935-93C4-4BCD-93E2-E3B085C9AB24}">
+                  <p16:designElem xmlns:p16="http://schemas.microsoft.com/office/powerpoint/2015/main" val="1"/>
+                </p:ext>
+              </p:extLst>
+            </p:nvPr>
+          </p:nvSpPr>
+          <p:spPr>
+            <a:xfrm>
+              <a:off x="9603442" y="-8467"/>
+              <a:ext cx="2588558" cy="6866467"/>
+            </a:xfrm>
+            <a:custGeom>
+              <a:avLst/>
+              <a:gdLst/>
+              <a:ahLst/>
+              <a:cxnLst/>
+              <a:rect l="l" t="t" r="r" b="b"/>
+              <a:pathLst>
+                <a:path w="2573311" h="6866467">
+                  <a:moveTo>
+                    <a:pt x="0" y="0"/>
+                  </a:moveTo>
+                  <a:lnTo>
+                    <a:pt x="2573311" y="0"/>
+                  </a:lnTo>
+                  <a:lnTo>
+                    <a:pt x="2573311" y="6866467"/>
+                  </a:lnTo>
+                  <a:lnTo>
+                    <a:pt x="1202336" y="6866467"/>
+                  </a:lnTo>
+                  <a:lnTo>
+                    <a:pt x="0" y="0"/>
+                  </a:lnTo>
+                  <a:close/>
+                </a:path>
+              </a:pathLst>
+            </a:custGeom>
+            <a:solidFill>
+              <a:schemeClr val="accent1">
+                <a:alpha val="20000"/>
+              </a:schemeClr>
+            </a:solidFill>
+            <a:ln>
+              <a:noFill/>
+            </a:ln>
+            <a:effectLst/>
+          </p:spPr>
+          <p:style>
+            <a:lnRef idx="1">
+              <a:schemeClr val="accent1"/>
+            </a:lnRef>
+            <a:fillRef idx="3">
+              <a:schemeClr val="accent1"/>
+            </a:fillRef>
+            <a:effectRef idx="2">
+              <a:schemeClr val="accent1"/>
+            </a:effectRef>
+            <a:fontRef idx="minor">
+              <a:schemeClr val="lt1"/>
+            </a:fontRef>
+          </p:style>
+          <p:txBody>
+            <a:bodyPr/>
+            <a:lstStyle/>
+            <a:p>
+              <a:endParaRPr lang="de-CH"/>
+            </a:p>
+          </p:txBody>
+        </p:sp>
+        <p:sp>
+          <p:nvSpPr>
+            <p:cNvPr id="15" name="Isosceles Triangle 14">
+              <a:extLst>
+                <a:ext uri="{FF2B5EF4-FFF2-40B4-BE49-F238E27FC236}">
+                  <a16:creationId xmlns:a16="http://schemas.microsoft.com/office/drawing/2014/main" id="{C6B0CDE3-E054-4EDD-A43B-F96843D8BF51}"/>
+                </a:ext>
+                <a:ext uri="{C183D7F6-B498-43B3-948B-1728B52AA6E4}">
+                  <adec:decorative xmlns:adec="http://schemas.microsoft.com/office/drawing/2017/decorative" val="1"/>
+                </a:ext>
+              </a:extLst>
+            </p:cNvPr>
+            <p:cNvSpPr/>
+            <p:nvPr>
+              <p:extLst>
+                <p:ext uri="{386F3935-93C4-4BCD-93E2-E3B085C9AB24}">
+                  <p16:designElem xmlns:p16="http://schemas.microsoft.com/office/powerpoint/2015/main" val="1"/>
+                </p:ext>
+              </p:extLst>
+            </p:nvPr>
+          </p:nvSpPr>
+          <p:spPr>
+            <a:xfrm>
+              <a:off x="8932333" y="3048000"/>
+              <a:ext cx="3259667" cy="3810000"/>
+            </a:xfrm>
+            <a:prstGeom prst="triangle">
+              <a:avLst>
+                <a:gd name="adj" fmla="val 100000"/>
+              </a:avLst>
+            </a:prstGeom>
+            <a:solidFill>
+              <a:schemeClr val="accent2">
+                <a:alpha val="72000"/>
+              </a:schemeClr>
+            </a:solidFill>
+            <a:ln>
+              <a:noFill/>
+            </a:ln>
+            <a:effectLst/>
+          </p:spPr>
+          <p:style>
+            <a:lnRef idx="1">
+              <a:schemeClr val="accent1"/>
+            </a:lnRef>
+            <a:fillRef idx="3">
+              <a:schemeClr val="accent1"/>
+            </a:fillRef>
+            <a:effectRef idx="2">
+              <a:schemeClr val="accent1"/>
+            </a:effectRef>
+            <a:fontRef idx="minor">
+              <a:schemeClr val="lt1"/>
+            </a:fontRef>
+          </p:style>
+          <p:txBody>
+            <a:bodyPr/>
+            <a:lstStyle/>
+            <a:p>
+              <a:endParaRPr lang="de-CH"/>
+            </a:p>
+          </p:txBody>
+        </p:sp>
+        <p:sp>
+          <p:nvSpPr>
+            <p:cNvPr id="16" name="Rectangle 27">
+              <a:extLst>
+                <a:ext uri="{FF2B5EF4-FFF2-40B4-BE49-F238E27FC236}">
+                  <a16:creationId xmlns:a16="http://schemas.microsoft.com/office/drawing/2014/main" id="{3B66B1A2-F145-4C9B-85CC-4BF30D58CBC5}"/>
+                </a:ext>
+                <a:ext uri="{C183D7F6-B498-43B3-948B-1728B52AA6E4}">
+                  <adec:decorative xmlns:adec="http://schemas.microsoft.com/office/drawing/2017/decorative" val="1"/>
+                </a:ext>
+              </a:extLst>
+            </p:cNvPr>
+            <p:cNvSpPr/>
+            <p:nvPr>
+              <p:extLst>
+                <p:ext uri="{386F3935-93C4-4BCD-93E2-E3B085C9AB24}">
+                  <p16:designElem xmlns:p16="http://schemas.microsoft.com/office/powerpoint/2015/main" val="1"/>
+                </p:ext>
+              </p:extLst>
+            </p:nvPr>
+          </p:nvSpPr>
+          <p:spPr>
+            <a:xfrm>
+              <a:off x="9334500" y="-8467"/>
+              <a:ext cx="2854326" cy="6866467"/>
+            </a:xfrm>
+            <a:custGeom>
+              <a:avLst/>
+              <a:gdLst/>
+              <a:ahLst/>
+              <a:cxnLst/>
+              <a:rect l="l" t="t" r="r" b="b"/>
+              <a:pathLst>
+                <a:path w="2858013" h="6866467">
+                  <a:moveTo>
+                    <a:pt x="0" y="0"/>
+                  </a:moveTo>
+                  <a:lnTo>
+                    <a:pt x="2858013" y="0"/>
+                  </a:lnTo>
+                  <a:lnTo>
+                    <a:pt x="2858013" y="6866467"/>
+                  </a:lnTo>
+                  <a:lnTo>
+                    <a:pt x="2473942" y="6866467"/>
+                  </a:lnTo>
+                  <a:lnTo>
+                    <a:pt x="0" y="0"/>
+                  </a:lnTo>
+                  <a:close/>
+                </a:path>
+              </a:pathLst>
+            </a:custGeom>
+            <a:solidFill>
+              <a:schemeClr val="accent2">
+                <a:lumMod val="75000"/>
+                <a:alpha val="70000"/>
+              </a:schemeClr>
+            </a:solidFill>
+            <a:ln>
+              <a:noFill/>
+            </a:ln>
+            <a:effectLst/>
+          </p:spPr>
+          <p:style>
+            <a:lnRef idx="1">
+              <a:schemeClr val="accent1"/>
+            </a:lnRef>
+            <a:fillRef idx="3">
+              <a:schemeClr val="accent1"/>
+            </a:fillRef>
+            <a:effectRef idx="2">
+              <a:schemeClr val="accent1"/>
+            </a:effectRef>
+            <a:fontRef idx="minor">
+              <a:schemeClr val="lt1"/>
+            </a:fontRef>
+          </p:style>
+          <p:txBody>
+            <a:bodyPr/>
+            <a:lstStyle/>
+            <a:p>
+              <a:endParaRPr lang="de-CH"/>
+            </a:p>
+          </p:txBody>
+        </p:sp>
+        <p:sp>
+          <p:nvSpPr>
+            <p:cNvPr id="17" name="Rectangle 28">
+              <a:extLst>
+                <a:ext uri="{FF2B5EF4-FFF2-40B4-BE49-F238E27FC236}">
+                  <a16:creationId xmlns:a16="http://schemas.microsoft.com/office/drawing/2014/main" id="{5D4FC972-94B3-4035-8D31-E668C132B411}"/>
+                </a:ext>
+                <a:ext uri="{C183D7F6-B498-43B3-948B-1728B52AA6E4}">
+                  <adec:decorative xmlns:adec="http://schemas.microsoft.com/office/drawing/2017/decorative" val="1"/>
+                </a:ext>
+              </a:extLst>
+            </p:cNvPr>
+            <p:cNvSpPr/>
+            <p:nvPr>
+              <p:extLst>
+                <p:ext uri="{386F3935-93C4-4BCD-93E2-E3B085C9AB24}">
+                  <p16:designElem xmlns:p16="http://schemas.microsoft.com/office/powerpoint/2015/main" val="1"/>
+                </p:ext>
+              </p:extLst>
+            </p:nvPr>
+          </p:nvSpPr>
+          <p:spPr>
+            <a:xfrm>
+              <a:off x="10898730" y="-8467"/>
+              <a:ext cx="1290094" cy="6866467"/>
+            </a:xfrm>
+            <a:custGeom>
+              <a:avLst/>
+              <a:gdLst/>
+              <a:ahLst/>
+              <a:cxnLst/>
+              <a:rect l="l" t="t" r="r" b="b"/>
+              <a:pathLst>
+                <a:path w="1290094" h="6858000">
+                  <a:moveTo>
+                    <a:pt x="1019735" y="0"/>
+                  </a:moveTo>
+                  <a:lnTo>
+                    <a:pt x="1290094" y="0"/>
+                  </a:lnTo>
+                  <a:lnTo>
+                    <a:pt x="1290094" y="6858000"/>
+                  </a:lnTo>
+                  <a:lnTo>
+                    <a:pt x="0" y="6858000"/>
+                  </a:lnTo>
+                  <a:lnTo>
+                    <a:pt x="1019735" y="0"/>
+                  </a:lnTo>
+                  <a:close/>
+                </a:path>
+              </a:pathLst>
+            </a:custGeom>
+            <a:solidFill>
+              <a:schemeClr val="accent1">
+                <a:lumMod val="60000"/>
+                <a:lumOff val="40000"/>
+                <a:alpha val="70000"/>
+              </a:schemeClr>
+            </a:solidFill>
+            <a:ln>
+              <a:noFill/>
+            </a:ln>
+            <a:effectLst/>
+          </p:spPr>
+          <p:style>
+            <a:lnRef idx="1">
+              <a:schemeClr val="accent1"/>
+            </a:lnRef>
+            <a:fillRef idx="3">
+              <a:schemeClr val="accent1"/>
+            </a:fillRef>
+            <a:effectRef idx="2">
+              <a:schemeClr val="accent1"/>
+            </a:effectRef>
+            <a:fontRef idx="minor">
+              <a:schemeClr val="lt1"/>
+            </a:fontRef>
+          </p:style>
+          <p:txBody>
+            <a:bodyPr/>
+            <a:lstStyle/>
+            <a:p>
+              <a:endParaRPr lang="de-CH"/>
+            </a:p>
+          </p:txBody>
+        </p:sp>
+        <p:sp>
+          <p:nvSpPr>
+            <p:cNvPr id="18" name="Rectangle 29">
+              <a:extLst>
+                <a:ext uri="{FF2B5EF4-FFF2-40B4-BE49-F238E27FC236}">
+                  <a16:creationId xmlns:a16="http://schemas.microsoft.com/office/drawing/2014/main" id="{374B9941-AFBE-4A77-A50E-B6EA04A746AE}"/>
+                </a:ext>
+                <a:ext uri="{C183D7F6-B498-43B3-948B-1728B52AA6E4}">
+                  <adec:decorative xmlns:adec="http://schemas.microsoft.com/office/drawing/2017/decorative" val="1"/>
+                </a:ext>
+              </a:extLst>
+            </p:cNvPr>
+            <p:cNvSpPr/>
+            <p:nvPr>
+              <p:extLst>
+                <p:ext uri="{386F3935-93C4-4BCD-93E2-E3B085C9AB24}">
+                  <p16:designElem xmlns:p16="http://schemas.microsoft.com/office/powerpoint/2015/main" val="1"/>
+                </p:ext>
+              </p:extLst>
+            </p:nvPr>
+          </p:nvSpPr>
+          <p:spPr>
+            <a:xfrm>
+              <a:off x="10938999" y="-8467"/>
+              <a:ext cx="1249825" cy="6866467"/>
+            </a:xfrm>
+            <a:custGeom>
+              <a:avLst/>
+              <a:gdLst/>
+              <a:ahLst/>
+              <a:cxnLst/>
+              <a:rect l="l" t="t" r="r" b="b"/>
+              <a:pathLst>
+                <a:path w="1249825" h="6858000">
+                  <a:moveTo>
+                    <a:pt x="0" y="0"/>
+                  </a:moveTo>
+                  <a:lnTo>
+                    <a:pt x="1249825" y="0"/>
+                  </a:lnTo>
+                  <a:lnTo>
+                    <a:pt x="1249825" y="6858000"/>
+                  </a:lnTo>
+                  <a:lnTo>
+                    <a:pt x="1109382" y="6858000"/>
+                  </a:lnTo>
+                  <a:lnTo>
+                    <a:pt x="0" y="0"/>
+                  </a:lnTo>
+                  <a:close/>
+                </a:path>
+              </a:pathLst>
+            </a:custGeom>
+            <a:solidFill>
+              <a:schemeClr val="accent1">
+                <a:alpha val="65000"/>
+              </a:schemeClr>
+            </a:solidFill>
+            <a:ln>
+              <a:noFill/>
+            </a:ln>
+            <a:effectLst/>
+          </p:spPr>
+          <p:style>
+            <a:lnRef idx="1">
+              <a:schemeClr val="accent1"/>
+            </a:lnRef>
+            <a:fillRef idx="3">
+              <a:schemeClr val="accent1"/>
+            </a:fillRef>
+            <a:effectRef idx="2">
+              <a:schemeClr val="accent1"/>
+            </a:effectRef>
+            <a:fontRef idx="minor">
+              <a:schemeClr val="lt1"/>
+            </a:fontRef>
+          </p:style>
+          <p:txBody>
+            <a:bodyPr/>
+            <a:lstStyle/>
+            <a:p>
+              <a:endParaRPr lang="de-CH"/>
+            </a:p>
+          </p:txBody>
+        </p:sp>
+        <p:sp>
+          <p:nvSpPr>
+            <p:cNvPr id="19" name="Isosceles Triangle 18">
+              <a:extLst>
+                <a:ext uri="{FF2B5EF4-FFF2-40B4-BE49-F238E27FC236}">
+                  <a16:creationId xmlns:a16="http://schemas.microsoft.com/office/drawing/2014/main" id="{27A982C5-2C38-4CE9-BC18-94697AD657FB}"/>
+                </a:ext>
+                <a:ext uri="{C183D7F6-B498-43B3-948B-1728B52AA6E4}">
+                  <adec:decorative xmlns:adec="http://schemas.microsoft.com/office/drawing/2017/decorative" val="1"/>
+                </a:ext>
+              </a:extLst>
+            </p:cNvPr>
+            <p:cNvSpPr/>
+            <p:nvPr>
+              <p:extLst>
+                <p:ext uri="{386F3935-93C4-4BCD-93E2-E3B085C9AB24}">
+                  <p16:designElem xmlns:p16="http://schemas.microsoft.com/office/powerpoint/2015/main" val="1"/>
+                </p:ext>
+              </p:extLst>
+            </p:nvPr>
+          </p:nvSpPr>
+          <p:spPr>
+            <a:xfrm>
+              <a:off x="10371666" y="3589867"/>
+              <a:ext cx="1817159" cy="3268133"/>
+            </a:xfrm>
+            <a:prstGeom prst="triangle">
+              <a:avLst>
+                <a:gd name="adj" fmla="val 100000"/>
+              </a:avLst>
+            </a:prstGeom>
+            <a:solidFill>
+              <a:schemeClr val="accent1">
+                <a:alpha val="80000"/>
+              </a:schemeClr>
+            </a:solidFill>
+            <a:ln>
+              <a:noFill/>
+            </a:ln>
+            <a:effectLst/>
+          </p:spPr>
+          <p:style>
+            <a:lnRef idx="1">
+              <a:schemeClr val="accent1"/>
+            </a:lnRef>
+            <a:fillRef idx="3">
+              <a:schemeClr val="accent1"/>
+            </a:fillRef>
+            <a:effectRef idx="2">
+              <a:schemeClr val="accent1"/>
+            </a:effectRef>
+            <a:fontRef idx="minor">
+              <a:schemeClr val="lt1"/>
+            </a:fontRef>
+          </p:style>
+          <p:txBody>
+            <a:bodyPr/>
+            <a:lstStyle/>
+            <a:p>
+              <a:endParaRPr lang="de-CH"/>
+            </a:p>
+          </p:txBody>
+        </p:sp>
+        <p:sp>
+          <p:nvSpPr>
+            <p:cNvPr id="20" name="Isosceles Triangle 19">
+              <a:extLst>
+                <a:ext uri="{FF2B5EF4-FFF2-40B4-BE49-F238E27FC236}">
+                  <a16:creationId xmlns:a16="http://schemas.microsoft.com/office/drawing/2014/main" id="{0060D8D1-7BB1-498F-AFBB-ADAC130A9E90}"/>
+                </a:ext>
+                <a:ext uri="{C183D7F6-B498-43B3-948B-1728B52AA6E4}">
+                  <adec:decorative xmlns:adec="http://schemas.microsoft.com/office/drawing/2017/decorative" val="1"/>
+                </a:ext>
+              </a:extLst>
+            </p:cNvPr>
+            <p:cNvSpPr/>
+            <p:nvPr>
+              <p:extLst>
+                <p:ext uri="{386F3935-93C4-4BCD-93E2-E3B085C9AB24}">
+                  <p16:designElem xmlns:p16="http://schemas.microsoft.com/office/powerpoint/2015/main" val="1"/>
+                </p:ext>
+              </p:extLst>
+            </p:nvPr>
+          </p:nvSpPr>
+          <p:spPr>
+            <a:xfrm rot="10800000">
+              <a:off x="0" y="0"/>
+              <a:ext cx="842596" cy="5666154"/>
+            </a:xfrm>
+            <a:prstGeom prst="triangle">
+              <a:avLst>
+                <a:gd name="adj" fmla="val 100000"/>
+              </a:avLst>
+            </a:prstGeom>
+            <a:solidFill>
+              <a:schemeClr val="accent1">
+                <a:alpha val="85000"/>
+              </a:schemeClr>
+            </a:solidFill>
+            <a:ln>
+              <a:noFill/>
+            </a:ln>
+            <a:effectLst/>
+          </p:spPr>
+          <p:style>
+            <a:lnRef idx="1">
+              <a:schemeClr val="accent1"/>
+            </a:lnRef>
+            <a:fillRef idx="3">
+              <a:schemeClr val="accent1"/>
+            </a:fillRef>
+            <a:effectRef idx="2">
+              <a:schemeClr val="accent1"/>
+            </a:effectRef>
+            <a:fontRef idx="minor">
+              <a:schemeClr val="lt1"/>
+            </a:fontRef>
+          </p:style>
+          <p:txBody>
+            <a:bodyPr/>
+            <a:lstStyle/>
+            <a:p>
+              <a:endParaRPr lang="de-CH"/>
+            </a:p>
+          </p:txBody>
+        </p:sp>
+      </p:grpSp>
       <p:sp>
         <p:nvSpPr>
           <p:cNvPr id="2" name="Title 1">
@@ -6028,13 +10880,27 @@
             <p:ph type="title"/>
           </p:nvPr>
         </p:nvSpPr>
-        <p:spPr/>
+        <p:spPr>
+          <a:xfrm>
+            <a:off x="4974337" y="1265314"/>
+            <a:ext cx="4299666" cy="3249131"/>
+          </a:xfrm>
+        </p:spPr>
         <p:txBody>
-          <a:bodyPr/>
+          <a:bodyPr vert="horz" lIns="91440" tIns="45720" rIns="91440" bIns="45720" rtlCol="0" anchor="b">
+            <a:normAutofit/>
+          </a:bodyPr>
           <a:lstStyle/>
           <a:p>
             <a:r>
-              <a:rPr lang="de-CH" dirty="0"/>
+              <a:rPr lang="en-US" sz="5000" kern="1200" dirty="0">
+                <a:solidFill>
+                  <a:schemeClr val="accent1"/>
+                </a:solidFill>
+                <a:latin typeface="+mj-lt"/>
+                <a:ea typeface="+mj-ea"/>
+                <a:cs typeface="+mj-cs"/>
+              </a:rPr>
               <a:t>Erreichte Zwischenziele</a:t>
             </a:r>
           </a:p>
@@ -6042,21 +10908,61 @@
       </p:sp>
       <p:sp>
         <p:nvSpPr>
-          <p:cNvPr id="3" name="Content Placeholder 2">
+          <p:cNvPr id="22" name="Isosceles Triangle 21">
             <a:extLst>
               <a:ext uri="{FF2B5EF4-FFF2-40B4-BE49-F238E27FC236}">
-                <a16:creationId xmlns:a16="http://schemas.microsoft.com/office/drawing/2014/main" id="{DA292361-0EF8-8CAA-3E19-6B43811B9654}"/>
+                <a16:creationId xmlns:a16="http://schemas.microsoft.com/office/drawing/2014/main" id="{5A7802B6-FF37-40CF-A7E2-6F2A0D9A91EF}"/>
+              </a:ext>
+              <a:ext uri="{C183D7F6-B498-43B3-948B-1728B52AA6E4}">
+                <adec:decorative xmlns:adec="http://schemas.microsoft.com/office/drawing/2017/decorative" val="1"/>
               </a:ext>
             </a:extLst>
           </p:cNvPr>
           <p:cNvSpPr>
-            <a:spLocks noGrp="1"/>
+            <a:spLocks noGrp="1" noRot="1" noChangeAspect="1" noMove="1" noResize="1" noEditPoints="1" noAdjustHandles="1" noChangeArrowheads="1" noChangeShapeType="1" noTextEdit="1"/>
           </p:cNvSpPr>
           <p:nvPr>
-            <p:ph idx="1"/>
+            <p:extLst>
+              <p:ext uri="{386F3935-93C4-4BCD-93E2-E3B085C9AB24}">
+                <p16:designElem xmlns:p16="http://schemas.microsoft.com/office/powerpoint/2015/main" val="1"/>
+              </p:ext>
+            </p:extLst>
           </p:nvPr>
         </p:nvSpPr>
-        <p:spPr/>
+        <p:spPr>
+          <a:xfrm rot="10800000">
+            <a:off x="3174" y="12700"/>
+            <a:ext cx="842596" cy="5666154"/>
+          </a:xfrm>
+          <a:prstGeom prst="triangle">
+            <a:avLst>
+              <a:gd name="adj" fmla="val 100000"/>
+            </a:avLst>
+          </a:prstGeom>
+          <a:solidFill>
+            <a:schemeClr val="accent1">
+              <a:alpha val="85000"/>
+            </a:schemeClr>
+          </a:solidFill>
+          <a:ln>
+            <a:noFill/>
+          </a:ln>
+          <a:effectLst/>
+        </p:spPr>
+        <p:style>
+          <a:lnRef idx="1">
+            <a:schemeClr val="accent1"/>
+          </a:lnRef>
+          <a:fillRef idx="3">
+            <a:schemeClr val="accent1"/>
+          </a:fillRef>
+          <a:effectRef idx="2">
+            <a:schemeClr val="accent1"/>
+          </a:effectRef>
+          <a:fontRef idx="minor">
+            <a:schemeClr val="lt1"/>
+          </a:fontRef>
+        </p:style>
         <p:txBody>
           <a:bodyPr/>
           <a:lstStyle/>
@@ -6065,6 +10971,45 @@
           </a:p>
         </p:txBody>
       </p:sp>
+      <p:pic>
+        <p:nvPicPr>
+          <p:cNvPr id="7" name="Graphic 6" descr="Bullseye">
+            <a:extLst>
+              <a:ext uri="{FF2B5EF4-FFF2-40B4-BE49-F238E27FC236}">
+                <a16:creationId xmlns:a16="http://schemas.microsoft.com/office/drawing/2014/main" id="{1C3BFECE-2233-0616-F43D-5AD5D86F96B2}"/>
+              </a:ext>
+            </a:extLst>
+          </p:cNvPr>
+          <p:cNvPicPr>
+            <a:picLocks noChangeAspect="1"/>
+          </p:cNvPicPr>
+          <p:nvPr/>
+        </p:nvPicPr>
+        <p:blipFill>
+          <a:blip r:embed="rId2">
+            <a:extLst>
+              <a:ext uri="{28A0092B-C50C-407E-A947-70E740481C1C}">
+                <a14:useLocalDpi xmlns:a14="http://schemas.microsoft.com/office/drawing/2010/main" val="0"/>
+              </a:ext>
+              <a:ext uri="{96DAC541-7B7A-43D3-8B79-37D633B846F1}">
+                <asvg:svgBlip xmlns:asvg="http://schemas.microsoft.com/office/drawing/2016/SVG/main" r:embed="rId3"/>
+              </a:ext>
+            </a:extLst>
+          </a:blip>
+          <a:stretch>
+            <a:fillRect/>
+          </a:stretch>
+        </p:blipFill>
+        <p:spPr>
+          <a:xfrm>
+            <a:off x="888604" y="1550139"/>
+            <a:ext cx="3765692" cy="3765692"/>
+          </a:xfrm>
+          <a:prstGeom prst="rect">
+            <a:avLst/>
+          </a:prstGeom>
+        </p:spPr>
+      </p:pic>
     </p:spTree>
     <p:extLst>
       <p:ext uri="{BB962C8B-B14F-4D97-AF65-F5344CB8AC3E}">
@@ -6095,6 +11040,66 @@
           <a:chExt cx="0" cy="0"/>
         </a:xfrm>
       </p:grpSpPr>
+      <p:sp useBgFill="1">
+        <p:nvSpPr>
+          <p:cNvPr id="27" name="Rectangle 26">
+            <a:extLst>
+              <a:ext uri="{FF2B5EF4-FFF2-40B4-BE49-F238E27FC236}">
+                <a16:creationId xmlns:a16="http://schemas.microsoft.com/office/drawing/2014/main" id="{603AE127-802C-459A-A612-DB85B67F0DC0}"/>
+              </a:ext>
+              <a:ext uri="{C183D7F6-B498-43B3-948B-1728B52AA6E4}">
+                <adec:decorative xmlns:adec="http://schemas.microsoft.com/office/drawing/2017/decorative" val="1"/>
+              </a:ext>
+            </a:extLst>
+          </p:cNvPr>
+          <p:cNvSpPr>
+            <a:spLocks noGrp="1" noRot="1" noChangeAspect="1" noMove="1" noResize="1" noEditPoints="1" noAdjustHandles="1" noChangeArrowheads="1" noChangeShapeType="1" noTextEdit="1"/>
+          </p:cNvSpPr>
+          <p:nvPr>
+            <p:extLst>
+              <p:ext uri="{386F3935-93C4-4BCD-93E2-E3B085C9AB24}">
+                <p16:designElem xmlns:p16="http://schemas.microsoft.com/office/powerpoint/2015/main" val="1"/>
+              </p:ext>
+            </p:extLst>
+          </p:nvPr>
+        </p:nvSpPr>
+        <p:spPr>
+          <a:xfrm>
+            <a:off x="0" y="0"/>
+            <a:ext cx="12192000" cy="6858000"/>
+          </a:xfrm>
+          <a:prstGeom prst="rect">
+            <a:avLst/>
+          </a:prstGeom>
+          <a:ln>
+            <a:noFill/>
+          </a:ln>
+        </p:spPr>
+        <p:style>
+          <a:lnRef idx="2">
+            <a:schemeClr val="accent1">
+              <a:shade val="50000"/>
+            </a:schemeClr>
+          </a:lnRef>
+          <a:fillRef idx="1">
+            <a:schemeClr val="accent1"/>
+          </a:fillRef>
+          <a:effectRef idx="0">
+            <a:schemeClr val="accent1"/>
+          </a:effectRef>
+          <a:fontRef idx="minor">
+            <a:schemeClr val="lt1"/>
+          </a:fontRef>
+        </p:style>
+        <p:txBody>
+          <a:bodyPr rtlCol="0" anchor="ctr"/>
+          <a:lstStyle/>
+          <a:p>
+            <a:pPr algn="ctr"/>
+            <a:endParaRPr lang="en-US"/>
+          </a:p>
+        </p:txBody>
+      </p:sp>
       <p:sp>
         <p:nvSpPr>
           <p:cNvPr id="2" name="Title 1">
@@ -6111,9 +11116,16 @@
             <p:ph type="title"/>
           </p:nvPr>
         </p:nvSpPr>
-        <p:spPr/>
+        <p:spPr>
+          <a:xfrm>
+            <a:off x="1043950" y="1179151"/>
+            <a:ext cx="3300646" cy="4463889"/>
+          </a:xfrm>
+        </p:spPr>
         <p:txBody>
-          <a:bodyPr/>
+          <a:bodyPr anchor="ctr">
+            <a:normAutofit/>
+          </a:bodyPr>
           <a:lstStyle/>
           <a:p>
             <a:r>
@@ -6125,21 +11137,59 @@
       </p:sp>
       <p:sp>
         <p:nvSpPr>
-          <p:cNvPr id="3" name="Content Placeholder 2">
+          <p:cNvPr id="28" name="Isosceles Triangle 27">
             <a:extLst>
               <a:ext uri="{FF2B5EF4-FFF2-40B4-BE49-F238E27FC236}">
-                <a16:creationId xmlns:a16="http://schemas.microsoft.com/office/drawing/2014/main" id="{9A7F31DD-69C0-E22C-281E-ECDB3EE5C378}"/>
+                <a16:creationId xmlns:a16="http://schemas.microsoft.com/office/drawing/2014/main" id="{9323D83D-50D6-4040-A58B-FCEA340F886A}"/>
+              </a:ext>
+              <a:ext uri="{C183D7F6-B498-43B3-948B-1728B52AA6E4}">
+                <adec:decorative xmlns:adec="http://schemas.microsoft.com/office/drawing/2017/decorative" val="1"/>
               </a:ext>
             </a:extLst>
           </p:cNvPr>
           <p:cNvSpPr>
-            <a:spLocks noGrp="1"/>
+            <a:spLocks noGrp="1" noRot="1" noChangeAspect="1" noMove="1" noResize="1" noEditPoints="1" noAdjustHandles="1" noChangeArrowheads="1" noChangeShapeType="1" noTextEdit="1"/>
           </p:cNvSpPr>
           <p:nvPr>
-            <p:ph idx="1"/>
+            <p:extLst>
+              <p:ext uri="{386F3935-93C4-4BCD-93E2-E3B085C9AB24}">
+                <p16:designElem xmlns:p16="http://schemas.microsoft.com/office/powerpoint/2015/main" val="1"/>
+              </p:ext>
+            </p:extLst>
           </p:nvPr>
         </p:nvSpPr>
-        <p:spPr/>
+        <p:spPr>
+          <a:xfrm>
+            <a:off x="0" y="4013200"/>
+            <a:ext cx="448733" cy="2844800"/>
+          </a:xfrm>
+          <a:prstGeom prst="triangle">
+            <a:avLst>
+              <a:gd name="adj" fmla="val 0"/>
+            </a:avLst>
+          </a:prstGeom>
+          <a:solidFill>
+            <a:schemeClr val="accent1"/>
+          </a:solidFill>
+          <a:ln>
+            <a:noFill/>
+          </a:ln>
+          <a:effectLst/>
+        </p:spPr>
+        <p:style>
+          <a:lnRef idx="1">
+            <a:schemeClr val="accent1"/>
+          </a:lnRef>
+          <a:fillRef idx="3">
+            <a:schemeClr val="accent1"/>
+          </a:fillRef>
+          <a:effectRef idx="2">
+            <a:schemeClr val="accent1"/>
+          </a:effectRef>
+          <a:fontRef idx="minor">
+            <a:schemeClr val="lt1"/>
+          </a:fontRef>
+        </p:style>
         <p:txBody>
           <a:bodyPr/>
           <a:lstStyle/>
@@ -6148,6 +11198,176 @@
           </a:p>
         </p:txBody>
       </p:sp>
+      <p:cxnSp>
+        <p:nvCxnSpPr>
+          <p:cNvPr id="12" name="Straight Connector 11">
+            <a:extLst>
+              <a:ext uri="{FF2B5EF4-FFF2-40B4-BE49-F238E27FC236}">
+                <a16:creationId xmlns:a16="http://schemas.microsoft.com/office/drawing/2014/main" id="{1A1FE6BB-DFB2-4080-9B5E-076EF5DDE67B}"/>
+              </a:ext>
+              <a:ext uri="{C183D7F6-B498-43B3-948B-1728B52AA6E4}">
+                <adec:decorative xmlns:adec="http://schemas.microsoft.com/office/drawing/2017/decorative" val="1"/>
+              </a:ext>
+            </a:extLst>
+          </p:cNvPr>
+          <p:cNvCxnSpPr>
+            <a:cxnSpLocks noGrp="1" noRot="1" noChangeAspect="1" noMove="1" noResize="1" noEditPoints="1" noAdjustHandles="1" noChangeArrowheads="1" noChangeShapeType="1"/>
+          </p:cNvCxnSpPr>
+          <p:nvPr>
+            <p:extLst>
+              <p:ext uri="{386F3935-93C4-4BCD-93E2-E3B085C9AB24}">
+                <p16:designElem xmlns:p16="http://schemas.microsoft.com/office/powerpoint/2015/main" val="1"/>
+              </p:ext>
+            </p:extLst>
+          </p:nvPr>
+        </p:nvCxnSpPr>
+        <p:spPr>
+          <a:xfrm>
+            <a:off x="4656670" y="1442595"/>
+            <a:ext cx="0" cy="3937000"/>
+          </a:xfrm>
+          <a:prstGeom prst="line">
+            <a:avLst/>
+          </a:prstGeom>
+        </p:spPr>
+        <p:style>
+          <a:lnRef idx="1">
+            <a:schemeClr val="accent1"/>
+          </a:lnRef>
+          <a:fillRef idx="0">
+            <a:schemeClr val="accent1"/>
+          </a:fillRef>
+          <a:effectRef idx="0">
+            <a:schemeClr val="accent1"/>
+          </a:effectRef>
+          <a:fontRef idx="minor">
+            <a:schemeClr val="tx1"/>
+          </a:fontRef>
+        </p:style>
+      </p:cxnSp>
+      <p:sp>
+        <p:nvSpPr>
+          <p:cNvPr id="30" name="Isosceles Triangle 29">
+            <a:extLst>
+              <a:ext uri="{FF2B5EF4-FFF2-40B4-BE49-F238E27FC236}">
+                <a16:creationId xmlns:a16="http://schemas.microsoft.com/office/drawing/2014/main" id="{F10FD715-4DCE-4779-B634-EC78315EA213}"/>
+              </a:ext>
+              <a:ext uri="{C183D7F6-B498-43B3-948B-1728B52AA6E4}">
+                <adec:decorative xmlns:adec="http://schemas.microsoft.com/office/drawing/2017/decorative" val="1"/>
+              </a:ext>
+            </a:extLst>
+          </p:cNvPr>
+          <p:cNvSpPr>
+            <a:spLocks noGrp="1" noRot="1" noChangeAspect="1" noMove="1" noResize="1" noEditPoints="1" noAdjustHandles="1" noChangeArrowheads="1" noChangeShapeType="1" noTextEdit="1"/>
+          </p:cNvSpPr>
+          <p:nvPr>
+            <p:extLst>
+              <p:ext uri="{386F3935-93C4-4BCD-93E2-E3B085C9AB24}">
+                <p16:designElem xmlns:p16="http://schemas.microsoft.com/office/powerpoint/2015/main" val="1"/>
+              </p:ext>
+            </p:extLst>
+          </p:nvPr>
+        </p:nvSpPr>
+        <p:spPr>
+          <a:xfrm rot="10800000" flipH="1">
+            <a:off x="11364139" y="0"/>
+            <a:ext cx="842596" cy="4616289"/>
+          </a:xfrm>
+          <a:prstGeom prst="triangle">
+            <a:avLst>
+              <a:gd name="adj" fmla="val 100000"/>
+            </a:avLst>
+          </a:prstGeom>
+          <a:solidFill>
+            <a:schemeClr val="accent2"/>
+          </a:solidFill>
+          <a:ln>
+            <a:noFill/>
+          </a:ln>
+          <a:effectLst/>
+        </p:spPr>
+        <p:style>
+          <a:lnRef idx="1">
+            <a:schemeClr val="accent1"/>
+          </a:lnRef>
+          <a:fillRef idx="3">
+            <a:schemeClr val="accent1"/>
+          </a:fillRef>
+          <a:effectRef idx="2">
+            <a:schemeClr val="accent1"/>
+          </a:effectRef>
+          <a:fontRef idx="minor">
+            <a:schemeClr val="lt1"/>
+          </a:fontRef>
+        </p:style>
+        <p:txBody>
+          <a:bodyPr/>
+          <a:lstStyle/>
+          <a:p>
+            <a:endParaRPr lang="de-CH"/>
+          </a:p>
+        </p:txBody>
+      </p:sp>
+      <p:pic>
+        <p:nvPicPr>
+          <p:cNvPr id="8" name="Picture 7">
+            <a:extLst>
+              <a:ext uri="{FF2B5EF4-FFF2-40B4-BE49-F238E27FC236}">
+                <a16:creationId xmlns:a16="http://schemas.microsoft.com/office/drawing/2014/main" id="{6C9499CF-BD20-4771-E645-025103B36BE4}"/>
+              </a:ext>
+            </a:extLst>
+          </p:cNvPr>
+          <p:cNvPicPr>
+            <a:picLocks noChangeAspect="1"/>
+          </p:cNvPicPr>
+          <p:nvPr/>
+        </p:nvPicPr>
+        <p:blipFill>
+          <a:blip r:embed="rId2"/>
+          <a:stretch>
+            <a:fillRect/>
+          </a:stretch>
+        </p:blipFill>
+        <p:spPr>
+          <a:xfrm>
+            <a:off x="4939813" y="3741545"/>
+            <a:ext cx="6550816" cy="2321072"/>
+          </a:xfrm>
+          <a:prstGeom prst="rect">
+            <a:avLst/>
+          </a:prstGeom>
+        </p:spPr>
+      </p:pic>
+      <p:pic>
+        <p:nvPicPr>
+          <p:cNvPr id="10" name="Picture 9">
+            <a:extLst>
+              <a:ext uri="{FF2B5EF4-FFF2-40B4-BE49-F238E27FC236}">
+                <a16:creationId xmlns:a16="http://schemas.microsoft.com/office/drawing/2014/main" id="{614DA59A-E600-42BE-0D69-8DAB60BB87B9}"/>
+              </a:ext>
+            </a:extLst>
+          </p:cNvPr>
+          <p:cNvPicPr>
+            <a:picLocks noChangeAspect="1"/>
+          </p:cNvPicPr>
+          <p:nvPr/>
+        </p:nvPicPr>
+        <p:blipFill>
+          <a:blip r:embed="rId3"/>
+          <a:stretch>
+            <a:fillRect/>
+          </a:stretch>
+        </p:blipFill>
+        <p:spPr>
+          <a:xfrm>
+            <a:off x="6176463" y="813801"/>
+            <a:ext cx="4077516" cy="2492791"/>
+          </a:xfrm>
+          <a:prstGeom prst="rect">
+            <a:avLst/>
+          </a:prstGeom>
+        </p:spPr>
+      </p:pic>
     </p:spTree>
     <p:extLst>
       <p:ext uri="{BB962C8B-B14F-4D97-AF65-F5344CB8AC3E}">
@@ -6164,6 +11384,14 @@
 <file path=ppt/slides/slide6.xml><?xml version="1.0" encoding="utf-8"?>
 <p:sld xmlns:a="http://schemas.openxmlformats.org/drawingml/2006/main" xmlns:r="http://schemas.openxmlformats.org/officeDocument/2006/relationships" xmlns:p="http://schemas.openxmlformats.org/presentationml/2006/main">
   <p:cSld>
+    <p:bg>
+      <p:bgPr>
+        <a:solidFill>
+          <a:schemeClr val="bg1"/>
+        </a:solidFill>
+        <a:effectLst/>
+      </p:bgPr>
+    </p:bg>
     <p:spTree>
       <p:nvGrpSpPr>
         <p:cNvPr id="1" name=""/>
@@ -6178,12 +11406,788 @@
           <a:chExt cx="0" cy="0"/>
         </a:xfrm>
       </p:grpSpPr>
+      <p:grpSp>
+        <p:nvGrpSpPr>
+          <p:cNvPr id="51" name="Group 50">
+            <a:extLst>
+              <a:ext uri="{FF2B5EF4-FFF2-40B4-BE49-F238E27FC236}">
+                <a16:creationId xmlns:a16="http://schemas.microsoft.com/office/drawing/2014/main" id="{6CC33B2B-B475-4189-BA8F-3CF8248DC685}"/>
+              </a:ext>
+              <a:ext uri="{C183D7F6-B498-43B3-948B-1728B52AA6E4}">
+                <adec:decorative xmlns:adec="http://schemas.microsoft.com/office/drawing/2017/decorative" val="1"/>
+              </a:ext>
+            </a:extLst>
+          </p:cNvPr>
+          <p:cNvGrpSpPr>
+            <a:grpSpLocks noGrp="1" noUngrp="1" noRot="1" noChangeAspect="1" noMove="1" noResize="1"/>
+          </p:cNvGrpSpPr>
+          <p:nvPr>
+            <p:extLst>
+              <p:ext uri="{386F3935-93C4-4BCD-93E2-E3B085C9AB24}">
+                <p16:designElem xmlns:p16="http://schemas.microsoft.com/office/powerpoint/2015/main" val="1"/>
+              </p:ext>
+            </p:extLst>
+          </p:nvPr>
+        </p:nvGrpSpPr>
+        <p:grpSpPr>
+          <a:xfrm>
+            <a:off x="0" y="-8467"/>
+            <a:ext cx="12192000" cy="6866467"/>
+            <a:chOff x="0" y="-8467"/>
+            <a:chExt cx="12192000" cy="6866467"/>
+          </a:xfrm>
+        </p:grpSpPr>
+        <p:sp>
+          <p:nvSpPr>
+            <p:cNvPr id="52" name="Freeform 14">
+              <a:extLst>
+                <a:ext uri="{FF2B5EF4-FFF2-40B4-BE49-F238E27FC236}">
+                  <a16:creationId xmlns:a16="http://schemas.microsoft.com/office/drawing/2014/main" id="{A59AAC92-4932-4D74-A545-BA3EEE56D476}"/>
+                </a:ext>
+                <a:ext uri="{C183D7F6-B498-43B3-948B-1728B52AA6E4}">
+                  <adec:decorative xmlns:adec="http://schemas.microsoft.com/office/drawing/2017/decorative" val="1"/>
+                </a:ext>
+              </a:extLst>
+            </p:cNvPr>
+            <p:cNvSpPr/>
+            <p:nvPr>
+              <p:extLst>
+                <p:ext uri="{386F3935-93C4-4BCD-93E2-E3B085C9AB24}">
+                  <p16:designElem xmlns:p16="http://schemas.microsoft.com/office/powerpoint/2015/main" val="1"/>
+                </p:ext>
+              </p:extLst>
+            </p:nvPr>
+          </p:nvSpPr>
+          <p:spPr>
+            <a:xfrm>
+              <a:off x="0" y="-7862"/>
+              <a:ext cx="863600" cy="5698067"/>
+            </a:xfrm>
+            <a:custGeom>
+              <a:avLst/>
+              <a:gdLst/>
+              <a:ahLst/>
+              <a:cxnLst/>
+              <a:rect l="l" t="t" r="r" b="b"/>
+              <a:pathLst>
+                <a:path w="863600" h="5698067">
+                  <a:moveTo>
+                    <a:pt x="0" y="8467"/>
+                  </a:moveTo>
+                  <a:lnTo>
+                    <a:pt x="863600" y="0"/>
+                  </a:lnTo>
+                  <a:lnTo>
+                    <a:pt x="863600" y="16934"/>
+                  </a:lnTo>
+                  <a:lnTo>
+                    <a:pt x="0" y="5698067"/>
+                  </a:lnTo>
+                  <a:lnTo>
+                    <a:pt x="0" y="8467"/>
+                  </a:lnTo>
+                  <a:close/>
+                </a:path>
+              </a:pathLst>
+            </a:custGeom>
+            <a:solidFill>
+              <a:schemeClr val="accent1">
+                <a:alpha val="70000"/>
+              </a:schemeClr>
+            </a:solidFill>
+            <a:ln>
+              <a:noFill/>
+            </a:ln>
+            <a:effectLst/>
+          </p:spPr>
+          <p:style>
+            <a:lnRef idx="1">
+              <a:schemeClr val="accent1"/>
+            </a:lnRef>
+            <a:fillRef idx="3">
+              <a:schemeClr val="accent1"/>
+            </a:fillRef>
+            <a:effectRef idx="2">
+              <a:schemeClr val="accent1"/>
+            </a:effectRef>
+            <a:fontRef idx="minor">
+              <a:schemeClr val="lt1"/>
+            </a:fontRef>
+          </p:style>
+          <p:txBody>
+            <a:bodyPr/>
+            <a:lstStyle/>
+            <a:p>
+              <a:endParaRPr lang="de-CH"/>
+            </a:p>
+          </p:txBody>
+        </p:sp>
+        <p:cxnSp>
+          <p:nvCxnSpPr>
+            <p:cNvPr id="41" name="Straight Connector 40">
+              <a:extLst>
+                <a:ext uri="{FF2B5EF4-FFF2-40B4-BE49-F238E27FC236}">
+                  <a16:creationId xmlns:a16="http://schemas.microsoft.com/office/drawing/2014/main" id="{B8446528-FA87-4017-B061-CF7EE79FA240}"/>
+                </a:ext>
+                <a:ext uri="{C183D7F6-B498-43B3-948B-1728B52AA6E4}">
+                  <adec:decorative xmlns:adec="http://schemas.microsoft.com/office/drawing/2017/decorative" val="1"/>
+                </a:ext>
+              </a:extLst>
+            </p:cNvPr>
+            <p:cNvCxnSpPr/>
+            <p:nvPr>
+              <p:extLst>
+                <p:ext uri="{386F3935-93C4-4BCD-93E2-E3B085C9AB24}">
+                  <p16:designElem xmlns:p16="http://schemas.microsoft.com/office/powerpoint/2015/main" val="1"/>
+                </p:ext>
+              </p:extLst>
+            </p:nvPr>
+          </p:nvCxnSpPr>
+          <p:spPr>
+            <a:xfrm>
+              <a:off x="9371012" y="0"/>
+              <a:ext cx="1219200" cy="6858000"/>
+            </a:xfrm>
+            <a:prstGeom prst="line">
+              <a:avLst/>
+            </a:prstGeom>
+            <a:ln w="9525">
+              <a:solidFill>
+                <a:schemeClr val="accent1">
+                  <a:alpha val="70000"/>
+                </a:schemeClr>
+              </a:solidFill>
+            </a:ln>
+          </p:spPr>
+          <p:style>
+            <a:lnRef idx="2">
+              <a:schemeClr val="accent1"/>
+            </a:lnRef>
+            <a:fillRef idx="0">
+              <a:schemeClr val="accent1"/>
+            </a:fillRef>
+            <a:effectRef idx="1">
+              <a:schemeClr val="accent1"/>
+            </a:effectRef>
+            <a:fontRef idx="minor">
+              <a:schemeClr val="tx1"/>
+            </a:fontRef>
+          </p:style>
+        </p:cxnSp>
+        <p:cxnSp>
+          <p:nvCxnSpPr>
+            <p:cNvPr id="42" name="Straight Connector 41">
+              <a:extLst>
+                <a:ext uri="{FF2B5EF4-FFF2-40B4-BE49-F238E27FC236}">
+                  <a16:creationId xmlns:a16="http://schemas.microsoft.com/office/drawing/2014/main" id="{34D4B4D0-2493-42A2-AEEB-9970A64E8BCE}"/>
+                </a:ext>
+                <a:ext uri="{C183D7F6-B498-43B3-948B-1728B52AA6E4}">
+                  <adec:decorative xmlns:adec="http://schemas.microsoft.com/office/drawing/2017/decorative" val="1"/>
+                </a:ext>
+              </a:extLst>
+            </p:cNvPr>
+            <p:cNvCxnSpPr/>
+            <p:nvPr>
+              <p:extLst>
+                <p:ext uri="{386F3935-93C4-4BCD-93E2-E3B085C9AB24}">
+                  <p16:designElem xmlns:p16="http://schemas.microsoft.com/office/powerpoint/2015/main" val="1"/>
+                </p:ext>
+              </p:extLst>
+            </p:nvPr>
+          </p:nvCxnSpPr>
+          <p:spPr>
+            <a:xfrm flipH="1">
+              <a:off x="7425267" y="3681413"/>
+              <a:ext cx="4763558" cy="3176587"/>
+            </a:xfrm>
+            <a:prstGeom prst="line">
+              <a:avLst/>
+            </a:prstGeom>
+            <a:ln w="9525">
+              <a:solidFill>
+                <a:schemeClr val="accent1">
+                  <a:alpha val="70000"/>
+                </a:schemeClr>
+              </a:solidFill>
+            </a:ln>
+          </p:spPr>
+          <p:style>
+            <a:lnRef idx="2">
+              <a:schemeClr val="accent1"/>
+            </a:lnRef>
+            <a:fillRef idx="0">
+              <a:schemeClr val="accent1"/>
+            </a:fillRef>
+            <a:effectRef idx="1">
+              <a:schemeClr val="accent1"/>
+            </a:effectRef>
+            <a:fontRef idx="minor">
+              <a:schemeClr val="tx1"/>
+            </a:fontRef>
+          </p:style>
+        </p:cxnSp>
+        <p:sp>
+          <p:nvSpPr>
+            <p:cNvPr id="53" name="Rectangle 23">
+              <a:extLst>
+                <a:ext uri="{FF2B5EF4-FFF2-40B4-BE49-F238E27FC236}">
+                  <a16:creationId xmlns:a16="http://schemas.microsoft.com/office/drawing/2014/main" id="{676E13B7-7CB7-4489-914B-4012EE6EBF36}"/>
+                </a:ext>
+                <a:ext uri="{C183D7F6-B498-43B3-948B-1728B52AA6E4}">
+                  <adec:decorative xmlns:adec="http://schemas.microsoft.com/office/drawing/2017/decorative" val="1"/>
+                </a:ext>
+              </a:extLst>
+            </p:cNvPr>
+            <p:cNvSpPr/>
+            <p:nvPr>
+              <p:extLst>
+                <p:ext uri="{386F3935-93C4-4BCD-93E2-E3B085C9AB24}">
+                  <p16:designElem xmlns:p16="http://schemas.microsoft.com/office/powerpoint/2015/main" val="1"/>
+                </p:ext>
+              </p:extLst>
+            </p:nvPr>
+          </p:nvSpPr>
+          <p:spPr>
+            <a:xfrm>
+              <a:off x="9181476" y="-8467"/>
+              <a:ext cx="3007349" cy="6866467"/>
+            </a:xfrm>
+            <a:custGeom>
+              <a:avLst/>
+              <a:gdLst/>
+              <a:ahLst/>
+              <a:cxnLst/>
+              <a:rect l="l" t="t" r="r" b="b"/>
+              <a:pathLst>
+                <a:path w="3007349" h="6866467">
+                  <a:moveTo>
+                    <a:pt x="2045532" y="0"/>
+                  </a:moveTo>
+                  <a:lnTo>
+                    <a:pt x="3007349" y="0"/>
+                  </a:lnTo>
+                  <a:lnTo>
+                    <a:pt x="3007349" y="6866467"/>
+                  </a:lnTo>
+                  <a:lnTo>
+                    <a:pt x="0" y="6866467"/>
+                  </a:lnTo>
+                  <a:lnTo>
+                    <a:pt x="2045532" y="0"/>
+                  </a:lnTo>
+                  <a:close/>
+                </a:path>
+              </a:pathLst>
+            </a:custGeom>
+            <a:solidFill>
+              <a:schemeClr val="accent1">
+                <a:alpha val="36000"/>
+              </a:schemeClr>
+            </a:solidFill>
+            <a:ln>
+              <a:noFill/>
+            </a:ln>
+            <a:effectLst/>
+          </p:spPr>
+          <p:style>
+            <a:lnRef idx="1">
+              <a:schemeClr val="accent1"/>
+            </a:lnRef>
+            <a:fillRef idx="3">
+              <a:schemeClr val="accent1"/>
+            </a:fillRef>
+            <a:effectRef idx="2">
+              <a:schemeClr val="accent1"/>
+            </a:effectRef>
+            <a:fontRef idx="minor">
+              <a:schemeClr val="lt1"/>
+            </a:fontRef>
+          </p:style>
+          <p:txBody>
+            <a:bodyPr/>
+            <a:lstStyle/>
+            <a:p>
+              <a:endParaRPr lang="de-CH"/>
+            </a:p>
+          </p:txBody>
+        </p:sp>
+        <p:sp>
+          <p:nvSpPr>
+            <p:cNvPr id="54" name="Rectangle 25">
+              <a:extLst>
+                <a:ext uri="{FF2B5EF4-FFF2-40B4-BE49-F238E27FC236}">
+                  <a16:creationId xmlns:a16="http://schemas.microsoft.com/office/drawing/2014/main" id="{F2159841-C096-430C-B748-E8D2A5C994FF}"/>
+                </a:ext>
+                <a:ext uri="{C183D7F6-B498-43B3-948B-1728B52AA6E4}">
+                  <adec:decorative xmlns:adec="http://schemas.microsoft.com/office/drawing/2017/decorative" val="1"/>
+                </a:ext>
+              </a:extLst>
+            </p:cNvPr>
+            <p:cNvSpPr/>
+            <p:nvPr>
+              <p:extLst>
+                <p:ext uri="{386F3935-93C4-4BCD-93E2-E3B085C9AB24}">
+                  <p16:designElem xmlns:p16="http://schemas.microsoft.com/office/powerpoint/2015/main" val="1"/>
+                </p:ext>
+              </p:extLst>
+            </p:nvPr>
+          </p:nvSpPr>
+          <p:spPr>
+            <a:xfrm>
+              <a:off x="9603442" y="-8467"/>
+              <a:ext cx="2588558" cy="6866467"/>
+            </a:xfrm>
+            <a:custGeom>
+              <a:avLst/>
+              <a:gdLst/>
+              <a:ahLst/>
+              <a:cxnLst/>
+              <a:rect l="l" t="t" r="r" b="b"/>
+              <a:pathLst>
+                <a:path w="2573311" h="6866467">
+                  <a:moveTo>
+                    <a:pt x="0" y="0"/>
+                  </a:moveTo>
+                  <a:lnTo>
+                    <a:pt x="2573311" y="0"/>
+                  </a:lnTo>
+                  <a:lnTo>
+                    <a:pt x="2573311" y="6866467"/>
+                  </a:lnTo>
+                  <a:lnTo>
+                    <a:pt x="1202336" y="6866467"/>
+                  </a:lnTo>
+                  <a:lnTo>
+                    <a:pt x="0" y="0"/>
+                  </a:lnTo>
+                  <a:close/>
+                </a:path>
+              </a:pathLst>
+            </a:custGeom>
+            <a:solidFill>
+              <a:schemeClr val="accent1">
+                <a:alpha val="20000"/>
+              </a:schemeClr>
+            </a:solidFill>
+            <a:ln>
+              <a:noFill/>
+            </a:ln>
+            <a:effectLst/>
+          </p:spPr>
+          <p:style>
+            <a:lnRef idx="1">
+              <a:schemeClr val="accent1"/>
+            </a:lnRef>
+            <a:fillRef idx="3">
+              <a:schemeClr val="accent1"/>
+            </a:fillRef>
+            <a:effectRef idx="2">
+              <a:schemeClr val="accent1"/>
+            </a:effectRef>
+            <a:fontRef idx="minor">
+              <a:schemeClr val="lt1"/>
+            </a:fontRef>
+          </p:style>
+          <p:txBody>
+            <a:bodyPr/>
+            <a:lstStyle/>
+            <a:p>
+              <a:endParaRPr lang="de-CH"/>
+            </a:p>
+          </p:txBody>
+        </p:sp>
+        <p:sp>
+          <p:nvSpPr>
+            <p:cNvPr id="55" name="Isosceles Triangle 54">
+              <a:extLst>
+                <a:ext uri="{FF2B5EF4-FFF2-40B4-BE49-F238E27FC236}">
+                  <a16:creationId xmlns:a16="http://schemas.microsoft.com/office/drawing/2014/main" id="{B4F167EF-5A0C-487E-8776-97310E39E012}"/>
+                </a:ext>
+                <a:ext uri="{C183D7F6-B498-43B3-948B-1728B52AA6E4}">
+                  <adec:decorative xmlns:adec="http://schemas.microsoft.com/office/drawing/2017/decorative" val="1"/>
+                </a:ext>
+              </a:extLst>
+            </p:cNvPr>
+            <p:cNvSpPr/>
+            <p:nvPr>
+              <p:extLst>
+                <p:ext uri="{386F3935-93C4-4BCD-93E2-E3B085C9AB24}">
+                  <p16:designElem xmlns:p16="http://schemas.microsoft.com/office/powerpoint/2015/main" val="1"/>
+                </p:ext>
+              </p:extLst>
+            </p:nvPr>
+          </p:nvSpPr>
+          <p:spPr>
+            <a:xfrm>
+              <a:off x="8932333" y="3048000"/>
+              <a:ext cx="3259667" cy="3810000"/>
+            </a:xfrm>
+            <a:prstGeom prst="triangle">
+              <a:avLst>
+                <a:gd name="adj" fmla="val 100000"/>
+              </a:avLst>
+            </a:prstGeom>
+            <a:solidFill>
+              <a:schemeClr val="accent1">
+                <a:lumMod val="75000"/>
+                <a:alpha val="66000"/>
+              </a:schemeClr>
+            </a:solidFill>
+            <a:ln>
+              <a:noFill/>
+            </a:ln>
+            <a:effectLst/>
+          </p:spPr>
+          <p:style>
+            <a:lnRef idx="1">
+              <a:schemeClr val="accent1"/>
+            </a:lnRef>
+            <a:fillRef idx="3">
+              <a:schemeClr val="accent1"/>
+            </a:fillRef>
+            <a:effectRef idx="2">
+              <a:schemeClr val="accent1"/>
+            </a:effectRef>
+            <a:fontRef idx="minor">
+              <a:schemeClr val="lt1"/>
+            </a:fontRef>
+          </p:style>
+          <p:txBody>
+            <a:bodyPr/>
+            <a:lstStyle/>
+            <a:p>
+              <a:endParaRPr lang="de-CH"/>
+            </a:p>
+          </p:txBody>
+        </p:sp>
+        <p:sp>
+          <p:nvSpPr>
+            <p:cNvPr id="56" name="Rectangle 27">
+              <a:extLst>
+                <a:ext uri="{FF2B5EF4-FFF2-40B4-BE49-F238E27FC236}">
+                  <a16:creationId xmlns:a16="http://schemas.microsoft.com/office/drawing/2014/main" id="{9D8C053F-F025-4CB6-94C4-2841A20D68E0}"/>
+                </a:ext>
+                <a:ext uri="{C183D7F6-B498-43B3-948B-1728B52AA6E4}">
+                  <adec:decorative xmlns:adec="http://schemas.microsoft.com/office/drawing/2017/decorative" val="1"/>
+                </a:ext>
+              </a:extLst>
+            </p:cNvPr>
+            <p:cNvSpPr/>
+            <p:nvPr>
+              <p:extLst>
+                <p:ext uri="{386F3935-93C4-4BCD-93E2-E3B085C9AB24}">
+                  <p16:designElem xmlns:p16="http://schemas.microsoft.com/office/powerpoint/2015/main" val="1"/>
+                </p:ext>
+              </p:extLst>
+            </p:nvPr>
+          </p:nvSpPr>
+          <p:spPr>
+            <a:xfrm>
+              <a:off x="9334500" y="-8467"/>
+              <a:ext cx="2854326" cy="6866467"/>
+            </a:xfrm>
+            <a:custGeom>
+              <a:avLst/>
+              <a:gdLst/>
+              <a:ahLst/>
+              <a:cxnLst/>
+              <a:rect l="l" t="t" r="r" b="b"/>
+              <a:pathLst>
+                <a:path w="2858013" h="6866467">
+                  <a:moveTo>
+                    <a:pt x="0" y="0"/>
+                  </a:moveTo>
+                  <a:lnTo>
+                    <a:pt x="2858013" y="0"/>
+                  </a:lnTo>
+                  <a:lnTo>
+                    <a:pt x="2858013" y="6866467"/>
+                  </a:lnTo>
+                  <a:lnTo>
+                    <a:pt x="2473942" y="6866467"/>
+                  </a:lnTo>
+                  <a:lnTo>
+                    <a:pt x="0" y="0"/>
+                  </a:lnTo>
+                  <a:close/>
+                </a:path>
+              </a:pathLst>
+            </a:custGeom>
+            <a:solidFill>
+              <a:schemeClr val="accent1">
+                <a:lumMod val="75000"/>
+                <a:alpha val="50000"/>
+              </a:schemeClr>
+            </a:solidFill>
+            <a:ln>
+              <a:noFill/>
+            </a:ln>
+            <a:effectLst/>
+          </p:spPr>
+          <p:style>
+            <a:lnRef idx="1">
+              <a:schemeClr val="accent1"/>
+            </a:lnRef>
+            <a:fillRef idx="3">
+              <a:schemeClr val="accent1"/>
+            </a:fillRef>
+            <a:effectRef idx="2">
+              <a:schemeClr val="accent1"/>
+            </a:effectRef>
+            <a:fontRef idx="minor">
+              <a:schemeClr val="lt1"/>
+            </a:fontRef>
+          </p:style>
+          <p:txBody>
+            <a:bodyPr/>
+            <a:lstStyle/>
+            <a:p>
+              <a:endParaRPr lang="de-CH"/>
+            </a:p>
+          </p:txBody>
+        </p:sp>
+        <p:sp>
+          <p:nvSpPr>
+            <p:cNvPr id="57" name="Rectangle 28">
+              <a:extLst>
+                <a:ext uri="{FF2B5EF4-FFF2-40B4-BE49-F238E27FC236}">
+                  <a16:creationId xmlns:a16="http://schemas.microsoft.com/office/drawing/2014/main" id="{78581BD0-3E75-48CB-A2A3-44DB1ACB66AE}"/>
+                </a:ext>
+                <a:ext uri="{C183D7F6-B498-43B3-948B-1728B52AA6E4}">
+                  <adec:decorative xmlns:adec="http://schemas.microsoft.com/office/drawing/2017/decorative" val="1"/>
+                </a:ext>
+              </a:extLst>
+            </p:cNvPr>
+            <p:cNvSpPr/>
+            <p:nvPr>
+              <p:extLst>
+                <p:ext uri="{386F3935-93C4-4BCD-93E2-E3B085C9AB24}">
+                  <p16:designElem xmlns:p16="http://schemas.microsoft.com/office/powerpoint/2015/main" val="1"/>
+                </p:ext>
+              </p:extLst>
+            </p:nvPr>
+          </p:nvSpPr>
+          <p:spPr>
+            <a:xfrm>
+              <a:off x="10898730" y="-8467"/>
+              <a:ext cx="1290094" cy="6866467"/>
+            </a:xfrm>
+            <a:custGeom>
+              <a:avLst/>
+              <a:gdLst/>
+              <a:ahLst/>
+              <a:cxnLst/>
+              <a:rect l="l" t="t" r="r" b="b"/>
+              <a:pathLst>
+                <a:path w="1290094" h="6858000">
+                  <a:moveTo>
+                    <a:pt x="1019735" y="0"/>
+                  </a:moveTo>
+                  <a:lnTo>
+                    <a:pt x="1290094" y="0"/>
+                  </a:lnTo>
+                  <a:lnTo>
+                    <a:pt x="1290094" y="6858000"/>
+                  </a:lnTo>
+                  <a:lnTo>
+                    <a:pt x="0" y="6858000"/>
+                  </a:lnTo>
+                  <a:lnTo>
+                    <a:pt x="1019735" y="0"/>
+                  </a:lnTo>
+                  <a:close/>
+                </a:path>
+              </a:pathLst>
+            </a:custGeom>
+            <a:solidFill>
+              <a:schemeClr val="accent2">
+                <a:alpha val="70000"/>
+              </a:schemeClr>
+            </a:solidFill>
+            <a:ln>
+              <a:noFill/>
+            </a:ln>
+            <a:effectLst/>
+          </p:spPr>
+          <p:style>
+            <a:lnRef idx="1">
+              <a:schemeClr val="accent1"/>
+            </a:lnRef>
+            <a:fillRef idx="3">
+              <a:schemeClr val="accent1"/>
+            </a:fillRef>
+            <a:effectRef idx="2">
+              <a:schemeClr val="accent1"/>
+            </a:effectRef>
+            <a:fontRef idx="minor">
+              <a:schemeClr val="lt1"/>
+            </a:fontRef>
+          </p:style>
+          <p:txBody>
+            <a:bodyPr/>
+            <a:lstStyle/>
+            <a:p>
+              <a:endParaRPr lang="de-CH"/>
+            </a:p>
+          </p:txBody>
+        </p:sp>
+        <p:sp>
+          <p:nvSpPr>
+            <p:cNvPr id="58" name="Rectangle 29">
+              <a:extLst>
+                <a:ext uri="{FF2B5EF4-FFF2-40B4-BE49-F238E27FC236}">
+                  <a16:creationId xmlns:a16="http://schemas.microsoft.com/office/drawing/2014/main" id="{E90D466A-AB95-4676-82CB-3BEC98AFF832}"/>
+                </a:ext>
+                <a:ext uri="{C183D7F6-B498-43B3-948B-1728B52AA6E4}">
+                  <adec:decorative xmlns:adec="http://schemas.microsoft.com/office/drawing/2017/decorative" val="1"/>
+                </a:ext>
+              </a:extLst>
+            </p:cNvPr>
+            <p:cNvSpPr/>
+            <p:nvPr>
+              <p:extLst>
+                <p:ext uri="{386F3935-93C4-4BCD-93E2-E3B085C9AB24}">
+                  <p16:designElem xmlns:p16="http://schemas.microsoft.com/office/powerpoint/2015/main" val="1"/>
+                </p:ext>
+              </p:extLst>
+            </p:nvPr>
+          </p:nvSpPr>
+          <p:spPr>
+            <a:xfrm>
+              <a:off x="10938999" y="-8467"/>
+              <a:ext cx="1249825" cy="6866467"/>
+            </a:xfrm>
+            <a:custGeom>
+              <a:avLst/>
+              <a:gdLst/>
+              <a:ahLst/>
+              <a:cxnLst/>
+              <a:rect l="l" t="t" r="r" b="b"/>
+              <a:pathLst>
+                <a:path w="1249825" h="6858000">
+                  <a:moveTo>
+                    <a:pt x="0" y="0"/>
+                  </a:moveTo>
+                  <a:lnTo>
+                    <a:pt x="1249825" y="0"/>
+                  </a:lnTo>
+                  <a:lnTo>
+                    <a:pt x="1249825" y="6858000"/>
+                  </a:lnTo>
+                  <a:lnTo>
+                    <a:pt x="1109382" y="6858000"/>
+                  </a:lnTo>
+                  <a:lnTo>
+                    <a:pt x="0" y="0"/>
+                  </a:lnTo>
+                  <a:close/>
+                </a:path>
+              </a:pathLst>
+            </a:custGeom>
+            <a:solidFill>
+              <a:schemeClr val="accent2">
+                <a:lumMod val="75000"/>
+                <a:alpha val="80000"/>
+              </a:schemeClr>
+            </a:solidFill>
+            <a:ln>
+              <a:noFill/>
+            </a:ln>
+            <a:effectLst/>
+          </p:spPr>
+          <p:style>
+            <a:lnRef idx="1">
+              <a:schemeClr val="accent1"/>
+            </a:lnRef>
+            <a:fillRef idx="3">
+              <a:schemeClr val="accent1"/>
+            </a:fillRef>
+            <a:effectRef idx="2">
+              <a:schemeClr val="accent1"/>
+            </a:effectRef>
+            <a:fontRef idx="minor">
+              <a:schemeClr val="lt1"/>
+            </a:fontRef>
+          </p:style>
+          <p:txBody>
+            <a:bodyPr/>
+            <a:lstStyle/>
+            <a:p>
+              <a:endParaRPr lang="de-CH"/>
+            </a:p>
+          </p:txBody>
+        </p:sp>
+        <p:sp>
+          <p:nvSpPr>
+            <p:cNvPr id="59" name="Isosceles Triangle 58">
+              <a:extLst>
+                <a:ext uri="{FF2B5EF4-FFF2-40B4-BE49-F238E27FC236}">
+                  <a16:creationId xmlns:a16="http://schemas.microsoft.com/office/drawing/2014/main" id="{3AFED863-874C-49D9-AE2F-B9DFF00D5690}"/>
+                </a:ext>
+                <a:ext uri="{C183D7F6-B498-43B3-948B-1728B52AA6E4}">
+                  <adec:decorative xmlns:adec="http://schemas.microsoft.com/office/drawing/2017/decorative" val="1"/>
+                </a:ext>
+              </a:extLst>
+            </p:cNvPr>
+            <p:cNvSpPr/>
+            <p:nvPr>
+              <p:extLst>
+                <p:ext uri="{386F3935-93C4-4BCD-93E2-E3B085C9AB24}">
+                  <p16:designElem xmlns:p16="http://schemas.microsoft.com/office/powerpoint/2015/main" val="1"/>
+                </p:ext>
+              </p:extLst>
+            </p:nvPr>
+          </p:nvSpPr>
+          <p:spPr>
+            <a:xfrm>
+              <a:off x="10371666" y="3589867"/>
+              <a:ext cx="1817159" cy="3268133"/>
+            </a:xfrm>
+            <a:prstGeom prst="triangle">
+              <a:avLst>
+                <a:gd name="adj" fmla="val 100000"/>
+              </a:avLst>
+            </a:prstGeom>
+            <a:solidFill>
+              <a:schemeClr val="accent1">
+                <a:lumMod val="75000"/>
+                <a:alpha val="66000"/>
+              </a:schemeClr>
+            </a:solidFill>
+            <a:ln>
+              <a:noFill/>
+            </a:ln>
+            <a:effectLst/>
+          </p:spPr>
+          <p:style>
+            <a:lnRef idx="1">
+              <a:schemeClr val="accent1"/>
+            </a:lnRef>
+            <a:fillRef idx="3">
+              <a:schemeClr val="accent1"/>
+            </a:fillRef>
+            <a:effectRef idx="2">
+              <a:schemeClr val="accent1"/>
+            </a:effectRef>
+            <a:fontRef idx="minor">
+              <a:schemeClr val="lt1"/>
+            </a:fontRef>
+          </p:style>
+          <p:txBody>
+            <a:bodyPr/>
+            <a:lstStyle/>
+            <a:p>
+              <a:endParaRPr lang="de-CH"/>
+            </a:p>
+          </p:txBody>
+        </p:sp>
+      </p:grpSp>
       <p:sp>
         <p:nvSpPr>
           <p:cNvPr id="2" name="Title 1">
             <a:extLst>
               <a:ext uri="{FF2B5EF4-FFF2-40B4-BE49-F238E27FC236}">
-                <a16:creationId xmlns:a16="http://schemas.microsoft.com/office/drawing/2014/main" id="{A784F5BC-F20A-08BD-4482-32C937F963EC}"/>
+                <a16:creationId xmlns:a16="http://schemas.microsoft.com/office/drawing/2014/main" id="{3FBF527E-D9A2-FDD0-1100-0CEA8163404D}"/>
               </a:ext>
             </a:extLst>
           </p:cNvPr>
@@ -6194,47 +12198,89 @@
             <p:ph type="title"/>
           </p:nvPr>
         </p:nvSpPr>
-        <p:spPr/>
+        <p:spPr>
+          <a:xfrm>
+            <a:off x="890423" y="1722427"/>
+            <a:ext cx="4410720" cy="2328409"/>
+          </a:xfrm>
+        </p:spPr>
         <p:txBody>
-          <a:bodyPr/>
+          <a:bodyPr vert="horz" lIns="91440" tIns="45720" rIns="91440" bIns="45720" rtlCol="0" anchor="b">
+            <a:normAutofit/>
+          </a:bodyPr>
           <a:lstStyle/>
           <a:p>
             <a:r>
-              <a:rPr lang="de-CH" dirty="0"/>
-              <a:t>Pros/Contras</a:t>
+              <a:rPr lang="en-US" sz="3800"/>
+              <a:t>Herausforderungen</a:t>
             </a:r>
           </a:p>
         </p:txBody>
       </p:sp>
-      <p:sp>
-        <p:nvSpPr>
-          <p:cNvPr id="3" name="Content Placeholder 2">
+      <p:pic>
+        <p:nvPicPr>
+          <p:cNvPr id="9" name="Picture 8" descr="A blue and orange boxes with white letters&#10;&#10;Description automatically generated">
             <a:extLst>
               <a:ext uri="{FF2B5EF4-FFF2-40B4-BE49-F238E27FC236}">
-                <a16:creationId xmlns:a16="http://schemas.microsoft.com/office/drawing/2014/main" id="{ED52809F-1C4F-868B-9EA5-A730FE741827}"/>
+                <a16:creationId xmlns:a16="http://schemas.microsoft.com/office/drawing/2014/main" id="{B82AF7D7-B0C6-3139-C17F-4DBAB660D874}"/>
               </a:ext>
             </a:extLst>
           </p:cNvPr>
-          <p:cNvSpPr>
-            <a:spLocks noGrp="1"/>
-          </p:cNvSpPr>
-          <p:nvPr>
-            <p:ph idx="1"/>
-          </p:nvPr>
-        </p:nvSpPr>
-        <p:spPr/>
-        <p:txBody>
-          <a:bodyPr/>
-          <a:lstStyle/>
-          <a:p>
-            <a:endParaRPr lang="de-CH"/>
-          </a:p>
-        </p:txBody>
-      </p:sp>
+          <p:cNvPicPr>
+            <a:picLocks noChangeAspect="1"/>
+          </p:cNvPicPr>
+          <p:nvPr/>
+        </p:nvPicPr>
+        <p:blipFill>
+          <a:blip r:embed="rId2"/>
+          <a:stretch>
+            <a:fillRect/>
+          </a:stretch>
+        </p:blipFill>
+        <p:spPr>
+          <a:xfrm>
+            <a:off x="5747011" y="835016"/>
+            <a:ext cx="3324809" cy="1987658"/>
+          </a:xfrm>
+          <a:prstGeom prst="rect">
+            <a:avLst/>
+          </a:prstGeom>
+        </p:spPr>
+      </p:pic>
+      <p:pic>
+        <p:nvPicPr>
+          <p:cNvPr id="7" name="Picture 6" descr="A blue and black gear with text&#10;&#10;Description automatically generated">
+            <a:extLst>
+              <a:ext uri="{FF2B5EF4-FFF2-40B4-BE49-F238E27FC236}">
+                <a16:creationId xmlns:a16="http://schemas.microsoft.com/office/drawing/2014/main" id="{2972EEAE-33CF-13EB-0199-B16DD17CE142}"/>
+              </a:ext>
+            </a:extLst>
+          </p:cNvPr>
+          <p:cNvPicPr>
+            <a:picLocks noChangeAspect="1"/>
+          </p:cNvPicPr>
+          <p:nvPr/>
+        </p:nvPicPr>
+        <p:blipFill>
+          <a:blip r:embed="rId3"/>
+          <a:stretch>
+            <a:fillRect/>
+          </a:stretch>
+        </p:blipFill>
+        <p:spPr>
+          <a:xfrm>
+            <a:off x="5915104" y="3051274"/>
+            <a:ext cx="2990088" cy="2990088"/>
+          </a:xfrm>
+          <a:prstGeom prst="rect">
+            <a:avLst/>
+          </a:prstGeom>
+        </p:spPr>
+      </p:pic>
     </p:spTree>
     <p:extLst>
       <p:ext uri="{BB962C8B-B14F-4D97-AF65-F5344CB8AC3E}">
-        <p14:creationId xmlns:p14="http://schemas.microsoft.com/office/powerpoint/2010/main" val="2872544578"/>
+        <p14:creationId xmlns:p14="http://schemas.microsoft.com/office/powerpoint/2010/main" val="246524876"/>
       </p:ext>
     </p:extLst>
   </p:cSld>
@@ -6261,6 +12307,53 @@
           <a:chExt cx="0" cy="0"/>
         </a:xfrm>
       </p:grpSpPr>
+      <p:cxnSp>
+        <p:nvCxnSpPr>
+          <p:cNvPr id="8" name="Straight Connector 7">
+            <a:extLst>
+              <a:ext uri="{FF2B5EF4-FFF2-40B4-BE49-F238E27FC236}">
+                <a16:creationId xmlns:a16="http://schemas.microsoft.com/office/drawing/2014/main" id="{0B5F7E3B-C5F1-40E0-A491-558BAFBC1127}"/>
+              </a:ext>
+              <a:ext uri="{C183D7F6-B498-43B3-948B-1728B52AA6E4}">
+                <adec:decorative xmlns:adec="http://schemas.microsoft.com/office/drawing/2017/decorative" val="1"/>
+              </a:ext>
+            </a:extLst>
+          </p:cNvPr>
+          <p:cNvCxnSpPr>
+            <a:cxnSpLocks noGrp="1" noRot="1" noChangeAspect="1" noMove="1" noResize="1" noEditPoints="1" noAdjustHandles="1" noChangeArrowheads="1" noChangeShapeType="1"/>
+          </p:cNvCxnSpPr>
+          <p:nvPr>
+            <p:extLst>
+              <p:ext uri="{386F3935-93C4-4BCD-93E2-E3B085C9AB24}">
+                <p16:designElem xmlns:p16="http://schemas.microsoft.com/office/powerpoint/2015/main" val="1"/>
+              </p:ext>
+            </p:extLst>
+          </p:nvPr>
+        </p:nvCxnSpPr>
+        <p:spPr>
+          <a:xfrm>
+            <a:off x="4241804" y="1460500"/>
+            <a:ext cx="0" cy="3937000"/>
+          </a:xfrm>
+          <a:prstGeom prst="line">
+            <a:avLst/>
+          </a:prstGeom>
+        </p:spPr>
+        <p:style>
+          <a:lnRef idx="1">
+            <a:schemeClr val="accent1"/>
+          </a:lnRef>
+          <a:fillRef idx="0">
+            <a:schemeClr val="accent1"/>
+          </a:fillRef>
+          <a:effectRef idx="0">
+            <a:schemeClr val="accent1"/>
+          </a:effectRef>
+          <a:fontRef idx="minor">
+            <a:schemeClr val="tx1"/>
+          </a:fontRef>
+        </p:style>
+      </p:cxnSp>
       <p:sp>
         <p:nvSpPr>
           <p:cNvPr id="2" name="Title 1">
@@ -6277,9 +12370,16 @@
             <p:ph type="title"/>
           </p:nvPr>
         </p:nvSpPr>
-        <p:spPr/>
+        <p:spPr>
+          <a:xfrm>
+            <a:off x="643467" y="816638"/>
+            <a:ext cx="3367359" cy="5224724"/>
+          </a:xfrm>
+        </p:spPr>
         <p:txBody>
-          <a:bodyPr/>
+          <a:bodyPr anchor="ctr">
+            <a:normAutofit/>
+          </a:bodyPr>
           <a:lstStyle/>
           <a:p>
             <a:r>
@@ -6305,12 +12405,49 @@
             <p:ph idx="1"/>
           </p:nvPr>
         </p:nvSpPr>
-        <p:spPr/>
+        <p:spPr>
+          <a:xfrm>
+            <a:off x="4654295" y="816638"/>
+            <a:ext cx="4619706" cy="5224724"/>
+          </a:xfrm>
+        </p:spPr>
         <p:txBody>
-          <a:bodyPr/>
+          <a:bodyPr anchor="ctr">
+            <a:normAutofit/>
+          </a:bodyPr>
           <a:lstStyle/>
           <a:p>
-            <a:endParaRPr lang="de-CH"/>
+            <a:r>
+              <a:rPr lang="de-CH" dirty="0"/>
+              <a:t>Viel Freiheit</a:t>
+            </a:r>
+          </a:p>
+          <a:p>
+            <a:r>
+              <a:rPr lang="de-CH" dirty="0"/>
+              <a:t>Verantwortung</a:t>
+            </a:r>
+          </a:p>
+          <a:p>
+            <a:r>
+              <a:rPr lang="de-CH" dirty="0"/>
+              <a:t>Eigene Ideen</a:t>
+            </a:r>
+          </a:p>
+          <a:p>
+            <a:r>
+              <a:rPr lang="de-CH" dirty="0"/>
+              <a:t>Homeoffice</a:t>
+            </a:r>
+          </a:p>
+          <a:p>
+            <a:r>
+              <a:rPr lang="de-CH" dirty="0"/>
+              <a:t>Tickets</a:t>
+            </a:r>
+          </a:p>
+          <a:p>
+            <a:endParaRPr lang="de-CH" dirty="0"/>
           </a:p>
         </p:txBody>
       </p:sp>
@@ -6360,13 +12497,20 @@
             <p:ph type="title"/>
           </p:nvPr>
         </p:nvSpPr>
-        <p:spPr/>
+        <p:spPr>
+          <a:xfrm>
+            <a:off x="5536734" y="609600"/>
+            <a:ext cx="3737268" cy="1320800"/>
+          </a:xfrm>
+        </p:spPr>
         <p:txBody>
-          <a:bodyPr/>
+          <a:bodyPr>
+            <a:normAutofit/>
+          </a:bodyPr>
           <a:lstStyle/>
           <a:p>
             <a:r>
-              <a:rPr lang="de-CH"/>
+              <a:rPr lang="de-CH" dirty="0"/>
               <a:t>Quellen</a:t>
             </a:r>
           </a:p>
@@ -6388,7 +12532,564 @@
             <p:ph idx="1"/>
           </p:nvPr>
         </p:nvSpPr>
-        <p:spPr/>
+        <p:spPr>
+          <a:xfrm>
+            <a:off x="5287993" y="2419381"/>
+            <a:ext cx="6236898" cy="3389236"/>
+          </a:xfrm>
+        </p:spPr>
+        <p:txBody>
+          <a:bodyPr>
+            <a:normAutofit/>
+          </a:bodyPr>
+          <a:lstStyle/>
+          <a:p>
+            <a:pPr marL="0" indent="0">
+              <a:lnSpc>
+                <a:spcPct val="90000"/>
+              </a:lnSpc>
+              <a:spcAft>
+                <a:spcPts val="800"/>
+              </a:spcAft>
+              <a:buNone/>
+            </a:pPr>
+            <a:r>
+              <a:rPr lang="de-CH" sz="1500" b="1" kern="100" dirty="0">
+                <a:effectLst/>
+                <a:latin typeface="Calibri Light" panose="020F0302020204030204" pitchFamily="34" charset="0"/>
+                <a:ea typeface="Times New Roman" panose="02020603050405020304" pitchFamily="18" charset="0"/>
+                <a:cs typeface="Times New Roman" panose="02020603050405020304" pitchFamily="18" charset="0"/>
+              </a:rPr>
+              <a:t>Planeten und Sternen API	</a:t>
+            </a:r>
+            <a:r>
+              <a:rPr lang="fr-CH" sz="1500" kern="100" dirty="0">
+                <a:effectLst/>
+                <a:latin typeface="Calibri" panose="020F0502020204030204" pitchFamily="34" charset="0"/>
+                <a:ea typeface="Calibri" panose="020F0502020204030204" pitchFamily="34" charset="0"/>
+                <a:cs typeface="Times New Roman" panose="02020603050405020304" pitchFamily="18" charset="0"/>
+                <a:sym typeface="Wingdings" panose="05000000000000000000" pitchFamily="2" charset="2"/>
+              </a:rPr>
+              <a:t></a:t>
+            </a:r>
+            <a:r>
+              <a:rPr lang="de-CH" sz="1500" kern="100" dirty="0">
+                <a:effectLst/>
+                <a:latin typeface="Calibri" panose="020F0502020204030204" pitchFamily="34" charset="0"/>
+                <a:ea typeface="Calibri" panose="020F0502020204030204" pitchFamily="34" charset="0"/>
+                <a:cs typeface="Times New Roman" panose="02020603050405020304" pitchFamily="18" charset="0"/>
+              </a:rPr>
+              <a:t>	</a:t>
+            </a:r>
+            <a:r>
+              <a:rPr lang="de-CH" sz="1500" u="sng" kern="100" dirty="0">
+                <a:solidFill>
+                  <a:schemeClr val="tx1"/>
+                </a:solidFill>
+                <a:effectLst/>
+                <a:latin typeface="Calibri" panose="020F0502020204030204" pitchFamily="34" charset="0"/>
+                <a:ea typeface="Calibri" panose="020F0502020204030204" pitchFamily="34" charset="0"/>
+                <a:cs typeface="Times New Roman" panose="02020603050405020304" pitchFamily="18" charset="0"/>
+                <a:hlinkClick r:id="rId2">
+                  <a:extLst>
+                    <a:ext uri="{A12FA001-AC4F-418D-AE19-62706E023703}">
+                      <ahyp:hlinkClr xmlns:ahyp="http://schemas.microsoft.com/office/drawing/2018/hyperlinkcolor" val="tx"/>
+                    </a:ext>
+                  </a:extLst>
+                </a:hlinkClick>
+              </a:rPr>
+              <a:t>https://api-ninjas.com</a:t>
+            </a:r>
+            <a:endParaRPr lang="de-CH" sz="1500" kern="100" dirty="0">
+              <a:solidFill>
+                <a:schemeClr val="tx1"/>
+              </a:solidFill>
+              <a:effectLst/>
+              <a:latin typeface="Calibri" panose="020F0502020204030204" pitchFamily="34" charset="0"/>
+              <a:ea typeface="Calibri" panose="020F0502020204030204" pitchFamily="34" charset="0"/>
+              <a:cs typeface="Times New Roman" panose="02020603050405020304" pitchFamily="18" charset="0"/>
+            </a:endParaRPr>
+          </a:p>
+          <a:p>
+            <a:pPr marL="0" indent="0">
+              <a:lnSpc>
+                <a:spcPct val="90000"/>
+              </a:lnSpc>
+              <a:spcAft>
+                <a:spcPts val="800"/>
+              </a:spcAft>
+              <a:buNone/>
+            </a:pPr>
+            <a:r>
+              <a:rPr lang="de-CH" sz="1500" b="1" kern="100" dirty="0">
+                <a:effectLst/>
+                <a:latin typeface="Calibri Light" panose="020F0302020204030204" pitchFamily="34" charset="0"/>
+                <a:ea typeface="Times New Roman" panose="02020603050405020304" pitchFamily="18" charset="0"/>
+                <a:cs typeface="Times New Roman" panose="02020603050405020304" pitchFamily="18" charset="0"/>
+              </a:rPr>
+              <a:t>Rechtschreibung			</a:t>
+            </a:r>
+            <a:r>
+              <a:rPr lang="de-CH" sz="1500" kern="100" dirty="0">
+                <a:effectLst/>
+                <a:latin typeface="Calibri" panose="020F0502020204030204" pitchFamily="34" charset="0"/>
+                <a:ea typeface="Calibri" panose="020F0502020204030204" pitchFamily="34" charset="0"/>
+                <a:cs typeface="Times New Roman" panose="02020603050405020304" pitchFamily="18" charset="0"/>
+                <a:sym typeface="Wingdings" panose="05000000000000000000" pitchFamily="2" charset="2"/>
+              </a:rPr>
+              <a:t></a:t>
+            </a:r>
+            <a:r>
+              <a:rPr lang="de-CH" sz="1500" kern="100" dirty="0">
+                <a:effectLst/>
+                <a:latin typeface="Calibri" panose="020F0502020204030204" pitchFamily="34" charset="0"/>
+                <a:ea typeface="Calibri" panose="020F0502020204030204" pitchFamily="34" charset="0"/>
+                <a:cs typeface="Times New Roman" panose="02020603050405020304" pitchFamily="18" charset="0"/>
+              </a:rPr>
+              <a:t>	</a:t>
+            </a:r>
+            <a:r>
+              <a:rPr lang="de-CH" sz="1500" u="sng" kern="100" dirty="0">
+                <a:solidFill>
+                  <a:schemeClr val="tx1"/>
+                </a:solidFill>
+                <a:effectLst/>
+                <a:latin typeface="Calibri" panose="020F0502020204030204" pitchFamily="34" charset="0"/>
+                <a:ea typeface="Calibri" panose="020F0502020204030204" pitchFamily="34" charset="0"/>
+                <a:cs typeface="Times New Roman" panose="02020603050405020304" pitchFamily="18" charset="0"/>
+                <a:hlinkClick r:id="rId3">
+                  <a:extLst>
+                    <a:ext uri="{A12FA001-AC4F-418D-AE19-62706E023703}">
+                      <ahyp:hlinkClr xmlns:ahyp="http://schemas.microsoft.com/office/drawing/2018/hyperlinkcolor" val="tx"/>
+                    </a:ext>
+                  </a:extLst>
+                </a:hlinkClick>
+              </a:rPr>
+              <a:t>https://rechtschreibpruefung24.de</a:t>
+            </a:r>
+            <a:endParaRPr lang="de-CH" sz="1500" kern="100" dirty="0">
+              <a:solidFill>
+                <a:schemeClr val="tx1"/>
+              </a:solidFill>
+              <a:effectLst/>
+              <a:latin typeface="Calibri" panose="020F0502020204030204" pitchFamily="34" charset="0"/>
+              <a:ea typeface="Calibri" panose="020F0502020204030204" pitchFamily="34" charset="0"/>
+              <a:cs typeface="Times New Roman" panose="02020603050405020304" pitchFamily="18" charset="0"/>
+            </a:endParaRPr>
+          </a:p>
+          <a:p>
+            <a:pPr marL="0" indent="0">
+              <a:lnSpc>
+                <a:spcPct val="90000"/>
+              </a:lnSpc>
+              <a:spcAft>
+                <a:spcPts val="800"/>
+              </a:spcAft>
+              <a:buNone/>
+            </a:pPr>
+            <a:r>
+              <a:rPr lang="de-CH" sz="1500" b="1" kern="100" dirty="0">
+                <a:effectLst/>
+                <a:latin typeface="Calibri Light" panose="020F0302020204030204" pitchFamily="34" charset="0"/>
+                <a:ea typeface="Times New Roman" panose="02020603050405020304" pitchFamily="18" charset="0"/>
+                <a:cs typeface="Times New Roman" panose="02020603050405020304" pitchFamily="18" charset="0"/>
+              </a:rPr>
+              <a:t>Für html, CSS und JavaScript	</a:t>
+            </a:r>
+            <a:r>
+              <a:rPr lang="de-CH" sz="1500" kern="100" dirty="0">
+                <a:effectLst/>
+                <a:latin typeface="Calibri" panose="020F0502020204030204" pitchFamily="34" charset="0"/>
+                <a:ea typeface="Calibri" panose="020F0502020204030204" pitchFamily="34" charset="0"/>
+                <a:cs typeface="Times New Roman" panose="02020603050405020304" pitchFamily="18" charset="0"/>
+                <a:sym typeface="Wingdings" panose="05000000000000000000" pitchFamily="2" charset="2"/>
+              </a:rPr>
+              <a:t></a:t>
+            </a:r>
+            <a:r>
+              <a:rPr lang="de-CH" sz="1500" kern="100" dirty="0">
+                <a:effectLst/>
+                <a:latin typeface="Calibri" panose="020F0502020204030204" pitchFamily="34" charset="0"/>
+                <a:ea typeface="Calibri" panose="020F0502020204030204" pitchFamily="34" charset="0"/>
+                <a:cs typeface="Times New Roman" panose="02020603050405020304" pitchFamily="18" charset="0"/>
+              </a:rPr>
+              <a:t>	</a:t>
+            </a:r>
+            <a:r>
+              <a:rPr lang="de-CH" sz="1500" u="sng" kern="100" dirty="0">
+                <a:solidFill>
+                  <a:schemeClr val="tx1"/>
+                </a:solidFill>
+                <a:effectLst/>
+                <a:latin typeface="Calibri" panose="020F0502020204030204" pitchFamily="34" charset="0"/>
+                <a:ea typeface="Calibri" panose="020F0502020204030204" pitchFamily="34" charset="0"/>
+                <a:cs typeface="Times New Roman" panose="02020603050405020304" pitchFamily="18" charset="0"/>
+                <a:hlinkClick r:id="rId4">
+                  <a:extLst>
+                    <a:ext uri="{A12FA001-AC4F-418D-AE19-62706E023703}">
+                      <ahyp:hlinkClr xmlns:ahyp="http://schemas.microsoft.com/office/drawing/2018/hyperlinkcolor" val="tx"/>
+                    </a:ext>
+                  </a:extLst>
+                </a:hlinkClick>
+              </a:rPr>
+              <a:t>https://devdocs.io</a:t>
+            </a:r>
+            <a:endParaRPr lang="de-CH" sz="1500" kern="100" dirty="0">
+              <a:solidFill>
+                <a:schemeClr val="tx1"/>
+              </a:solidFill>
+              <a:effectLst/>
+              <a:latin typeface="Calibri" panose="020F0502020204030204" pitchFamily="34" charset="0"/>
+              <a:ea typeface="Calibri" panose="020F0502020204030204" pitchFamily="34" charset="0"/>
+              <a:cs typeface="Times New Roman" panose="02020603050405020304" pitchFamily="18" charset="0"/>
+            </a:endParaRPr>
+          </a:p>
+          <a:p>
+            <a:pPr marL="0" indent="0">
+              <a:lnSpc>
+                <a:spcPct val="90000"/>
+              </a:lnSpc>
+              <a:spcAft>
+                <a:spcPts val="800"/>
+              </a:spcAft>
+              <a:buNone/>
+            </a:pPr>
+            <a:r>
+              <a:rPr lang="en-US" sz="1500" b="1" kern="100" dirty="0">
+                <a:effectLst/>
+                <a:latin typeface="Calibri Light" panose="020F0302020204030204" pitchFamily="34" charset="0"/>
+                <a:ea typeface="Times New Roman" panose="02020603050405020304" pitchFamily="18" charset="0"/>
+                <a:cs typeface="Times New Roman" panose="02020603050405020304" pitchFamily="18" charset="0"/>
+              </a:rPr>
+              <a:t>ISS API				</a:t>
+            </a:r>
+            <a:r>
+              <a:rPr lang="de-CH" sz="1500" kern="100" dirty="0">
+                <a:effectLst/>
+                <a:latin typeface="Calibri" panose="020F0502020204030204" pitchFamily="34" charset="0"/>
+                <a:ea typeface="Calibri" panose="020F0502020204030204" pitchFamily="34" charset="0"/>
+                <a:cs typeface="Times New Roman" panose="02020603050405020304" pitchFamily="18" charset="0"/>
+                <a:sym typeface="Wingdings" panose="05000000000000000000" pitchFamily="2" charset="2"/>
+              </a:rPr>
+              <a:t></a:t>
+            </a:r>
+            <a:r>
+              <a:rPr lang="en-US" sz="1500" kern="100" dirty="0">
+                <a:effectLst/>
+                <a:latin typeface="Calibri" panose="020F0502020204030204" pitchFamily="34" charset="0"/>
+                <a:ea typeface="Calibri" panose="020F0502020204030204" pitchFamily="34" charset="0"/>
+                <a:cs typeface="Times New Roman" panose="02020603050405020304" pitchFamily="18" charset="0"/>
+              </a:rPr>
+              <a:t>	</a:t>
+            </a:r>
+            <a:r>
+              <a:rPr lang="en-US" sz="1500" u="sng" kern="100" dirty="0">
+                <a:solidFill>
+                  <a:schemeClr val="tx1"/>
+                </a:solidFill>
+                <a:effectLst/>
+                <a:latin typeface="Calibri" panose="020F0502020204030204" pitchFamily="34" charset="0"/>
+                <a:ea typeface="Calibri" panose="020F0502020204030204" pitchFamily="34" charset="0"/>
+                <a:cs typeface="Times New Roman" panose="02020603050405020304" pitchFamily="18" charset="0"/>
+                <a:hlinkClick r:id="rId5">
+                  <a:extLst>
+                    <a:ext uri="{A12FA001-AC4F-418D-AE19-62706E023703}">
+                      <ahyp:hlinkClr xmlns:ahyp="http://schemas.microsoft.com/office/drawing/2018/hyperlinkcolor" val="tx"/>
+                    </a:ext>
+                  </a:extLst>
+                </a:hlinkClick>
+              </a:rPr>
+              <a:t>http://open-notify.org</a:t>
+            </a:r>
+            <a:endParaRPr lang="de-CH" sz="1500" kern="100" dirty="0">
+              <a:solidFill>
+                <a:schemeClr val="tx1"/>
+              </a:solidFill>
+              <a:effectLst/>
+              <a:latin typeface="Calibri" panose="020F0502020204030204" pitchFamily="34" charset="0"/>
+              <a:ea typeface="Calibri" panose="020F0502020204030204" pitchFamily="34" charset="0"/>
+              <a:cs typeface="Times New Roman" panose="02020603050405020304" pitchFamily="18" charset="0"/>
+            </a:endParaRPr>
+          </a:p>
+          <a:p>
+            <a:pPr marL="0" indent="0">
+              <a:lnSpc>
+                <a:spcPct val="90000"/>
+              </a:lnSpc>
+              <a:spcAft>
+                <a:spcPts val="800"/>
+              </a:spcAft>
+              <a:buNone/>
+            </a:pPr>
+            <a:r>
+              <a:rPr lang="en-US" sz="1500" b="1" kern="100" dirty="0">
+                <a:effectLst/>
+                <a:latin typeface="Calibri Light" panose="020F0302020204030204" pitchFamily="34" charset="0"/>
+                <a:ea typeface="Times New Roman" panose="02020603050405020304" pitchFamily="18" charset="0"/>
+                <a:cs typeface="Times New Roman" panose="02020603050405020304" pitchFamily="18" charset="0"/>
+              </a:rPr>
+              <a:t>Bilder					</a:t>
+            </a:r>
+            <a:r>
+              <a:rPr lang="de-CH" sz="1500" kern="100" dirty="0">
+                <a:effectLst/>
+                <a:latin typeface="Calibri" panose="020F0502020204030204" pitchFamily="34" charset="0"/>
+                <a:ea typeface="Calibri" panose="020F0502020204030204" pitchFamily="34" charset="0"/>
+                <a:cs typeface="Times New Roman" panose="02020603050405020304" pitchFamily="18" charset="0"/>
+                <a:sym typeface="Wingdings" panose="05000000000000000000" pitchFamily="2" charset="2"/>
+              </a:rPr>
+              <a:t></a:t>
+            </a:r>
+            <a:r>
+              <a:rPr lang="en-US" sz="1500" kern="100" dirty="0">
+                <a:effectLst/>
+                <a:latin typeface="Calibri" panose="020F0502020204030204" pitchFamily="34" charset="0"/>
+                <a:ea typeface="Calibri" panose="020F0502020204030204" pitchFamily="34" charset="0"/>
+                <a:cs typeface="Times New Roman" panose="02020603050405020304" pitchFamily="18" charset="0"/>
+              </a:rPr>
+              <a:t>	</a:t>
+            </a:r>
+            <a:r>
+              <a:rPr lang="en-US" sz="1500" u="sng" kern="100" dirty="0">
+                <a:solidFill>
+                  <a:schemeClr val="tx1"/>
+                </a:solidFill>
+                <a:latin typeface="Calibri" panose="020F0502020204030204" pitchFamily="34" charset="0"/>
+                <a:ea typeface="Calibri" panose="020F0502020204030204" pitchFamily="34" charset="0"/>
+                <a:cs typeface="Times New Roman" panose="02020603050405020304" pitchFamily="18" charset="0"/>
+                <a:hlinkClick r:id="rId6">
+                  <a:extLst>
+                    <a:ext uri="{A12FA001-AC4F-418D-AE19-62706E023703}">
+                      <ahyp:hlinkClr xmlns:ahyp="http://schemas.microsoft.com/office/drawing/2018/hyperlinkcolor" val="tx"/>
+                    </a:ext>
+                  </a:extLst>
+                </a:hlinkClick>
+              </a:rPr>
+              <a:t>https://www.nasa.gov/images</a:t>
+            </a:r>
+            <a:endParaRPr lang="en-US" sz="1500" u="sng" kern="100" dirty="0">
+              <a:solidFill>
+                <a:schemeClr val="tx1"/>
+              </a:solidFill>
+              <a:latin typeface="Calibri" panose="020F0502020204030204" pitchFamily="34" charset="0"/>
+              <a:ea typeface="Calibri" panose="020F0502020204030204" pitchFamily="34" charset="0"/>
+              <a:cs typeface="Times New Roman" panose="02020603050405020304" pitchFamily="18" charset="0"/>
+            </a:endParaRPr>
+          </a:p>
+          <a:p>
+            <a:pPr marL="0" indent="0">
+              <a:lnSpc>
+                <a:spcPct val="90000"/>
+              </a:lnSpc>
+              <a:spcAft>
+                <a:spcPts val="800"/>
+              </a:spcAft>
+              <a:buNone/>
+            </a:pPr>
+            <a:r>
+              <a:rPr lang="de-CH" sz="1500" kern="100" dirty="0">
+                <a:solidFill>
+                  <a:schemeClr val="tx1"/>
+                </a:solidFill>
+                <a:effectLst/>
+                <a:latin typeface="Calibri" panose="020F0502020204030204" pitchFamily="34" charset="0"/>
+                <a:ea typeface="Calibri" panose="020F0502020204030204" pitchFamily="34" charset="0"/>
+                <a:cs typeface="Times New Roman" panose="02020603050405020304" pitchFamily="18" charset="0"/>
+              </a:rPr>
+              <a:t>Hilfe und Ideen			</a:t>
+            </a:r>
+            <a:r>
+              <a:rPr lang="de-CH" sz="1500" kern="100" dirty="0">
+                <a:solidFill>
+                  <a:schemeClr val="tx1"/>
+                </a:solidFill>
+                <a:effectLst/>
+                <a:latin typeface="Calibri" panose="020F0502020204030204" pitchFamily="34" charset="0"/>
+                <a:ea typeface="Calibri" panose="020F0502020204030204" pitchFamily="34" charset="0"/>
+                <a:cs typeface="Times New Roman" panose="02020603050405020304" pitchFamily="18" charset="0"/>
+                <a:sym typeface="Wingdings" panose="05000000000000000000" pitchFamily="2" charset="2"/>
+              </a:rPr>
+              <a:t>	</a:t>
+            </a:r>
+            <a:r>
+              <a:rPr lang="de-CH" sz="1500" kern="100" dirty="0">
+                <a:solidFill>
+                  <a:schemeClr val="tx1"/>
+                </a:solidFill>
+                <a:effectLst/>
+                <a:latin typeface="Calibri" panose="020F0502020204030204" pitchFamily="34" charset="0"/>
+                <a:ea typeface="Calibri" panose="020F0502020204030204" pitchFamily="34" charset="0"/>
+                <a:cs typeface="Times New Roman" panose="02020603050405020304" pitchFamily="18" charset="0"/>
+                <a:sym typeface="Wingdings" panose="05000000000000000000" pitchFamily="2" charset="2"/>
+                <a:hlinkClick r:id="rId7">
+                  <a:extLst>
+                    <a:ext uri="{A12FA001-AC4F-418D-AE19-62706E023703}">
+                      <ahyp:hlinkClr xmlns:ahyp="http://schemas.microsoft.com/office/drawing/2018/hyperlinkcolor" val="tx"/>
+                    </a:ext>
+                  </a:extLst>
+                </a:hlinkClick>
+              </a:rPr>
+              <a:t>https://chat.openai.com</a:t>
+            </a:r>
+            <a:endParaRPr lang="de-CH" sz="1500" kern="100" dirty="0">
+              <a:solidFill>
+                <a:schemeClr val="tx1"/>
+              </a:solidFill>
+              <a:effectLst/>
+              <a:latin typeface="Calibri" panose="020F0502020204030204" pitchFamily="34" charset="0"/>
+              <a:ea typeface="Calibri" panose="020F0502020204030204" pitchFamily="34" charset="0"/>
+              <a:cs typeface="Times New Roman" panose="02020603050405020304" pitchFamily="18" charset="0"/>
+            </a:endParaRPr>
+          </a:p>
+          <a:p>
+            <a:pPr marL="0" indent="0">
+              <a:lnSpc>
+                <a:spcPct val="90000"/>
+              </a:lnSpc>
+              <a:buNone/>
+            </a:pPr>
+            <a:r>
+              <a:rPr lang="fr-CH" sz="1500" dirty="0">
+                <a:effectLst/>
+                <a:latin typeface="Calibri" panose="020F0502020204030204" pitchFamily="34" charset="0"/>
+                <a:ea typeface="Calibri" panose="020F0502020204030204" pitchFamily="34" charset="0"/>
+                <a:cs typeface="Times New Roman" panose="02020603050405020304" pitchFamily="18" charset="0"/>
+              </a:rPr>
+              <a:t>						VS Code – </a:t>
+            </a:r>
+            <a:r>
+              <a:rPr lang="fr-CH" sz="1500" dirty="0" err="1">
+                <a:effectLst/>
+                <a:latin typeface="Calibri" panose="020F0502020204030204" pitchFamily="34" charset="0"/>
+                <a:ea typeface="Calibri" panose="020F0502020204030204" pitchFamily="34" charset="0"/>
+                <a:cs typeface="Times New Roman" panose="02020603050405020304" pitchFamily="18" charset="0"/>
+              </a:rPr>
+              <a:t>Blackbox</a:t>
+            </a:r>
+            <a:r>
+              <a:rPr lang="fr-CH" sz="1500" dirty="0">
+                <a:effectLst/>
+                <a:latin typeface="Calibri" panose="020F0502020204030204" pitchFamily="34" charset="0"/>
+                <a:ea typeface="Calibri" panose="020F0502020204030204" pitchFamily="34" charset="0"/>
+                <a:cs typeface="Times New Roman" panose="02020603050405020304" pitchFamily="18" charset="0"/>
+              </a:rPr>
+              <a:t> ai extension</a:t>
+            </a:r>
+            <a:endParaRPr lang="de-CH" sz="1500" dirty="0"/>
+          </a:p>
+        </p:txBody>
+      </p:sp>
+      <p:pic>
+        <p:nvPicPr>
+          <p:cNvPr id="5" name="Picture 4" descr="Blick auf die Erde aus dem Weltraum">
+            <a:extLst>
+              <a:ext uri="{FF2B5EF4-FFF2-40B4-BE49-F238E27FC236}">
+                <a16:creationId xmlns:a16="http://schemas.microsoft.com/office/drawing/2014/main" id="{1E1FA2B5-19BC-C389-4822-F8D8D399350A}"/>
+              </a:ext>
+            </a:extLst>
+          </p:cNvPr>
+          <p:cNvPicPr>
+            <a:picLocks noChangeAspect="1"/>
+          </p:cNvPicPr>
+          <p:nvPr/>
+        </p:nvPicPr>
+        <p:blipFill rotWithShape="1">
+          <a:blip r:embed="rId8"/>
+          <a:srcRect l="24062" r="31688"/>
+          <a:stretch/>
+        </p:blipFill>
+        <p:spPr>
+          <a:xfrm>
+            <a:off x="20" y="-1"/>
+            <a:ext cx="5394940" cy="6858001"/>
+          </a:xfrm>
+          <a:custGeom>
+            <a:avLst/>
+            <a:gdLst/>
+            <a:ahLst/>
+            <a:cxnLst/>
+            <a:rect l="l" t="t" r="r" b="b"/>
+            <a:pathLst>
+              <a:path w="5394960" h="6858000">
+                <a:moveTo>
+                  <a:pt x="842596" y="0"/>
+                </a:moveTo>
+                <a:lnTo>
+                  <a:pt x="5394960" y="0"/>
+                </a:lnTo>
+                <a:lnTo>
+                  <a:pt x="5394960" y="21851"/>
+                </a:lnTo>
+                <a:lnTo>
+                  <a:pt x="4365943" y="6858000"/>
+                </a:lnTo>
+                <a:lnTo>
+                  <a:pt x="0" y="6858000"/>
+                </a:lnTo>
+                <a:lnTo>
+                  <a:pt x="0" y="5666154"/>
+                </a:lnTo>
+                <a:close/>
+              </a:path>
+            </a:pathLst>
+          </a:custGeom>
+        </p:spPr>
+      </p:pic>
+      <p:sp>
+        <p:nvSpPr>
+          <p:cNvPr id="9" name="Isosceles Triangle 8">
+            <a:extLst>
+              <a:ext uri="{FF2B5EF4-FFF2-40B4-BE49-F238E27FC236}">
+                <a16:creationId xmlns:a16="http://schemas.microsoft.com/office/drawing/2014/main" id="{3BCB5F6A-9EB0-40B0-9D13-3023E9A20508}"/>
+              </a:ext>
+              <a:ext uri="{C183D7F6-B498-43B3-948B-1728B52AA6E4}">
+                <adec:decorative xmlns:adec="http://schemas.microsoft.com/office/drawing/2017/decorative" val="1"/>
+              </a:ext>
+            </a:extLst>
+          </p:cNvPr>
+          <p:cNvSpPr>
+            <a:spLocks noGrp="1" noRot="1" noChangeAspect="1" noMove="1" noResize="1" noEditPoints="1" noAdjustHandles="1" noChangeArrowheads="1" noChangeShapeType="1" noTextEdit="1"/>
+          </p:cNvSpPr>
+          <p:nvPr>
+            <p:extLst>
+              <p:ext uri="{386F3935-93C4-4BCD-93E2-E3B085C9AB24}">
+                <p16:designElem xmlns:p16="http://schemas.microsoft.com/office/powerpoint/2015/main" val="1"/>
+              </p:ext>
+            </p:extLst>
+          </p:nvPr>
+        </p:nvSpPr>
+        <p:spPr>
+          <a:xfrm rot="10800000">
+            <a:off x="0" y="0"/>
+            <a:ext cx="842596" cy="5666154"/>
+          </a:xfrm>
+          <a:prstGeom prst="triangle">
+            <a:avLst>
+              <a:gd name="adj" fmla="val 100000"/>
+            </a:avLst>
+          </a:prstGeom>
+          <a:solidFill>
+            <a:schemeClr val="accent1"/>
+          </a:solidFill>
+          <a:ln>
+            <a:noFill/>
+          </a:ln>
+          <a:effectLst/>
+        </p:spPr>
+        <p:style>
+          <a:lnRef idx="1">
+            <a:schemeClr val="accent1"/>
+          </a:lnRef>
+          <a:fillRef idx="3">
+            <a:schemeClr val="accent1"/>
+          </a:fillRef>
+          <a:effectRef idx="2">
+            <a:schemeClr val="accent1"/>
+          </a:effectRef>
+          <a:fontRef idx="minor">
+            <a:schemeClr val="lt1"/>
+          </a:fontRef>
+        </p:style>
         <p:txBody>
           <a:bodyPr/>
           <a:lstStyle/>
